--- a/Week_1/003-Python-Basics/Python.pptx
+++ b/Week_1/003-Python-Basics/Python.pptx
@@ -76,23 +76,24 @@
     <p:sldId id="321" r:id="rId72"/>
     <p:sldId id="322" r:id="rId73"/>
     <p:sldId id="323" r:id="rId74"/>
+    <p:sldId id="324" r:id="rId75"/>
   </p:sldIdLst>
   <p:sldSz cy="5143500" cx="9144000"/>
   <p:notesSz cx="6858000" cy="9144000"/>
   <p:embeddedFontLst>
     <p:embeddedFont>
       <p:font typeface="Roboto"/>
-      <p:regular r:id="rId75"/>
-      <p:bold r:id="rId76"/>
-      <p:italic r:id="rId77"/>
-      <p:boldItalic r:id="rId78"/>
+      <p:regular r:id="rId76"/>
+      <p:bold r:id="rId77"/>
+      <p:italic r:id="rId78"/>
+      <p:boldItalic r:id="rId79"/>
     </p:embeddedFont>
     <p:embeddedFont>
       <p:font typeface="Roboto Mono"/>
-      <p:regular r:id="rId79"/>
-      <p:bold r:id="rId80"/>
-      <p:italic r:id="rId81"/>
-      <p:boldItalic r:id="rId82"/>
+      <p:regular r:id="rId80"/>
+      <p:bold r:id="rId81"/>
+      <p:italic r:id="rId82"/>
+      <p:boldItalic r:id="rId83"/>
     </p:embeddedFont>
   </p:embeddedFontLst>
   <p:defaultTextStyle>
@@ -3956,7 +3957,7 @@
       </p:grpSpPr>
       <p:sp>
         <p:nvSpPr>
-          <p:cNvPr id="357" name="Google Shape;357;g3b72cd79c11_0_13:notes"/>
+          <p:cNvPr id="357" name="Google Shape;357;g3b72cd79c11_0_19:notes"/>
           <p:cNvSpPr/>
           <p:nvPr>
             <p:ph idx="2" type="sldImg"/>
@@ -3991,7 +3992,7 @@
       </p:sp>
       <p:sp>
         <p:nvSpPr>
-          <p:cNvPr id="358" name="Google Shape;358;g3b72cd79c11_0_13:notes"/>
+          <p:cNvPr id="358" name="Google Shape;358;g3b72cd79c11_0_19:notes"/>
           <p:cNvSpPr txBox="1"/>
           <p:nvPr>
             <p:ph idx="1" type="body"/>
@@ -4140,7 +4141,7 @@
   <p:cSld>
     <p:spTree>
       <p:nvGrpSpPr>
-        <p:cNvPr id="363" name="Shape 363"/>
+        <p:cNvPr id="365" name="Shape 365"/>
         <p:cNvGrpSpPr/>
         <p:nvPr/>
       </p:nvGrpSpPr>
@@ -4154,7 +4155,7 @@
       </p:grpSpPr>
       <p:sp>
         <p:nvSpPr>
-          <p:cNvPr id="364" name="Google Shape;364;g3b72cd79c11_0_19:notes"/>
+          <p:cNvPr id="366" name="Google Shape;366;g3b72cd79c11_0_27:notes"/>
           <p:cNvSpPr/>
           <p:nvPr>
             <p:ph idx="2" type="sldImg"/>
@@ -4189,7 +4190,7 @@
       </p:sp>
       <p:sp>
         <p:nvSpPr>
-          <p:cNvPr id="365" name="Google Shape;365;g3b72cd79c11_0_19:notes"/>
+          <p:cNvPr id="367" name="Google Shape;367;g3b72cd79c11_0_27:notes"/>
           <p:cNvSpPr txBox="1"/>
           <p:nvPr>
             <p:ph idx="1" type="body"/>
@@ -4239,7 +4240,7 @@
   <p:cSld>
     <p:spTree>
       <p:nvGrpSpPr>
-        <p:cNvPr id="372" name="Shape 372"/>
+        <p:cNvPr id="374" name="Shape 374"/>
         <p:cNvGrpSpPr/>
         <p:nvPr/>
       </p:nvGrpSpPr>
@@ -4253,7 +4254,7 @@
       </p:grpSpPr>
       <p:sp>
         <p:nvSpPr>
-          <p:cNvPr id="373" name="Google Shape;373;g3b72cd79c11_0_27:notes"/>
+          <p:cNvPr id="375" name="Google Shape;375;g3b72cd79c11_0_36:notes"/>
           <p:cNvSpPr/>
           <p:nvPr>
             <p:ph idx="2" type="sldImg"/>
@@ -4288,7 +4289,7 @@
       </p:sp>
       <p:sp>
         <p:nvSpPr>
-          <p:cNvPr id="374" name="Google Shape;374;g3b72cd79c11_0_27:notes"/>
+          <p:cNvPr id="376" name="Google Shape;376;g3b72cd79c11_0_36:notes"/>
           <p:cNvSpPr txBox="1"/>
           <p:nvPr>
             <p:ph idx="1" type="body"/>
@@ -4338,7 +4339,7 @@
   <p:cSld>
     <p:spTree>
       <p:nvGrpSpPr>
-        <p:cNvPr id="381" name="Shape 381"/>
+        <p:cNvPr id="384" name="Shape 384"/>
         <p:cNvGrpSpPr/>
         <p:nvPr/>
       </p:nvGrpSpPr>
@@ -4352,7 +4353,7 @@
       </p:grpSpPr>
       <p:sp>
         <p:nvSpPr>
-          <p:cNvPr id="382" name="Google Shape;382;g3b72cd79c11_0_36:notes"/>
+          <p:cNvPr id="385" name="Google Shape;385;g3b72cd79c11_0_47:notes"/>
           <p:cNvSpPr/>
           <p:nvPr>
             <p:ph idx="2" type="sldImg"/>
@@ -4387,7 +4388,7 @@
       </p:sp>
       <p:sp>
         <p:nvSpPr>
-          <p:cNvPr id="383" name="Google Shape;383;g3b72cd79c11_0_36:notes"/>
+          <p:cNvPr id="386" name="Google Shape;386;g3b72cd79c11_0_47:notes"/>
           <p:cNvSpPr txBox="1"/>
           <p:nvPr>
             <p:ph idx="1" type="body"/>
@@ -4437,7 +4438,7 @@
   <p:cSld>
     <p:spTree>
       <p:nvGrpSpPr>
-        <p:cNvPr id="391" name="Shape 391"/>
+        <p:cNvPr id="395" name="Shape 395"/>
         <p:cNvGrpSpPr/>
         <p:nvPr/>
       </p:nvGrpSpPr>
@@ -4451,7 +4452,7 @@
       </p:grpSpPr>
       <p:sp>
         <p:nvSpPr>
-          <p:cNvPr id="392" name="Google Shape;392;g3b72cd79c11_0_47:notes"/>
+          <p:cNvPr id="396" name="Google Shape;396;g3b72cd79c11_0_89:notes"/>
           <p:cNvSpPr/>
           <p:nvPr>
             <p:ph idx="2" type="sldImg"/>
@@ -4486,7 +4487,7 @@
       </p:sp>
       <p:sp>
         <p:nvSpPr>
-          <p:cNvPr id="393" name="Google Shape;393;g3b72cd79c11_0_47:notes"/>
+          <p:cNvPr id="397" name="Google Shape;397;g3b72cd79c11_0_89:notes"/>
           <p:cNvSpPr txBox="1"/>
           <p:nvPr>
             <p:ph idx="1" type="body"/>
@@ -4536,7 +4537,7 @@
   <p:cSld>
     <p:spTree>
       <p:nvGrpSpPr>
-        <p:cNvPr id="402" name="Shape 402"/>
+        <p:cNvPr id="405" name="Shape 405"/>
         <p:cNvGrpSpPr/>
         <p:nvPr/>
       </p:nvGrpSpPr>
@@ -4550,7 +4551,7 @@
       </p:grpSpPr>
       <p:sp>
         <p:nvSpPr>
-          <p:cNvPr id="403" name="Google Shape;403;g3b72cd79c11_0_89:notes"/>
+          <p:cNvPr id="406" name="Google Shape;406;g3b90951741f_0_1:notes"/>
           <p:cNvSpPr/>
           <p:nvPr>
             <p:ph idx="2" type="sldImg"/>
@@ -4585,7 +4586,7 @@
       </p:sp>
       <p:sp>
         <p:nvSpPr>
-          <p:cNvPr id="404" name="Google Shape;404;g3b72cd79c11_0_89:notes"/>
+          <p:cNvPr id="407" name="Google Shape;407;g3b90951741f_0_1:notes"/>
           <p:cNvSpPr txBox="1"/>
           <p:nvPr>
             <p:ph idx="1" type="body"/>
@@ -4649,7 +4650,7 @@
       </p:grpSpPr>
       <p:sp>
         <p:nvSpPr>
-          <p:cNvPr id="413" name="Google Shape;413;g3b90951741f_0_1:notes"/>
+          <p:cNvPr id="413" name="Google Shape;413;g3b858363c2c_0_1:notes"/>
           <p:cNvSpPr/>
           <p:nvPr>
             <p:ph idx="2" type="sldImg"/>
@@ -4684,7 +4685,7 @@
       </p:sp>
       <p:sp>
         <p:nvSpPr>
-          <p:cNvPr id="414" name="Google Shape;414;g3b90951741f_0_1:notes"/>
+          <p:cNvPr id="414" name="Google Shape;414;g3b858363c2c_0_1:notes"/>
           <p:cNvSpPr txBox="1"/>
           <p:nvPr>
             <p:ph idx="1" type="body"/>
@@ -4734,7 +4735,7 @@
   <p:cSld>
     <p:spTree>
       <p:nvGrpSpPr>
-        <p:cNvPr id="419" name="Shape 419"/>
+        <p:cNvPr id="421" name="Shape 421"/>
         <p:cNvGrpSpPr/>
         <p:nvPr/>
       </p:nvGrpSpPr>
@@ -4748,7 +4749,7 @@
       </p:grpSpPr>
       <p:sp>
         <p:nvSpPr>
-          <p:cNvPr id="420" name="Google Shape;420;g3b858363c2c_0_1:notes"/>
+          <p:cNvPr id="422" name="Google Shape;422;g3b962d7c206_1_173:notes"/>
           <p:cNvSpPr/>
           <p:nvPr>
             <p:ph idx="2" type="sldImg"/>
@@ -4783,7 +4784,7 @@
       </p:sp>
       <p:sp>
         <p:nvSpPr>
-          <p:cNvPr id="421" name="Google Shape;421;g3b858363c2c_0_1:notes"/>
+          <p:cNvPr id="423" name="Google Shape;423;g3b962d7c206_1_173:notes"/>
           <p:cNvSpPr txBox="1"/>
           <p:nvPr>
             <p:ph idx="1" type="body"/>
@@ -4847,7 +4848,7 @@
       </p:grpSpPr>
       <p:sp>
         <p:nvSpPr>
-          <p:cNvPr id="429" name="Google Shape;429;g3b858363c2c_0_78:notes"/>
+          <p:cNvPr id="429" name="Google Shape;429;g3b72cd79c11_0_13:notes"/>
           <p:cNvSpPr/>
           <p:nvPr>
             <p:ph idx="2" type="sldImg"/>
@@ -4882,7 +4883,7 @@
       </p:sp>
       <p:sp>
         <p:nvSpPr>
-          <p:cNvPr id="430" name="Google Shape;430;g3b858363c2c_0_78:notes"/>
+          <p:cNvPr id="430" name="Google Shape;430;g3b72cd79c11_0_13:notes"/>
           <p:cNvSpPr txBox="1"/>
           <p:nvPr>
             <p:ph idx="1" type="body"/>
@@ -4946,7 +4947,7 @@
       </p:grpSpPr>
       <p:sp>
         <p:nvSpPr>
-          <p:cNvPr id="436" name="Google Shape;436;g3b858363c2c_0_88:notes"/>
+          <p:cNvPr id="436" name="Google Shape;436;g3b858363c2c_0_78:notes"/>
           <p:cNvSpPr/>
           <p:nvPr>
             <p:ph idx="2" type="sldImg"/>
@@ -4981,7 +4982,7 @@
       </p:sp>
       <p:sp>
         <p:nvSpPr>
-          <p:cNvPr id="437" name="Google Shape;437;g3b858363c2c_0_88:notes"/>
+          <p:cNvPr id="437" name="Google Shape;437;g3b858363c2c_0_78:notes"/>
           <p:cNvSpPr txBox="1"/>
           <p:nvPr>
             <p:ph idx="1" type="body"/>
@@ -5031,7 +5032,7 @@
   <p:cSld>
     <p:spTree>
       <p:nvGrpSpPr>
-        <p:cNvPr id="443" name="Shape 443"/>
+        <p:cNvPr id="442" name="Shape 442"/>
         <p:cNvGrpSpPr/>
         <p:nvPr/>
       </p:nvGrpSpPr>
@@ -5045,7 +5046,7 @@
       </p:grpSpPr>
       <p:sp>
         <p:nvSpPr>
-          <p:cNvPr id="444" name="Google Shape;444;g3b858363c2c_0_83:notes"/>
+          <p:cNvPr id="443" name="Google Shape;443;g3b858363c2c_0_88:notes"/>
           <p:cNvSpPr/>
           <p:nvPr>
             <p:ph idx="2" type="sldImg"/>
@@ -5080,7 +5081,7 @@
       </p:sp>
       <p:sp>
         <p:nvSpPr>
-          <p:cNvPr id="445" name="Google Shape;445;g3b858363c2c_0_83:notes"/>
+          <p:cNvPr id="444" name="Google Shape;444;g3b858363c2c_0_88:notes"/>
           <p:cNvSpPr txBox="1"/>
           <p:nvPr>
             <p:ph idx="1" type="body"/>
@@ -5229,7 +5230,7 @@
   <p:cSld>
     <p:spTree>
       <p:nvGrpSpPr>
-        <p:cNvPr id="454" name="Shape 454"/>
+        <p:cNvPr id="450" name="Shape 450"/>
         <p:cNvGrpSpPr/>
         <p:nvPr/>
       </p:nvGrpSpPr>
@@ -5243,7 +5244,7 @@
       </p:grpSpPr>
       <p:sp>
         <p:nvSpPr>
-          <p:cNvPr id="455" name="Google Shape;455;g3b858363c2c_0_103:notes"/>
+          <p:cNvPr id="451" name="Google Shape;451;g3b858363c2c_0_83:notes"/>
           <p:cNvSpPr/>
           <p:nvPr>
             <p:ph idx="2" type="sldImg"/>
@@ -5278,7 +5279,7 @@
       </p:sp>
       <p:sp>
         <p:nvSpPr>
-          <p:cNvPr id="456" name="Google Shape;456;g3b858363c2c_0_103:notes"/>
+          <p:cNvPr id="452" name="Google Shape;452;g3b858363c2c_0_83:notes"/>
           <p:cNvSpPr txBox="1"/>
           <p:nvPr>
             <p:ph idx="1" type="body"/>
@@ -5328,7 +5329,7 @@
   <p:cSld>
     <p:spTree>
       <p:nvGrpSpPr>
-        <p:cNvPr id="464" name="Shape 464"/>
+        <p:cNvPr id="461" name="Shape 461"/>
         <p:cNvGrpSpPr/>
         <p:nvPr/>
       </p:nvGrpSpPr>
@@ -5342,7 +5343,7 @@
       </p:grpSpPr>
       <p:sp>
         <p:nvSpPr>
-          <p:cNvPr id="465" name="Google Shape;465;g3b858363c2c_0_112:notes"/>
+          <p:cNvPr id="462" name="Google Shape;462;g3b858363c2c_0_103:notes"/>
           <p:cNvSpPr/>
           <p:nvPr>
             <p:ph idx="2" type="sldImg"/>
@@ -5377,7 +5378,7 @@
       </p:sp>
       <p:sp>
         <p:nvSpPr>
-          <p:cNvPr id="466" name="Google Shape;466;g3b858363c2c_0_112:notes"/>
+          <p:cNvPr id="463" name="Google Shape;463;g3b858363c2c_0_103:notes"/>
           <p:cNvSpPr txBox="1"/>
           <p:nvPr>
             <p:ph idx="1" type="body"/>
@@ -5427,7 +5428,7 @@
   <p:cSld>
     <p:spTree>
       <p:nvGrpSpPr>
-        <p:cNvPr id="476" name="Shape 476"/>
+        <p:cNvPr id="471" name="Shape 471"/>
         <p:cNvGrpSpPr/>
         <p:nvPr/>
       </p:nvGrpSpPr>
@@ -5441,7 +5442,7 @@
       </p:grpSpPr>
       <p:sp>
         <p:nvSpPr>
-          <p:cNvPr id="477" name="Google Shape;477;g3b858363c2c_0_123:notes"/>
+          <p:cNvPr id="472" name="Google Shape;472;g3b858363c2c_0_112:notes"/>
           <p:cNvSpPr/>
           <p:nvPr>
             <p:ph idx="2" type="sldImg"/>
@@ -5476,7 +5477,7 @@
       </p:sp>
       <p:sp>
         <p:nvSpPr>
-          <p:cNvPr id="478" name="Google Shape;478;g3b858363c2c_0_123:notes"/>
+          <p:cNvPr id="473" name="Google Shape;473;g3b858363c2c_0_112:notes"/>
           <p:cNvSpPr txBox="1"/>
           <p:nvPr>
             <p:ph idx="1" type="body"/>
@@ -5526,7 +5527,7 @@
   <p:cSld>
     <p:spTree>
       <p:nvGrpSpPr>
-        <p:cNvPr id="486" name="Shape 486"/>
+        <p:cNvPr id="483" name="Shape 483"/>
         <p:cNvGrpSpPr/>
         <p:nvPr/>
       </p:nvGrpSpPr>
@@ -5540,7 +5541,7 @@
       </p:grpSpPr>
       <p:sp>
         <p:nvSpPr>
-          <p:cNvPr id="487" name="Google Shape;487;g3b8c23204ae_0_0:notes"/>
+          <p:cNvPr id="484" name="Google Shape;484;g3b858363c2c_0_123:notes"/>
           <p:cNvSpPr/>
           <p:nvPr>
             <p:ph idx="2" type="sldImg"/>
@@ -5575,7 +5576,7 @@
       </p:sp>
       <p:sp>
         <p:nvSpPr>
-          <p:cNvPr id="488" name="Google Shape;488;g3b8c23204ae_0_0:notes"/>
+          <p:cNvPr id="485" name="Google Shape;485;g3b858363c2c_0_123:notes"/>
           <p:cNvSpPr txBox="1"/>
           <p:nvPr>
             <p:ph idx="1" type="body"/>
@@ -5625,7 +5626,7 @@
   <p:cSld>
     <p:spTree>
       <p:nvGrpSpPr>
-        <p:cNvPr id="496" name="Shape 496"/>
+        <p:cNvPr id="493" name="Shape 493"/>
         <p:cNvGrpSpPr/>
         <p:nvPr/>
       </p:nvGrpSpPr>
@@ -5639,7 +5640,7 @@
       </p:grpSpPr>
       <p:sp>
         <p:nvSpPr>
-          <p:cNvPr id="497" name="Google Shape;497;g3b8c23204ae_0_9:notes"/>
+          <p:cNvPr id="494" name="Google Shape;494;g3b8c23204ae_0_0:notes"/>
           <p:cNvSpPr/>
           <p:nvPr>
             <p:ph idx="2" type="sldImg"/>
@@ -5674,7 +5675,7 @@
       </p:sp>
       <p:sp>
         <p:nvSpPr>
-          <p:cNvPr id="498" name="Google Shape;498;g3b8c23204ae_0_9:notes"/>
+          <p:cNvPr id="495" name="Google Shape;495;g3b8c23204ae_0_0:notes"/>
           <p:cNvSpPr txBox="1"/>
           <p:nvPr>
             <p:ph idx="1" type="body"/>
@@ -5724,7 +5725,7 @@
   <p:cSld>
     <p:spTree>
       <p:nvGrpSpPr>
-        <p:cNvPr id="504" name="Shape 504"/>
+        <p:cNvPr id="503" name="Shape 503"/>
         <p:cNvGrpSpPr/>
         <p:nvPr/>
       </p:nvGrpSpPr>
@@ -5738,7 +5739,7 @@
       </p:grpSpPr>
       <p:sp>
         <p:nvSpPr>
-          <p:cNvPr id="505" name="Google Shape;505;g3b8c23204ae_0_16:notes"/>
+          <p:cNvPr id="504" name="Google Shape;504;g3b8c23204ae_0_9:notes"/>
           <p:cNvSpPr/>
           <p:nvPr>
             <p:ph idx="2" type="sldImg"/>
@@ -5773,7 +5774,7 @@
       </p:sp>
       <p:sp>
         <p:nvSpPr>
-          <p:cNvPr id="506" name="Google Shape;506;g3b8c23204ae_0_16:notes"/>
+          <p:cNvPr id="505" name="Google Shape;505;g3b8c23204ae_0_9:notes"/>
           <p:cNvSpPr txBox="1"/>
           <p:nvPr>
             <p:ph idx="1" type="body"/>
@@ -5823,7 +5824,7 @@
   <p:cSld>
     <p:spTree>
       <p:nvGrpSpPr>
-        <p:cNvPr id="514" name="Shape 514"/>
+        <p:cNvPr id="511" name="Shape 511"/>
         <p:cNvGrpSpPr/>
         <p:nvPr/>
       </p:nvGrpSpPr>
@@ -5837,7 +5838,7 @@
       </p:grpSpPr>
       <p:sp>
         <p:nvSpPr>
-          <p:cNvPr id="515" name="Google Shape;515;g3b962d7c206_1_17:notes"/>
+          <p:cNvPr id="512" name="Google Shape;512;g3b8c23204ae_0_16:notes"/>
           <p:cNvSpPr/>
           <p:nvPr>
             <p:ph idx="2" type="sldImg"/>
@@ -5872,7 +5873,7 @@
       </p:sp>
       <p:sp>
         <p:nvSpPr>
-          <p:cNvPr id="516" name="Google Shape;516;g3b962d7c206_1_17:notes"/>
+          <p:cNvPr id="513" name="Google Shape;513;g3b8c23204ae_0_16:notes"/>
           <p:cNvSpPr txBox="1"/>
           <p:nvPr>
             <p:ph idx="1" type="body"/>
@@ -5922,7 +5923,7 @@
   <p:cSld>
     <p:spTree>
       <p:nvGrpSpPr>
-        <p:cNvPr id="525" name="Shape 525"/>
+        <p:cNvPr id="521" name="Shape 521"/>
         <p:cNvGrpSpPr/>
         <p:nvPr/>
       </p:nvGrpSpPr>
@@ -5936,7 +5937,7 @@
       </p:grpSpPr>
       <p:sp>
         <p:nvSpPr>
-          <p:cNvPr id="526" name="Google Shape;526;g3b962d7c206_1_27:notes"/>
+          <p:cNvPr id="522" name="Google Shape;522;g3b962d7c206_1_17:notes"/>
           <p:cNvSpPr/>
           <p:nvPr>
             <p:ph idx="2" type="sldImg"/>
@@ -5971,7 +5972,7 @@
       </p:sp>
       <p:sp>
         <p:nvSpPr>
-          <p:cNvPr id="527" name="Google Shape;527;g3b962d7c206_1_27:notes"/>
+          <p:cNvPr id="523" name="Google Shape;523;g3b962d7c206_1_17:notes"/>
           <p:cNvSpPr txBox="1"/>
           <p:nvPr>
             <p:ph idx="1" type="body"/>
@@ -6021,7 +6022,7 @@
   <p:cSld>
     <p:spTree>
       <p:nvGrpSpPr>
-        <p:cNvPr id="534" name="Shape 534"/>
+        <p:cNvPr id="532" name="Shape 532"/>
         <p:cNvGrpSpPr/>
         <p:nvPr/>
       </p:nvGrpSpPr>
@@ -6035,7 +6036,7 @@
       </p:grpSpPr>
       <p:sp>
         <p:nvSpPr>
-          <p:cNvPr id="535" name="Google Shape;535;g3b962d7c206_1_35:notes"/>
+          <p:cNvPr id="533" name="Google Shape;533;g3b962d7c206_1_27:notes"/>
           <p:cNvSpPr/>
           <p:nvPr>
             <p:ph idx="2" type="sldImg"/>
@@ -6070,7 +6071,7 @@
       </p:sp>
       <p:sp>
         <p:nvSpPr>
-          <p:cNvPr id="536" name="Google Shape;536;g3b962d7c206_1_35:notes"/>
+          <p:cNvPr id="534" name="Google Shape;534;g3b962d7c206_1_27:notes"/>
           <p:cNvSpPr txBox="1"/>
           <p:nvPr>
             <p:ph idx="1" type="body"/>
@@ -6120,7 +6121,7 @@
   <p:cSld>
     <p:spTree>
       <p:nvGrpSpPr>
-        <p:cNvPr id="542" name="Shape 542"/>
+        <p:cNvPr id="541" name="Shape 541"/>
         <p:cNvGrpSpPr/>
         <p:nvPr/>
       </p:nvGrpSpPr>
@@ -6134,7 +6135,7 @@
       </p:grpSpPr>
       <p:sp>
         <p:nvSpPr>
-          <p:cNvPr id="543" name="Google Shape;543;g3b962d7c206_1_42:notes"/>
+          <p:cNvPr id="542" name="Google Shape;542;g3b962d7c206_1_35:notes"/>
           <p:cNvSpPr/>
           <p:nvPr>
             <p:ph idx="2" type="sldImg"/>
@@ -6169,7 +6170,7 @@
       </p:sp>
       <p:sp>
         <p:nvSpPr>
-          <p:cNvPr id="544" name="Google Shape;544;g3b962d7c206_1_42:notes"/>
+          <p:cNvPr id="543" name="Google Shape;543;g3b962d7c206_1_35:notes"/>
           <p:cNvSpPr txBox="1"/>
           <p:nvPr>
             <p:ph idx="1" type="body"/>
@@ -6332,7 +6333,7 @@
       </p:grpSpPr>
       <p:sp>
         <p:nvSpPr>
-          <p:cNvPr id="550" name="Google Shape;550;g3b962d7c206_1_74:notes"/>
+          <p:cNvPr id="550" name="Google Shape;550;g3b962d7c206_1_42:notes"/>
           <p:cNvSpPr/>
           <p:nvPr>
             <p:ph idx="2" type="sldImg"/>
@@ -6367,7 +6368,7 @@
       </p:sp>
       <p:sp>
         <p:nvSpPr>
-          <p:cNvPr id="551" name="Google Shape;551;g3b962d7c206_1_74:notes"/>
+          <p:cNvPr id="551" name="Google Shape;551;g3b962d7c206_1_42:notes"/>
           <p:cNvSpPr txBox="1"/>
           <p:nvPr>
             <p:ph idx="1" type="body"/>
@@ -6417,7 +6418,7 @@
   <p:cSld>
     <p:spTree>
       <p:nvGrpSpPr>
-        <p:cNvPr id="555" name="Shape 555"/>
+        <p:cNvPr id="556" name="Shape 556"/>
         <p:cNvGrpSpPr/>
         <p:nvPr/>
       </p:nvGrpSpPr>
@@ -6431,7 +6432,7 @@
       </p:grpSpPr>
       <p:sp>
         <p:nvSpPr>
-          <p:cNvPr id="556" name="Google Shape;556;g3b962d7c206_1_49:notes"/>
+          <p:cNvPr id="557" name="Google Shape;557;g3b962d7c206_1_74:notes"/>
           <p:cNvSpPr/>
           <p:nvPr>
             <p:ph idx="2" type="sldImg"/>
@@ -6466,7 +6467,7 @@
       </p:sp>
       <p:sp>
         <p:nvSpPr>
-          <p:cNvPr id="557" name="Google Shape;557;g3b962d7c206_1_49:notes"/>
+          <p:cNvPr id="558" name="Google Shape;558;g3b962d7c206_1_74:notes"/>
           <p:cNvSpPr txBox="1"/>
           <p:nvPr>
             <p:ph idx="1" type="body"/>
@@ -6530,7 +6531,7 @@
       </p:grpSpPr>
       <p:sp>
         <p:nvSpPr>
-          <p:cNvPr id="563" name="Google Shape;563;g3b962d7c206_1_55:notes"/>
+          <p:cNvPr id="563" name="Google Shape;563;g3b962d7c206_1_49:notes"/>
           <p:cNvSpPr/>
           <p:nvPr>
             <p:ph idx="2" type="sldImg"/>
@@ -6565,7 +6566,7 @@
       </p:sp>
       <p:sp>
         <p:nvSpPr>
-          <p:cNvPr id="564" name="Google Shape;564;g3b962d7c206_1_55:notes"/>
+          <p:cNvPr id="564" name="Google Shape;564;g3b962d7c206_1_49:notes"/>
           <p:cNvSpPr txBox="1"/>
           <p:nvPr>
             <p:ph idx="1" type="body"/>
@@ -6629,7 +6630,7 @@
       </p:grpSpPr>
       <p:sp>
         <p:nvSpPr>
-          <p:cNvPr id="570" name="Google Shape;570;g3b962d7c206_1_61:notes"/>
+          <p:cNvPr id="570" name="Google Shape;570;g3b962d7c206_1_55:notes"/>
           <p:cNvSpPr/>
           <p:nvPr>
             <p:ph idx="2" type="sldImg"/>
@@ -6664,7 +6665,7 @@
       </p:sp>
       <p:sp>
         <p:nvSpPr>
-          <p:cNvPr id="571" name="Google Shape;571;g3b962d7c206_1_61:notes"/>
+          <p:cNvPr id="571" name="Google Shape;571;g3b962d7c206_1_55:notes"/>
           <p:cNvSpPr txBox="1"/>
           <p:nvPr>
             <p:ph idx="1" type="body"/>
@@ -6714,7 +6715,7 @@
   <p:cSld>
     <p:spTree>
       <p:nvGrpSpPr>
-        <p:cNvPr id="575" name="Shape 575"/>
+        <p:cNvPr id="576" name="Shape 576"/>
         <p:cNvGrpSpPr/>
         <p:nvPr/>
       </p:nvGrpSpPr>
@@ -6728,7 +6729,7 @@
       </p:grpSpPr>
       <p:sp>
         <p:nvSpPr>
-          <p:cNvPr id="576" name="Google Shape;576;g3b962d7c206_1_67:notes"/>
+          <p:cNvPr id="577" name="Google Shape;577;g3b962d7c206_1_61:notes"/>
           <p:cNvSpPr/>
           <p:nvPr>
             <p:ph idx="2" type="sldImg"/>
@@ -6763,7 +6764,7 @@
       </p:sp>
       <p:sp>
         <p:nvSpPr>
-          <p:cNvPr id="577" name="Google Shape;577;g3b962d7c206_1_67:notes"/>
+          <p:cNvPr id="578" name="Google Shape;578;g3b962d7c206_1_61:notes"/>
           <p:cNvSpPr txBox="1"/>
           <p:nvPr>
             <p:ph idx="1" type="body"/>
@@ -6827,7 +6828,7 @@
       </p:grpSpPr>
       <p:sp>
         <p:nvSpPr>
-          <p:cNvPr id="583" name="Google Shape;583;g3b962d7c206_1_80:notes"/>
+          <p:cNvPr id="583" name="Google Shape;583;g3b962d7c206_1_67:notes"/>
           <p:cNvSpPr/>
           <p:nvPr>
             <p:ph idx="2" type="sldImg"/>
@@ -6862,7 +6863,7 @@
       </p:sp>
       <p:sp>
         <p:nvSpPr>
-          <p:cNvPr id="584" name="Google Shape;584;g3b962d7c206_1_80:notes"/>
+          <p:cNvPr id="584" name="Google Shape;584;g3b962d7c206_1_67:notes"/>
           <p:cNvSpPr txBox="1"/>
           <p:nvPr>
             <p:ph idx="1" type="body"/>
@@ -6912,7 +6913,7 @@
   <p:cSld>
     <p:spTree>
       <p:nvGrpSpPr>
-        <p:cNvPr id="592" name="Shape 592"/>
+        <p:cNvPr id="589" name="Shape 589"/>
         <p:cNvGrpSpPr/>
         <p:nvPr/>
       </p:nvGrpSpPr>
@@ -6926,7 +6927,7 @@
       </p:grpSpPr>
       <p:sp>
         <p:nvSpPr>
-          <p:cNvPr id="593" name="Google Shape;593;g3b962d7c206_1_89:notes"/>
+          <p:cNvPr id="590" name="Google Shape;590;g3b962d7c206_1_80:notes"/>
           <p:cNvSpPr/>
           <p:nvPr>
             <p:ph idx="2" type="sldImg"/>
@@ -6961,7 +6962,7 @@
       </p:sp>
       <p:sp>
         <p:nvSpPr>
-          <p:cNvPr id="594" name="Google Shape;594;g3b962d7c206_1_89:notes"/>
+          <p:cNvPr id="591" name="Google Shape;591;g3b962d7c206_1_80:notes"/>
           <p:cNvSpPr txBox="1"/>
           <p:nvPr>
             <p:ph idx="1" type="body"/>
@@ -7011,7 +7012,7 @@
   <p:cSld>
     <p:spTree>
       <p:nvGrpSpPr>
-        <p:cNvPr id="601" name="Shape 601"/>
+        <p:cNvPr id="599" name="Shape 599"/>
         <p:cNvGrpSpPr/>
         <p:nvPr/>
       </p:nvGrpSpPr>
@@ -7025,7 +7026,7 @@
       </p:grpSpPr>
       <p:sp>
         <p:nvSpPr>
-          <p:cNvPr id="602" name="Google Shape;602;g3b962d7c206_1_97:notes"/>
+          <p:cNvPr id="600" name="Google Shape;600;g3b962d7c206_1_89:notes"/>
           <p:cNvSpPr/>
           <p:nvPr>
             <p:ph idx="2" type="sldImg"/>
@@ -7060,7 +7061,7 @@
       </p:sp>
       <p:sp>
         <p:nvSpPr>
-          <p:cNvPr id="603" name="Google Shape;603;g3b962d7c206_1_97:notes"/>
+          <p:cNvPr id="601" name="Google Shape;601;g3b962d7c206_1_89:notes"/>
           <p:cNvSpPr txBox="1"/>
           <p:nvPr>
             <p:ph idx="1" type="body"/>
@@ -7110,7 +7111,7 @@
   <p:cSld>
     <p:spTree>
       <p:nvGrpSpPr>
-        <p:cNvPr id="612" name="Shape 612"/>
+        <p:cNvPr id="608" name="Shape 608"/>
         <p:cNvGrpSpPr/>
         <p:nvPr/>
       </p:nvGrpSpPr>
@@ -7124,7 +7125,7 @@
       </p:grpSpPr>
       <p:sp>
         <p:nvSpPr>
-          <p:cNvPr id="613" name="Google Shape;613;g3b962d7c206_1_107:notes"/>
+          <p:cNvPr id="609" name="Google Shape;609;g3b962d7c206_1_97:notes"/>
           <p:cNvSpPr/>
           <p:nvPr>
             <p:ph idx="2" type="sldImg"/>
@@ -7159,7 +7160,106 @@
       </p:sp>
       <p:sp>
         <p:nvSpPr>
-          <p:cNvPr id="614" name="Google Shape;614;g3b962d7c206_1_107:notes"/>
+          <p:cNvPr id="610" name="Google Shape;610;g3b962d7c206_1_97:notes"/>
+          <p:cNvSpPr txBox="1"/>
+          <p:nvPr>
+            <p:ph idx="1" type="body"/>
+          </p:nvPr>
+        </p:nvSpPr>
+        <p:spPr>
+          <a:xfrm>
+            <a:off x="685800" y="4343400"/>
+            <a:ext cx="5486400" cy="4114800"/>
+          </a:xfrm>
+          <a:prstGeom prst="rect">
+            <a:avLst/>
+          </a:prstGeom>
+        </p:spPr>
+        <p:txBody>
+          <a:bodyPr anchorCtr="0" anchor="t" bIns="91425" lIns="91425" spcFirstLastPara="1" rIns="91425" wrap="square" tIns="91425">
+            <a:noAutofit/>
+          </a:bodyPr>
+          <a:lstStyle/>
+          <a:p>
+            <a:pPr indent="0" lvl="0" marL="0" rtl="0" algn="l">
+              <a:spcBef>
+                <a:spcPts val="0"/>
+              </a:spcBef>
+              <a:spcAft>
+                <a:spcPts val="0"/>
+              </a:spcAft>
+              <a:buNone/>
+            </a:pPr>
+            <a:r>
+              <a:t/>
+            </a:r>
+            <a:endParaRPr/>
+          </a:p>
+        </p:txBody>
+      </p:sp>
+    </p:spTree>
+  </p:cSld>
+  <p:clrMapOvr>
+    <a:masterClrMapping/>
+  </p:clrMapOvr>
+</p:notes>
+</file>
+
+<file path=ppt/notesSlides/notesSlide69.xml><?xml version="1.0" encoding="utf-8"?>
+<p:notes xmlns:a="http://schemas.openxmlformats.org/drawingml/2006/main" xmlns:r="http://schemas.openxmlformats.org/officeDocument/2006/relationships" xmlns:mc="http://schemas.openxmlformats.org/markup-compatibility/2006" xmlns:mv="urn:schemas-microsoft-com:mac:vml" xmlns:p="http://schemas.openxmlformats.org/presentationml/2006/main" xmlns:c="http://schemas.openxmlformats.org/drawingml/2006/chart" xmlns:dgm="http://schemas.openxmlformats.org/drawingml/2006/diagram" xmlns:o="urn:schemas-microsoft-com:office:office" xmlns:v="urn:schemas-microsoft-com:vml" xmlns:pvml="urn:schemas-microsoft-com:office:powerpoint" xmlns:com="http://schemas.openxmlformats.org/drawingml/2006/compatibility" xmlns:p14="http://schemas.microsoft.com/office/powerpoint/2010/main" xmlns:p15="http://schemas.microsoft.com/office/powerpoint/2012/main" xmlns:ahyp="http://schemas.microsoft.com/office/drawing/2018/hyperlinkcolor" showMasterPhAnim="0" showMasterSp="0">
+  <p:cSld>
+    <p:spTree>
+      <p:nvGrpSpPr>
+        <p:cNvPr id="619" name="Shape 619"/>
+        <p:cNvGrpSpPr/>
+        <p:nvPr/>
+      </p:nvGrpSpPr>
+      <p:grpSpPr>
+        <a:xfrm>
+          <a:off x="0" y="0"/>
+          <a:ext cx="0" cy="0"/>
+          <a:chOff x="0" y="0"/>
+          <a:chExt cx="0" cy="0"/>
+        </a:xfrm>
+      </p:grpSpPr>
+      <p:sp>
+        <p:nvSpPr>
+          <p:cNvPr id="620" name="Google Shape;620;g3b962d7c206_1_107:notes"/>
+          <p:cNvSpPr/>
+          <p:nvPr>
+            <p:ph idx="2" type="sldImg"/>
+          </p:nvPr>
+        </p:nvSpPr>
+        <p:spPr>
+          <a:xfrm>
+            <a:off x="381300" y="685800"/>
+            <a:ext cx="6096000" cy="3429000"/>
+          </a:xfrm>
+          <a:custGeom>
+            <a:rect b="b" l="l" r="r" t="t"/>
+            <a:pathLst>
+              <a:path extrusionOk="0" h="120000" w="120000">
+                <a:moveTo>
+                  <a:pt x="0" y="0"/>
+                </a:moveTo>
+                <a:lnTo>
+                  <a:pt x="120000" y="0"/>
+                </a:lnTo>
+                <a:lnTo>
+                  <a:pt x="120000" y="120000"/>
+                </a:lnTo>
+                <a:lnTo>
+                  <a:pt x="0" y="120000"/>
+                </a:lnTo>
+                <a:close/>
+              </a:path>
+            </a:pathLst>
+          </a:custGeom>
+        </p:spPr>
+      </p:sp>
+      <p:sp>
+        <p:nvSpPr>
+          <p:cNvPr id="621" name="Google Shape;621;g3b962d7c206_1_107:notes"/>
           <p:cNvSpPr txBox="1"/>
           <p:nvPr>
             <p:ph idx="1" type="body"/>
@@ -14123,6 +14223,48 @@
             </a:r>
             <a:endParaRPr sz="1600"/>
           </a:p>
+          <a:p>
+            <a:pPr indent="0" lvl="0" marL="457200" rtl="0" algn="l">
+              <a:lnSpc>
+                <a:spcPct val="100000"/>
+              </a:lnSpc>
+              <a:spcBef>
+                <a:spcPts val="0"/>
+              </a:spcBef>
+              <a:spcAft>
+                <a:spcPts val="0"/>
+              </a:spcAft>
+              <a:buNone/>
+            </a:pPr>
+            <a:r>
+              <a:rPr lang="en" sz="1600"/>
+              <a:t>Kebab Case (never or rarely used in </a:t>
+            </a:r>
+            <a:r>
+              <a:rPr lang="en" sz="1600"/>
+              <a:t>python)</a:t>
+            </a:r>
+            <a:endParaRPr sz="1600"/>
+          </a:p>
+          <a:p>
+            <a:pPr indent="0" lvl="0" marL="457200" rtl="0" algn="l">
+              <a:lnSpc>
+                <a:spcPct val="100000"/>
+              </a:lnSpc>
+              <a:spcBef>
+                <a:spcPts val="0"/>
+              </a:spcBef>
+              <a:spcAft>
+                <a:spcPts val="0"/>
+              </a:spcAft>
+              <a:buNone/>
+            </a:pPr>
+            <a:r>
+              <a:rPr lang="en" sz="1600"/>
+              <a:t>	My-variable-name = ‘John’</a:t>
+            </a:r>
+            <a:endParaRPr sz="1600"/>
+          </a:p>
         </p:txBody>
       </p:sp>
     </p:spTree>
@@ -15816,7 +15958,7 @@
             <a:tbl>
               <a:tblPr>
                 <a:noFill/>
-                <a:tableStyleId>{E8FF978B-8D40-431A-833F-1F88F0CAB445}</a:tableStyleId>
+                <a:tableStyleId>{60F8AFE3-7D0E-41A7-8BD2-033B97035924}</a:tableStyleId>
               </a:tblPr>
               <a:tblGrid>
                 <a:gridCol w="2244475"/>
@@ -20948,82 +21090,7 @@
             </a:pPr>
             <a:r>
               <a:rPr lang="en"/>
-              <a:t>Random </a:t>
-            </a:r>
-            <a:r>
-              <a:rPr lang="en"/>
-              <a:t>Numbers</a:t>
-            </a:r>
-            <a:endParaRPr/>
-          </a:p>
-        </p:txBody>
-      </p:sp>
-      <p:sp>
-        <p:nvSpPr>
-          <p:cNvPr id="361" name="Google Shape;361;p51"/>
-          <p:cNvSpPr txBox="1"/>
-          <p:nvPr>
-            <p:ph idx="1" type="body"/>
-          </p:nvPr>
-        </p:nvSpPr>
-        <p:spPr>
-          <a:xfrm>
-            <a:off x="600500" y="2004800"/>
-            <a:ext cx="3291000" cy="2710200"/>
-          </a:xfrm>
-          <a:prstGeom prst="rect">
-            <a:avLst/>
-          </a:prstGeom>
-        </p:spPr>
-        <p:txBody>
-          <a:bodyPr anchorCtr="0" anchor="t" bIns="91425" lIns="91425" spcFirstLastPara="1" rIns="91425" wrap="square" tIns="91425">
-            <a:noAutofit/>
-          </a:bodyPr>
-          <a:lstStyle/>
-          <a:p>
-            <a:pPr indent="0" lvl="0" marL="0" rtl="0" algn="l">
-              <a:spcBef>
-                <a:spcPts val="0"/>
-              </a:spcBef>
-              <a:spcAft>
-                <a:spcPts val="0"/>
-              </a:spcAft>
-              <a:buNone/>
-            </a:pPr>
-            <a:r>
-              <a:rPr lang="en"/>
-              <a:t>There are many methods in the random module! </a:t>
-            </a:r>
-            <a:endParaRPr/>
-          </a:p>
-          <a:p>
-            <a:pPr indent="0" lvl="0" marL="0" rtl="0" algn="l">
-              <a:spcBef>
-                <a:spcPts val="1600"/>
-              </a:spcBef>
-              <a:spcAft>
-                <a:spcPts val="0"/>
-              </a:spcAft>
-              <a:buNone/>
-            </a:pPr>
-            <a:r>
-              <a:t/>
-            </a:r>
-            <a:endParaRPr/>
-          </a:p>
-          <a:p>
-            <a:pPr indent="0" lvl="0" marL="0" rtl="0" algn="l">
-              <a:spcBef>
-                <a:spcPts val="1600"/>
-              </a:spcBef>
-              <a:spcAft>
-                <a:spcPts val="1600"/>
-              </a:spcAft>
-              <a:buNone/>
-            </a:pPr>
-            <a:r>
-              <a:rPr lang="en"/>
-              <a:t>https://www.w3schools.com/python/module_random.asp</a:t>
+              <a:t>Quoteception, escape characters, &amp; Multi-Line Strings</a:t>
             </a:r>
             <a:endParaRPr/>
           </a:p>
@@ -21031,7 +21098,7 @@
       </p:sp>
       <p:pic>
         <p:nvPicPr>
-          <p:cNvPr id="362" name="Google Shape;362;p51"/>
+          <p:cNvPr id="361" name="Google Shape;361;p51"/>
           <p:cNvPicPr preferRelativeResize="0"/>
           <p:nvPr/>
         </p:nvPicPr>
@@ -21045,8 +21112,92 @@
         </p:blipFill>
         <p:spPr>
           <a:xfrm>
-            <a:off x="4191750" y="2604675"/>
-            <a:ext cx="4695675" cy="1339000"/>
+            <a:off x="892450" y="2988413"/>
+            <a:ext cx="2924175" cy="1076325"/>
+          </a:xfrm>
+          <a:prstGeom prst="rect">
+            <a:avLst/>
+          </a:prstGeom>
+          <a:noFill/>
+          <a:ln>
+            <a:noFill/>
+          </a:ln>
+        </p:spPr>
+      </p:pic>
+      <p:pic>
+        <p:nvPicPr>
+          <p:cNvPr id="362" name="Google Shape;362;p51"/>
+          <p:cNvPicPr preferRelativeResize="0"/>
+          <p:nvPr/>
+        </p:nvPicPr>
+        <p:blipFill>
+          <a:blip r:embed="rId4">
+            <a:alphaModFix/>
+          </a:blip>
+          <a:stretch>
+            <a:fillRect/>
+          </a:stretch>
+        </p:blipFill>
+        <p:spPr>
+          <a:xfrm>
+            <a:off x="5210800" y="2983638"/>
+            <a:ext cx="2962275" cy="1085850"/>
+          </a:xfrm>
+          <a:prstGeom prst="rect">
+            <a:avLst/>
+          </a:prstGeom>
+          <a:noFill/>
+          <a:ln>
+            <a:noFill/>
+          </a:ln>
+        </p:spPr>
+      </p:pic>
+      <p:pic>
+        <p:nvPicPr>
+          <p:cNvPr id="363" name="Google Shape;363;p51"/>
+          <p:cNvPicPr preferRelativeResize="0"/>
+          <p:nvPr/>
+        </p:nvPicPr>
+        <p:blipFill>
+          <a:blip r:embed="rId5">
+            <a:alphaModFix/>
+          </a:blip>
+          <a:stretch>
+            <a:fillRect/>
+          </a:stretch>
+        </p:blipFill>
+        <p:spPr>
+          <a:xfrm>
+            <a:off x="3362325" y="1824650"/>
+            <a:ext cx="2419350" cy="419100"/>
+          </a:xfrm>
+          <a:prstGeom prst="rect">
+            <a:avLst/>
+          </a:prstGeom>
+          <a:noFill/>
+          <a:ln>
+            <a:noFill/>
+          </a:ln>
+        </p:spPr>
+      </p:pic>
+      <p:pic>
+        <p:nvPicPr>
+          <p:cNvPr id="364" name="Google Shape;364;p51"/>
+          <p:cNvPicPr preferRelativeResize="0"/>
+          <p:nvPr/>
+        </p:nvPicPr>
+        <p:blipFill>
+          <a:blip r:embed="rId6">
+            <a:alphaModFix/>
+          </a:blip>
+          <a:stretch>
+            <a:fillRect/>
+          </a:stretch>
+        </p:blipFill>
+        <p:spPr>
+          <a:xfrm>
+            <a:off x="2352675" y="2414588"/>
+            <a:ext cx="4438650" cy="314325"/>
           </a:xfrm>
           <a:prstGeom prst="rect">
             <a:avLst/>
@@ -21248,7 +21399,7 @@
   <p:cSld>
     <p:spTree>
       <p:nvGrpSpPr>
-        <p:cNvPr id="366" name="Shape 366"/>
+        <p:cNvPr id="368" name="Shape 368"/>
         <p:cNvGrpSpPr/>
         <p:nvPr/>
       </p:nvGrpSpPr>
@@ -21262,7 +21413,7 @@
       </p:grpSpPr>
       <p:sp>
         <p:nvSpPr>
-          <p:cNvPr id="367" name="Google Shape;367;p52"/>
+          <p:cNvPr id="369" name="Google Shape;369;p52"/>
           <p:cNvSpPr txBox="1"/>
           <p:nvPr>
             <p:ph type="title"/>
@@ -21294,7 +21445,7 @@
             </a:pPr>
             <a:r>
               <a:rPr lang="en"/>
-              <a:t>Quoteception, escape characters, &amp; Multi-Line Strings</a:t>
+              <a:t>Check the contents of a string</a:t>
             </a:r>
             <a:endParaRPr/>
           </a:p>
@@ -21302,7 +21453,7 @@
       </p:sp>
       <p:pic>
         <p:nvPicPr>
-          <p:cNvPr id="368" name="Google Shape;368;p52"/>
+          <p:cNvPr id="370" name="Google Shape;370;p52"/>
           <p:cNvPicPr preferRelativeResize="0"/>
           <p:nvPr/>
         </p:nvPicPr>
@@ -21316,8 +21467,8 @@
         </p:blipFill>
         <p:spPr>
           <a:xfrm>
-            <a:off x="892450" y="2988413"/>
-            <a:ext cx="2924175" cy="1076325"/>
+            <a:off x="2901775" y="2084650"/>
+            <a:ext cx="3362325" cy="523875"/>
           </a:xfrm>
           <a:prstGeom prst="rect">
             <a:avLst/>
@@ -21330,7 +21481,7 @@
       </p:pic>
       <p:pic>
         <p:nvPicPr>
-          <p:cNvPr id="369" name="Google Shape;369;p52"/>
+          <p:cNvPr id="371" name="Google Shape;371;p52"/>
           <p:cNvPicPr preferRelativeResize="0"/>
           <p:nvPr/>
         </p:nvPicPr>
@@ -21344,8 +21495,8 @@
         </p:blipFill>
         <p:spPr>
           <a:xfrm>
-            <a:off x="5210800" y="2983638"/>
-            <a:ext cx="2962275" cy="1085850"/>
+            <a:off x="2914650" y="3186763"/>
+            <a:ext cx="3314700" cy="438150"/>
           </a:xfrm>
           <a:prstGeom prst="rect">
             <a:avLst/>
@@ -21358,7 +21509,7 @@
       </p:pic>
       <p:pic>
         <p:nvPicPr>
-          <p:cNvPr id="370" name="Google Shape;370;p52"/>
+          <p:cNvPr id="372" name="Google Shape;372;p52"/>
           <p:cNvPicPr preferRelativeResize="0"/>
           <p:nvPr/>
         </p:nvPicPr>
@@ -21372,8 +21523,8 @@
         </p:blipFill>
         <p:spPr>
           <a:xfrm>
-            <a:off x="3362325" y="1824650"/>
-            <a:ext cx="2419350" cy="419100"/>
+            <a:off x="4128600" y="2608538"/>
+            <a:ext cx="756805" cy="438150"/>
           </a:xfrm>
           <a:prstGeom prst="rect">
             <a:avLst/>
@@ -21386,7 +21537,7 @@
       </p:pic>
       <p:pic>
         <p:nvPicPr>
-          <p:cNvPr id="371" name="Google Shape;371;p52"/>
+          <p:cNvPr id="373" name="Google Shape;373;p52"/>
           <p:cNvPicPr preferRelativeResize="0"/>
           <p:nvPr/>
         </p:nvPicPr>
@@ -21400,8 +21551,8 @@
         </p:blipFill>
         <p:spPr>
           <a:xfrm>
-            <a:off x="2352675" y="2414588"/>
-            <a:ext cx="4438650" cy="314325"/>
+            <a:off x="4128600" y="3765009"/>
+            <a:ext cx="756800" cy="336356"/>
           </a:xfrm>
           <a:prstGeom prst="rect">
             <a:avLst/>
@@ -21425,7 +21576,7 @@
   <p:cSld>
     <p:spTree>
       <p:nvGrpSpPr>
-        <p:cNvPr id="375" name="Shape 375"/>
+        <p:cNvPr id="377" name="Shape 377"/>
         <p:cNvGrpSpPr/>
         <p:nvPr/>
       </p:nvGrpSpPr>
@@ -21439,7 +21590,7 @@
       </p:grpSpPr>
       <p:sp>
         <p:nvSpPr>
-          <p:cNvPr id="376" name="Google Shape;376;p53"/>
+          <p:cNvPr id="378" name="Google Shape;378;p53"/>
           <p:cNvSpPr txBox="1"/>
           <p:nvPr>
             <p:ph type="title"/>
@@ -21471,7 +21622,79 @@
             </a:pPr>
             <a:r>
               <a:rPr lang="en"/>
-              <a:t>Check the contents of a string</a:t>
+              <a:t>Slicing Strings</a:t>
+            </a:r>
+            <a:endParaRPr/>
+          </a:p>
+        </p:txBody>
+      </p:sp>
+      <p:sp>
+        <p:nvSpPr>
+          <p:cNvPr id="379" name="Google Shape;379;p53"/>
+          <p:cNvSpPr txBox="1"/>
+          <p:nvPr>
+            <p:ph idx="1" type="body"/>
+          </p:nvPr>
+        </p:nvSpPr>
+        <p:spPr>
+          <a:xfrm>
+            <a:off x="551825" y="3086650"/>
+            <a:ext cx="1760700" cy="1191600"/>
+          </a:xfrm>
+          <a:prstGeom prst="rect">
+            <a:avLst/>
+          </a:prstGeom>
+        </p:spPr>
+        <p:txBody>
+          <a:bodyPr anchorCtr="0" anchor="t" bIns="91425" lIns="91425" spcFirstLastPara="1" rIns="91425" wrap="square" tIns="91425">
+            <a:noAutofit/>
+          </a:bodyPr>
+          <a:lstStyle/>
+          <a:p>
+            <a:pPr indent="0" lvl="0" marL="0" rtl="0" algn="ctr">
+              <a:spcBef>
+                <a:spcPts val="0"/>
+              </a:spcBef>
+              <a:spcAft>
+                <a:spcPts val="0"/>
+              </a:spcAft>
+              <a:buNone/>
+            </a:pPr>
+            <a:r>
+              <a:rPr lang="en"/>
+              <a:t>‘llo’</a:t>
+            </a:r>
+            <a:endParaRPr/>
+          </a:p>
+          <a:p>
+            <a:pPr indent="0" lvl="0" marL="0" rtl="0" algn="ctr">
+              <a:spcBef>
+                <a:spcPts val="1600"/>
+              </a:spcBef>
+              <a:spcAft>
+                <a:spcPts val="0"/>
+              </a:spcAft>
+              <a:buNone/>
+            </a:pPr>
+            <a:r>
+              <a:rPr lang="en"/>
+              <a:t>2 inclusive</a:t>
+            </a:r>
+            <a:endParaRPr/>
+          </a:p>
+          <a:p>
+            <a:pPr indent="0" lvl="0" marL="0" rtl="0" algn="ctr">
+              <a:spcBef>
+                <a:spcPts val="1600"/>
+              </a:spcBef>
+              <a:spcAft>
+                <a:spcPts val="1600"/>
+              </a:spcAft>
+              <a:buNone/>
+            </a:pPr>
+            <a:r>
+              <a:rPr lang="en"/>
+              <a:t>5 exclusive</a:t>
             </a:r>
             <a:endParaRPr/>
           </a:p>
@@ -21479,7 +21702,7 @@
       </p:sp>
       <p:pic>
         <p:nvPicPr>
-          <p:cNvPr id="377" name="Google Shape;377;p53"/>
+          <p:cNvPr id="380" name="Google Shape;380;p53"/>
           <p:cNvPicPr preferRelativeResize="0"/>
           <p:nvPr/>
         </p:nvPicPr>
@@ -21493,8 +21716,8 @@
         </p:blipFill>
         <p:spPr>
           <a:xfrm>
-            <a:off x="2901775" y="2084650"/>
-            <a:ext cx="3362325" cy="523875"/>
+            <a:off x="641600" y="2423950"/>
+            <a:ext cx="1581150" cy="504825"/>
           </a:xfrm>
           <a:prstGeom prst="rect">
             <a:avLst/>
@@ -21507,7 +21730,7 @@
       </p:pic>
       <p:pic>
         <p:nvPicPr>
-          <p:cNvPr id="378" name="Google Shape;378;p53"/>
+          <p:cNvPr id="381" name="Google Shape;381;p53"/>
           <p:cNvPicPr preferRelativeResize="0"/>
           <p:nvPr/>
         </p:nvPicPr>
@@ -21521,8 +21744,8 @@
         </p:blipFill>
         <p:spPr>
           <a:xfrm>
-            <a:off x="2914650" y="3186763"/>
-            <a:ext cx="3314700" cy="438150"/>
+            <a:off x="3471425" y="2428713"/>
+            <a:ext cx="1619250" cy="495300"/>
           </a:xfrm>
           <a:prstGeom prst="rect">
             <a:avLst/>
@@ -21535,7 +21758,7 @@
       </p:pic>
       <p:pic>
         <p:nvPicPr>
-          <p:cNvPr id="379" name="Google Shape;379;p53"/>
+          <p:cNvPr id="382" name="Google Shape;382;p53"/>
           <p:cNvPicPr preferRelativeResize="0"/>
           <p:nvPr/>
         </p:nvPicPr>
@@ -21549,8 +21772,8 @@
         </p:blipFill>
         <p:spPr>
           <a:xfrm>
-            <a:off x="4128600" y="2608538"/>
-            <a:ext cx="756805" cy="438150"/>
+            <a:off x="3447600" y="3526100"/>
+            <a:ext cx="1666875" cy="438150"/>
           </a:xfrm>
           <a:prstGeom prst="rect">
             <a:avLst/>
@@ -21561,34 +21784,77 @@
           </a:ln>
         </p:spPr>
       </p:pic>
-      <p:pic>
-        <p:nvPicPr>
-          <p:cNvPr id="380" name="Google Shape;380;p53"/>
-          <p:cNvPicPr preferRelativeResize="0"/>
-          <p:nvPr/>
-        </p:nvPicPr>
-        <p:blipFill>
-          <a:blip r:embed="rId6">
-            <a:alphaModFix/>
-          </a:blip>
-          <a:stretch>
-            <a:fillRect/>
-          </a:stretch>
-        </p:blipFill>
-        <p:spPr>
-          <a:xfrm>
-            <a:off x="4128600" y="3765009"/>
-            <a:ext cx="756800" cy="336356"/>
-          </a:xfrm>
-          <a:prstGeom prst="rect">
-            <a:avLst/>
-          </a:prstGeom>
-          <a:noFill/>
-          <a:ln>
-            <a:noFill/>
-          </a:ln>
-        </p:spPr>
-      </p:pic>
+      <p:sp>
+        <p:nvSpPr>
+          <p:cNvPr id="383" name="Google Shape;383;p53"/>
+          <p:cNvSpPr txBox="1"/>
+          <p:nvPr>
+            <p:ph idx="1" type="body"/>
+          </p:nvPr>
+        </p:nvSpPr>
+        <p:spPr>
+          <a:xfrm>
+            <a:off x="5207250" y="2428725"/>
+            <a:ext cx="3610500" cy="1191600"/>
+          </a:xfrm>
+          <a:prstGeom prst="rect">
+            <a:avLst/>
+          </a:prstGeom>
+        </p:spPr>
+        <p:txBody>
+          <a:bodyPr anchorCtr="0" anchor="t" bIns="91425" lIns="91425" spcFirstLastPara="1" rIns="91425" wrap="square" tIns="91425">
+            <a:noAutofit/>
+          </a:bodyPr>
+          <a:lstStyle/>
+          <a:p>
+            <a:pPr indent="0" lvl="0" marL="0" rtl="0" algn="l">
+              <a:spcBef>
+                <a:spcPts val="0"/>
+              </a:spcBef>
+              <a:spcAft>
+                <a:spcPts val="0"/>
+              </a:spcAft>
+              <a:buNone/>
+            </a:pPr>
+            <a:r>
+              <a:rPr lang="en"/>
+              <a:t>Slice from the start: ‘Hello’</a:t>
+            </a:r>
+            <a:endParaRPr/>
+          </a:p>
+          <a:p>
+            <a:pPr indent="0" lvl="0" marL="0" rtl="0" algn="l">
+              <a:spcBef>
+                <a:spcPts val="1600"/>
+              </a:spcBef>
+              <a:spcAft>
+                <a:spcPts val="0"/>
+              </a:spcAft>
+              <a:buNone/>
+            </a:pPr>
+            <a:r>
+              <a:t/>
+            </a:r>
+            <a:endParaRPr/>
+          </a:p>
+          <a:p>
+            <a:pPr indent="0" lvl="0" marL="0" rtl="0" algn="l">
+              <a:spcBef>
+                <a:spcPts val="1600"/>
+              </a:spcBef>
+              <a:spcAft>
+                <a:spcPts val="1600"/>
+              </a:spcAft>
+              <a:buNone/>
+            </a:pPr>
+            <a:r>
+              <a:rPr lang="en"/>
+              <a:t>Or from the end: ‘llo, World!’</a:t>
+            </a:r>
+            <a:endParaRPr/>
+          </a:p>
+        </p:txBody>
+      </p:sp>
     </p:spTree>
   </p:cSld>
   <p:clrMapOvr>
@@ -21602,7 +21868,7 @@
   <p:cSld>
     <p:spTree>
       <p:nvGrpSpPr>
-        <p:cNvPr id="384" name="Shape 384"/>
+        <p:cNvPr id="387" name="Shape 387"/>
         <p:cNvGrpSpPr/>
         <p:nvPr/>
       </p:nvGrpSpPr>
@@ -21616,7 +21882,7 @@
       </p:grpSpPr>
       <p:sp>
         <p:nvSpPr>
-          <p:cNvPr id="385" name="Google Shape;385;p54"/>
+          <p:cNvPr id="388" name="Google Shape;388;p54"/>
           <p:cNvSpPr txBox="1"/>
           <p:nvPr>
             <p:ph type="title"/>
@@ -21648,7 +21914,7 @@
             </a:pPr>
             <a:r>
               <a:rPr lang="en"/>
-              <a:t>Slicing Strings</a:t>
+              <a:t>Other String Methods</a:t>
             </a:r>
             <a:endParaRPr/>
           </a:p>
@@ -21656,7 +21922,7 @@
       </p:sp>
       <p:sp>
         <p:nvSpPr>
-          <p:cNvPr id="386" name="Google Shape;386;p54"/>
+          <p:cNvPr id="389" name="Google Shape;389;p54"/>
           <p:cNvSpPr txBox="1"/>
           <p:nvPr>
             <p:ph idx="1" type="body"/>
@@ -21664,8 +21930,8 @@
         </p:nvSpPr>
         <p:spPr>
           <a:xfrm>
-            <a:off x="551825" y="3086650"/>
-            <a:ext cx="1760700" cy="1191600"/>
+            <a:off x="4435550" y="1981775"/>
+            <a:ext cx="4319700" cy="2710200"/>
           </a:xfrm>
           <a:prstGeom prst="rect">
             <a:avLst/>
@@ -21677,50 +21943,78 @@
           </a:bodyPr>
           <a:lstStyle/>
           <a:p>
-            <a:pPr indent="0" lvl="0" marL="0" rtl="0" algn="ctr">
-              <a:spcBef>
-                <a:spcPts val="0"/>
-              </a:spcBef>
-              <a:spcAft>
-                <a:spcPts val="0"/>
-              </a:spcAft>
-              <a:buNone/>
+            <a:pPr indent="-342900" lvl="0" marL="457200" rtl="0" algn="l">
+              <a:spcBef>
+                <a:spcPts val="0"/>
+              </a:spcBef>
+              <a:spcAft>
+                <a:spcPts val="0"/>
+              </a:spcAft>
+              <a:buSzPts val="1800"/>
+              <a:buChar char="-"/>
             </a:pPr>
             <a:r>
               <a:rPr lang="en"/>
-              <a:t>‘llo’</a:t>
+              <a:t>Force upper/lower case text</a:t>
             </a:r>
             <a:endParaRPr/>
           </a:p>
           <a:p>
-            <a:pPr indent="0" lvl="0" marL="0" rtl="0" algn="ctr">
-              <a:spcBef>
-                <a:spcPts val="1600"/>
-              </a:spcBef>
-              <a:spcAft>
-                <a:spcPts val="0"/>
-              </a:spcAft>
-              <a:buNone/>
+            <a:pPr indent="-342900" lvl="0" marL="457200" rtl="0" algn="l">
+              <a:spcBef>
+                <a:spcPts val="0"/>
+              </a:spcBef>
+              <a:spcAft>
+                <a:spcPts val="0"/>
+              </a:spcAft>
+              <a:buSzPts val="1800"/>
+              <a:buChar char="-"/>
             </a:pPr>
             <a:r>
               <a:rPr lang="en"/>
-              <a:t>2 inclusive</a:t>
+              <a:t>Remove whitespace at the </a:t>
+            </a:r>
+            <a:r>
+              <a:rPr lang="en"/>
+              <a:t>beginning</a:t>
+            </a:r>
+            <a:r>
+              <a:rPr lang="en"/>
+              <a:t>/end of strings</a:t>
             </a:r>
             <a:endParaRPr/>
           </a:p>
           <a:p>
-            <a:pPr indent="0" lvl="0" marL="0" rtl="0" algn="ctr">
-              <a:spcBef>
-                <a:spcPts val="1600"/>
-              </a:spcBef>
-              <a:spcAft>
-                <a:spcPts val="1600"/>
-              </a:spcAft>
-              <a:buNone/>
+            <a:pPr indent="-342900" lvl="0" marL="457200" rtl="0" algn="l">
+              <a:spcBef>
+                <a:spcPts val="0"/>
+              </a:spcBef>
+              <a:spcAft>
+                <a:spcPts val="0"/>
+              </a:spcAft>
+              <a:buSzPts val="1800"/>
+              <a:buChar char="-"/>
             </a:pPr>
             <a:r>
               <a:rPr lang="en"/>
-              <a:t>5 exclusive</a:t>
+              <a:t>Replace every piece of matching text content with another string</a:t>
+            </a:r>
+            <a:endParaRPr/>
+          </a:p>
+          <a:p>
+            <a:pPr indent="-342900" lvl="0" marL="457200" rtl="0" algn="l">
+              <a:spcBef>
+                <a:spcPts val="0"/>
+              </a:spcBef>
+              <a:spcAft>
+                <a:spcPts val="0"/>
+              </a:spcAft>
+              <a:buSzPts val="1800"/>
+              <a:buChar char="-"/>
+            </a:pPr>
+            <a:r>
+              <a:rPr lang="en"/>
+              <a:t>Return a list of split strings</a:t>
             </a:r>
             <a:endParaRPr/>
           </a:p>
@@ -21728,7 +22022,7 @@
       </p:sp>
       <p:pic>
         <p:nvPicPr>
-          <p:cNvPr id="387" name="Google Shape;387;p54"/>
+          <p:cNvPr id="390" name="Google Shape;390;p54"/>
           <p:cNvPicPr preferRelativeResize="0"/>
           <p:nvPr/>
         </p:nvPicPr>
@@ -21742,8 +22036,8 @@
         </p:blipFill>
         <p:spPr>
           <a:xfrm>
-            <a:off x="641600" y="2423950"/>
-            <a:ext cx="1581150" cy="504825"/>
+            <a:off x="1256213" y="2042125"/>
+            <a:ext cx="1638300" cy="457200"/>
           </a:xfrm>
           <a:prstGeom prst="rect">
             <a:avLst/>
@@ -21756,7 +22050,7 @@
       </p:pic>
       <p:pic>
         <p:nvPicPr>
-          <p:cNvPr id="388" name="Google Shape;388;p54"/>
+          <p:cNvPr id="391" name="Google Shape;391;p54"/>
           <p:cNvPicPr preferRelativeResize="0"/>
           <p:nvPr/>
         </p:nvPicPr>
@@ -21770,8 +22064,8 @@
         </p:blipFill>
         <p:spPr>
           <a:xfrm>
-            <a:off x="3471425" y="2428713"/>
-            <a:ext cx="1619250" cy="495300"/>
+            <a:off x="1284800" y="2571750"/>
+            <a:ext cx="1581150" cy="457200"/>
           </a:xfrm>
           <a:prstGeom prst="rect">
             <a:avLst/>
@@ -21784,7 +22078,7 @@
       </p:pic>
       <p:pic>
         <p:nvPicPr>
-          <p:cNvPr id="389" name="Google Shape;389;p54"/>
+          <p:cNvPr id="392" name="Google Shape;392;p54"/>
           <p:cNvPicPr preferRelativeResize="0"/>
           <p:nvPr/>
         </p:nvPicPr>
@@ -21798,8 +22092,8 @@
         </p:blipFill>
         <p:spPr>
           <a:xfrm>
-            <a:off x="3447600" y="3526100"/>
-            <a:ext cx="1666875" cy="438150"/>
+            <a:off x="370400" y="3035025"/>
+            <a:ext cx="3409950" cy="447675"/>
           </a:xfrm>
           <a:prstGeom prst="rect">
             <a:avLst/>
@@ -21810,77 +22104,62 @@
           </a:ln>
         </p:spPr>
       </p:pic>
-      <p:sp>
-        <p:nvSpPr>
-          <p:cNvPr id="390" name="Google Shape;390;p54"/>
-          <p:cNvSpPr txBox="1"/>
-          <p:nvPr>
-            <p:ph idx="1" type="body"/>
-          </p:nvPr>
-        </p:nvSpPr>
-        <p:spPr>
-          <a:xfrm>
-            <a:off x="5207250" y="2428725"/>
-            <a:ext cx="3610500" cy="1191600"/>
-          </a:xfrm>
-          <a:prstGeom prst="rect">
-            <a:avLst/>
-          </a:prstGeom>
-        </p:spPr>
-        <p:txBody>
-          <a:bodyPr anchorCtr="0" anchor="t" bIns="91425" lIns="91425" spcFirstLastPara="1" rIns="91425" wrap="square" tIns="91425">
-            <a:noAutofit/>
-          </a:bodyPr>
-          <a:lstStyle/>
-          <a:p>
-            <a:pPr indent="0" lvl="0" marL="0" rtl="0" algn="l">
-              <a:spcBef>
-                <a:spcPts val="0"/>
-              </a:spcBef>
-              <a:spcAft>
-                <a:spcPts val="0"/>
-              </a:spcAft>
-              <a:buNone/>
-            </a:pPr>
-            <a:r>
-              <a:rPr lang="en"/>
-              <a:t>Slice from the start: ‘Hello’</a:t>
-            </a:r>
-            <a:endParaRPr/>
-          </a:p>
-          <a:p>
-            <a:pPr indent="0" lvl="0" marL="0" rtl="0" algn="l">
-              <a:spcBef>
-                <a:spcPts val="1600"/>
-              </a:spcBef>
-              <a:spcAft>
-                <a:spcPts val="0"/>
-              </a:spcAft>
-              <a:buNone/>
-            </a:pPr>
-            <a:r>
-              <a:t/>
-            </a:r>
-            <a:endParaRPr/>
-          </a:p>
-          <a:p>
-            <a:pPr indent="0" lvl="0" marL="0" rtl="0" algn="l">
-              <a:spcBef>
-                <a:spcPts val="1600"/>
-              </a:spcBef>
-              <a:spcAft>
-                <a:spcPts val="1600"/>
-              </a:spcAft>
-              <a:buNone/>
-            </a:pPr>
-            <a:r>
-              <a:rPr lang="en"/>
-              <a:t>Or from the end: ‘llo, World!’</a:t>
-            </a:r>
-            <a:endParaRPr/>
-          </a:p>
-        </p:txBody>
-      </p:sp>
+      <p:pic>
+        <p:nvPicPr>
+          <p:cNvPr id="393" name="Google Shape;393;p54"/>
+          <p:cNvPicPr preferRelativeResize="0"/>
+          <p:nvPr/>
+        </p:nvPicPr>
+        <p:blipFill>
+          <a:blip r:embed="rId6">
+            <a:alphaModFix/>
+          </a:blip>
+          <a:stretch>
+            <a:fillRect/>
+          </a:stretch>
+        </p:blipFill>
+        <p:spPr>
+          <a:xfrm>
+            <a:off x="1112050" y="3539075"/>
+            <a:ext cx="1926627" cy="433925"/>
+          </a:xfrm>
+          <a:prstGeom prst="rect">
+            <a:avLst/>
+          </a:prstGeom>
+          <a:noFill/>
+          <a:ln>
+            <a:noFill/>
+          </a:ln>
+        </p:spPr>
+      </p:pic>
+      <p:pic>
+        <p:nvPicPr>
+          <p:cNvPr id="394" name="Google Shape;394;p54"/>
+          <p:cNvPicPr preferRelativeResize="0"/>
+          <p:nvPr/>
+        </p:nvPicPr>
+        <p:blipFill>
+          <a:blip r:embed="rId7">
+            <a:alphaModFix/>
+          </a:blip>
+          <a:stretch>
+            <a:fillRect/>
+          </a:stretch>
+        </p:blipFill>
+        <p:spPr>
+          <a:xfrm>
+            <a:off x="310450" y="4029375"/>
+            <a:ext cx="3529813" cy="433925"/>
+          </a:xfrm>
+          <a:prstGeom prst="rect">
+            <a:avLst/>
+          </a:prstGeom>
+          <a:noFill/>
+          <a:ln>
+            <a:noFill/>
+          </a:ln>
+        </p:spPr>
+      </p:pic>
     </p:spTree>
   </p:cSld>
   <p:clrMapOvr>
@@ -21894,7 +22173,7 @@
   <p:cSld>
     <p:spTree>
       <p:nvGrpSpPr>
-        <p:cNvPr id="394" name="Shape 394"/>
+        <p:cNvPr id="398" name="Shape 398"/>
         <p:cNvGrpSpPr/>
         <p:nvPr/>
       </p:nvGrpSpPr>
@@ -21908,7 +22187,7 @@
       </p:grpSpPr>
       <p:sp>
         <p:nvSpPr>
-          <p:cNvPr id="395" name="Google Shape;395;p55"/>
+          <p:cNvPr id="399" name="Google Shape;399;p55"/>
           <p:cNvSpPr txBox="1"/>
           <p:nvPr>
             <p:ph type="title"/>
@@ -21940,7 +22219,7 @@
             </a:pPr>
             <a:r>
               <a:rPr lang="en"/>
-              <a:t>Other String Methods</a:t>
+              <a:t>F-Strings</a:t>
             </a:r>
             <a:endParaRPr/>
           </a:p>
@@ -21948,7 +22227,7 @@
       </p:sp>
       <p:sp>
         <p:nvSpPr>
-          <p:cNvPr id="396" name="Google Shape;396;p55"/>
+          <p:cNvPr id="400" name="Google Shape;400;p55"/>
           <p:cNvSpPr txBox="1"/>
           <p:nvPr>
             <p:ph idx="1" type="body"/>
@@ -21956,8 +22235,8 @@
         </p:nvSpPr>
         <p:spPr>
           <a:xfrm>
-            <a:off x="4435550" y="1981775"/>
-            <a:ext cx="4319700" cy="2710200"/>
+            <a:off x="471900" y="1919075"/>
+            <a:ext cx="3529500" cy="2710200"/>
           </a:xfrm>
           <a:prstGeom prst="rect">
             <a:avLst/>
@@ -21981,7 +22260,11 @@
             </a:pPr>
             <a:r>
               <a:rPr lang="en"/>
-              <a:t>Force upper/lower case text</a:t>
+              <a:t>Formatted</a:t>
+            </a:r>
+            <a:r>
+              <a:rPr lang="en"/>
+              <a:t> String literals were introduced in Python 3</a:t>
             </a:r>
             <a:endParaRPr/>
           </a:p>
@@ -21998,15 +22281,7 @@
             </a:pPr>
             <a:r>
               <a:rPr lang="en"/>
-              <a:t>Remove whitespace at the </a:t>
-            </a:r>
-            <a:r>
-              <a:rPr lang="en"/>
-              <a:t>beginning</a:t>
-            </a:r>
-            <a:r>
-              <a:rPr lang="en"/>
-              <a:t>/end of strings</a:t>
+              <a:t>Dynamically assign values in strings</a:t>
             </a:r>
             <a:endParaRPr/>
           </a:p>
@@ -22023,24 +22298,15 @@
             </a:pPr>
             <a:r>
               <a:rPr lang="en"/>
-              <a:t>Replace every piece of matching text content with another string</a:t>
-            </a:r>
-            <a:endParaRPr/>
-          </a:p>
-          <a:p>
-            <a:pPr indent="-342900" lvl="0" marL="457200" rtl="0" algn="l">
-              <a:spcBef>
-                <a:spcPts val="0"/>
-              </a:spcBef>
-              <a:spcAft>
-                <a:spcPts val="0"/>
-              </a:spcAft>
-              <a:buSzPts val="1800"/>
-              <a:buChar char="-"/>
-            </a:pPr>
+              <a:t>Perform </a:t>
+            </a:r>
             <a:r>
               <a:rPr lang="en"/>
-              <a:t>Return a list of split strings</a:t>
+              <a:t>evaluations</a:t>
+            </a:r>
+            <a:r>
+              <a:rPr lang="en"/>
+              <a:t> &amp; format data</a:t>
             </a:r>
             <a:endParaRPr/>
           </a:p>
@@ -22048,7 +22314,7 @@
       </p:sp>
       <p:pic>
         <p:nvPicPr>
-          <p:cNvPr id="397" name="Google Shape;397;p55"/>
+          <p:cNvPr id="401" name="Google Shape;401;p55"/>
           <p:cNvPicPr preferRelativeResize="0"/>
           <p:nvPr/>
         </p:nvPicPr>
@@ -22062,8 +22328,8 @@
         </p:blipFill>
         <p:spPr>
           <a:xfrm>
-            <a:off x="1256213" y="2042125"/>
-            <a:ext cx="1638300" cy="457200"/>
+            <a:off x="4572000" y="1768575"/>
+            <a:ext cx="2933700" cy="866775"/>
           </a:xfrm>
           <a:prstGeom prst="rect">
             <a:avLst/>
@@ -22076,7 +22342,7 @@
       </p:pic>
       <p:pic>
         <p:nvPicPr>
-          <p:cNvPr id="398" name="Google Shape;398;p55"/>
+          <p:cNvPr id="402" name="Google Shape;402;p55"/>
           <p:cNvPicPr preferRelativeResize="0"/>
           <p:nvPr/>
         </p:nvPicPr>
@@ -22090,8 +22356,8 @@
         </p:blipFill>
         <p:spPr>
           <a:xfrm>
-            <a:off x="1284800" y="2571750"/>
-            <a:ext cx="1581150" cy="457200"/>
+            <a:off x="4600575" y="2698050"/>
+            <a:ext cx="2876550" cy="647700"/>
           </a:xfrm>
           <a:prstGeom prst="rect">
             <a:avLst/>
@@ -22104,7 +22370,7 @@
       </p:pic>
       <p:pic>
         <p:nvPicPr>
-          <p:cNvPr id="399" name="Google Shape;399;p55"/>
+          <p:cNvPr id="403" name="Google Shape;403;p55"/>
           <p:cNvPicPr preferRelativeResize="0"/>
           <p:nvPr/>
         </p:nvPicPr>
@@ -22118,8 +22384,8 @@
         </p:blipFill>
         <p:spPr>
           <a:xfrm>
-            <a:off x="370400" y="3035025"/>
-            <a:ext cx="3409950" cy="447675"/>
+            <a:off x="4376738" y="3408450"/>
+            <a:ext cx="3324225" cy="676275"/>
           </a:xfrm>
           <a:prstGeom prst="rect">
             <a:avLst/>
@@ -22132,7 +22398,7 @@
       </p:pic>
       <p:pic>
         <p:nvPicPr>
-          <p:cNvPr id="400" name="Google Shape;400;p55"/>
+          <p:cNvPr id="404" name="Google Shape;404;p55"/>
           <p:cNvPicPr preferRelativeResize="0"/>
           <p:nvPr/>
         </p:nvPicPr>
@@ -22146,36 +22412,8 @@
         </p:blipFill>
         <p:spPr>
           <a:xfrm>
-            <a:off x="1112050" y="3539075"/>
-            <a:ext cx="1926627" cy="433925"/>
-          </a:xfrm>
-          <a:prstGeom prst="rect">
-            <a:avLst/>
-          </a:prstGeom>
-          <a:noFill/>
-          <a:ln>
-            <a:noFill/>
-          </a:ln>
-        </p:spPr>
-      </p:pic>
-      <p:pic>
-        <p:nvPicPr>
-          <p:cNvPr id="401" name="Google Shape;401;p55"/>
-          <p:cNvPicPr preferRelativeResize="0"/>
-          <p:nvPr/>
-        </p:nvPicPr>
-        <p:blipFill>
-          <a:blip r:embed="rId7">
-            <a:alphaModFix/>
-          </a:blip>
-          <a:stretch>
-            <a:fillRect/>
-          </a:stretch>
-        </p:blipFill>
-        <p:spPr>
-          <a:xfrm>
-            <a:off x="310450" y="4029375"/>
-            <a:ext cx="3529813" cy="433925"/>
+            <a:off x="4476750" y="4219700"/>
+            <a:ext cx="3124200" cy="409575"/>
           </a:xfrm>
           <a:prstGeom prst="rect">
             <a:avLst/>
@@ -22199,7 +22437,7 @@
   <p:cSld>
     <p:spTree>
       <p:nvGrpSpPr>
-        <p:cNvPr id="405" name="Shape 405"/>
+        <p:cNvPr id="408" name="Shape 408"/>
         <p:cNvGrpSpPr/>
         <p:nvPr/>
       </p:nvGrpSpPr>
@@ -22213,7 +22451,7 @@
       </p:grpSpPr>
       <p:sp>
         <p:nvSpPr>
-          <p:cNvPr id="406" name="Google Shape;406;p56"/>
+          <p:cNvPr id="409" name="Google Shape;409;p56"/>
           <p:cNvSpPr txBox="1"/>
           <p:nvPr>
             <p:ph type="title"/>
@@ -22245,7 +22483,7 @@
             </a:pPr>
             <a:r>
               <a:rPr lang="en"/>
-              <a:t>F-Strings</a:t>
+              <a:t>R-Strings</a:t>
             </a:r>
             <a:endParaRPr/>
           </a:p>
@@ -22253,7 +22491,7 @@
       </p:sp>
       <p:sp>
         <p:nvSpPr>
-          <p:cNvPr id="407" name="Google Shape;407;p56"/>
+          <p:cNvPr id="410" name="Google Shape;410;p56"/>
           <p:cNvSpPr txBox="1"/>
           <p:nvPr>
             <p:ph idx="1" type="body"/>
@@ -22261,8 +22499,8 @@
         </p:nvSpPr>
         <p:spPr>
           <a:xfrm>
-            <a:off x="471900" y="1919075"/>
-            <a:ext cx="3529500" cy="2710200"/>
+            <a:off x="1953750" y="2087850"/>
+            <a:ext cx="5258400" cy="483900"/>
           </a:xfrm>
           <a:prstGeom prst="rect">
             <a:avLst/>
@@ -22274,65 +22512,18 @@
           </a:bodyPr>
           <a:lstStyle/>
           <a:p>
-            <a:pPr indent="-342900" lvl="0" marL="457200" rtl="0" algn="l">
-              <a:spcBef>
-                <a:spcPts val="0"/>
-              </a:spcBef>
-              <a:spcAft>
-                <a:spcPts val="0"/>
-              </a:spcAft>
-              <a:buSzPts val="1800"/>
-              <a:buChar char="-"/>
+            <a:pPr indent="0" lvl="0" marL="0" rtl="0" algn="l">
+              <a:spcBef>
+                <a:spcPts val="0"/>
+              </a:spcBef>
+              <a:spcAft>
+                <a:spcPts val="1600"/>
+              </a:spcAft>
+              <a:buNone/>
             </a:pPr>
             <a:r>
               <a:rPr lang="en"/>
-              <a:t>Formatted</a:t>
-            </a:r>
-            <a:r>
-              <a:rPr lang="en"/>
-              <a:t> String literals were introduced in Python 3</a:t>
-            </a:r>
-            <a:endParaRPr/>
-          </a:p>
-          <a:p>
-            <a:pPr indent="-342900" lvl="0" marL="457200" rtl="0" algn="l">
-              <a:spcBef>
-                <a:spcPts val="0"/>
-              </a:spcBef>
-              <a:spcAft>
-                <a:spcPts val="0"/>
-              </a:spcAft>
-              <a:buSzPts val="1800"/>
-              <a:buChar char="-"/>
-            </a:pPr>
-            <a:r>
-              <a:rPr lang="en"/>
-              <a:t>Dynamically assign values in strings</a:t>
-            </a:r>
-            <a:endParaRPr/>
-          </a:p>
-          <a:p>
-            <a:pPr indent="-342900" lvl="0" marL="457200" rtl="0" algn="l">
-              <a:spcBef>
-                <a:spcPts val="0"/>
-              </a:spcBef>
-              <a:spcAft>
-                <a:spcPts val="0"/>
-              </a:spcAft>
-              <a:buSzPts val="1800"/>
-              <a:buChar char="-"/>
-            </a:pPr>
-            <a:r>
-              <a:rPr lang="en"/>
-              <a:t>Perform </a:t>
-            </a:r>
-            <a:r>
-              <a:rPr lang="en"/>
-              <a:t>evaluations</a:t>
-            </a:r>
-            <a:r>
-              <a:rPr lang="en"/>
-              <a:t> &amp; format data</a:t>
+              <a:t>Raw strings will force the string to behave literally:</a:t>
             </a:r>
             <a:endParaRPr/>
           </a:p>
@@ -22340,7 +22531,7 @@
       </p:sp>
       <p:pic>
         <p:nvPicPr>
-          <p:cNvPr id="408" name="Google Shape;408;p56"/>
+          <p:cNvPr id="411" name="Google Shape;411;p56"/>
           <p:cNvPicPr preferRelativeResize="0"/>
           <p:nvPr/>
         </p:nvPicPr>
@@ -22354,92 +22545,8 @@
         </p:blipFill>
         <p:spPr>
           <a:xfrm>
-            <a:off x="4572000" y="1768575"/>
-            <a:ext cx="2933700" cy="866775"/>
-          </a:xfrm>
-          <a:prstGeom prst="rect">
-            <a:avLst/>
-          </a:prstGeom>
-          <a:noFill/>
-          <a:ln>
-            <a:noFill/>
-          </a:ln>
-        </p:spPr>
-      </p:pic>
-      <p:pic>
-        <p:nvPicPr>
-          <p:cNvPr id="409" name="Google Shape;409;p56"/>
-          <p:cNvPicPr preferRelativeResize="0"/>
-          <p:nvPr/>
-        </p:nvPicPr>
-        <p:blipFill>
-          <a:blip r:embed="rId4">
-            <a:alphaModFix/>
-          </a:blip>
-          <a:stretch>
-            <a:fillRect/>
-          </a:stretch>
-        </p:blipFill>
-        <p:spPr>
-          <a:xfrm>
-            <a:off x="4600575" y="2698050"/>
-            <a:ext cx="2876550" cy="647700"/>
-          </a:xfrm>
-          <a:prstGeom prst="rect">
-            <a:avLst/>
-          </a:prstGeom>
-          <a:noFill/>
-          <a:ln>
-            <a:noFill/>
-          </a:ln>
-        </p:spPr>
-      </p:pic>
-      <p:pic>
-        <p:nvPicPr>
-          <p:cNvPr id="410" name="Google Shape;410;p56"/>
-          <p:cNvPicPr preferRelativeResize="0"/>
-          <p:nvPr/>
-        </p:nvPicPr>
-        <p:blipFill>
-          <a:blip r:embed="rId5">
-            <a:alphaModFix/>
-          </a:blip>
-          <a:stretch>
-            <a:fillRect/>
-          </a:stretch>
-        </p:blipFill>
-        <p:spPr>
-          <a:xfrm>
-            <a:off x="4376738" y="3408450"/>
-            <a:ext cx="3324225" cy="676275"/>
-          </a:xfrm>
-          <a:prstGeom prst="rect">
-            <a:avLst/>
-          </a:prstGeom>
-          <a:noFill/>
-          <a:ln>
-            <a:noFill/>
-          </a:ln>
-        </p:spPr>
-      </p:pic>
-      <p:pic>
-        <p:nvPicPr>
-          <p:cNvPr id="411" name="Google Shape;411;p56"/>
-          <p:cNvPicPr preferRelativeResize="0"/>
-          <p:nvPr/>
-        </p:nvPicPr>
-        <p:blipFill>
-          <a:blip r:embed="rId6">
-            <a:alphaModFix/>
-          </a:blip>
-          <a:stretch>
-            <a:fillRect/>
-          </a:stretch>
-        </p:blipFill>
-        <p:spPr>
-          <a:xfrm>
-            <a:off x="4476750" y="4219700"/>
-            <a:ext cx="3124200" cy="409575"/>
+            <a:off x="2524125" y="2878850"/>
+            <a:ext cx="4095750" cy="819150"/>
           </a:xfrm>
           <a:prstGeom prst="rect">
             <a:avLst/>
@@ -22509,7 +22616,7 @@
             </a:pPr>
             <a:r>
               <a:rPr lang="en"/>
-              <a:t>R-Strings</a:t>
+              <a:t>String Method Reference</a:t>
             </a:r>
             <a:endParaRPr/>
           </a:p>
@@ -22519,22 +22626,24 @@
         <p:nvSpPr>
           <p:cNvPr id="417" name="Google Shape;417;p57"/>
           <p:cNvSpPr txBox="1"/>
-          <p:nvPr>
-            <p:ph idx="1" type="body"/>
-          </p:nvPr>
-        </p:nvSpPr>
-        <p:spPr>
-          <a:xfrm>
-            <a:off x="1953750" y="2087850"/>
-            <a:ext cx="5258400" cy="483900"/>
-          </a:xfrm>
-          <a:prstGeom prst="rect">
-            <a:avLst/>
-          </a:prstGeom>
+          <p:nvPr/>
+        </p:nvSpPr>
+        <p:spPr>
+          <a:xfrm>
+            <a:off x="3082950" y="4587525"/>
+            <a:ext cx="3000000" cy="615600"/>
+          </a:xfrm>
+          <a:prstGeom prst="rect">
+            <a:avLst/>
+          </a:prstGeom>
+          <a:noFill/>
+          <a:ln>
+            <a:noFill/>
+          </a:ln>
         </p:spPr>
         <p:txBody>
           <a:bodyPr anchorCtr="0" anchor="t" bIns="91425" lIns="91425" spcFirstLastPara="1" rIns="91425" wrap="square" tIns="91425">
-            <a:noAutofit/>
+            <a:spAutoFit/>
           </a:bodyPr>
           <a:lstStyle/>
           <a:p>
@@ -22543,13 +22652,13 @@
                 <a:spcPts val="0"/>
               </a:spcBef>
               <a:spcAft>
-                <a:spcPts val="1600"/>
+                <a:spcPts val="0"/>
               </a:spcAft>
               <a:buNone/>
             </a:pPr>
             <a:r>
               <a:rPr lang="en"/>
-              <a:t>Raw strings will force the string to behave literally:</a:t>
+              <a:t>https://www.w3schools.com/python/python_strings_methods.asp</a:t>
             </a:r>
             <a:endParaRPr/>
           </a:p>
@@ -22571,8 +22680,64 @@
         </p:blipFill>
         <p:spPr>
           <a:xfrm>
-            <a:off x="2524125" y="2878850"/>
-            <a:ext cx="4095750" cy="819150"/>
+            <a:off x="70525" y="1832639"/>
+            <a:ext cx="3873975" cy="2651124"/>
+          </a:xfrm>
+          <a:prstGeom prst="rect">
+            <a:avLst/>
+          </a:prstGeom>
+          <a:noFill/>
+          <a:ln>
+            <a:noFill/>
+          </a:ln>
+        </p:spPr>
+      </p:pic>
+      <p:pic>
+        <p:nvPicPr>
+          <p:cNvPr id="419" name="Google Shape;419;p57"/>
+          <p:cNvPicPr preferRelativeResize="0"/>
+          <p:nvPr/>
+        </p:nvPicPr>
+        <p:blipFill>
+          <a:blip r:embed="rId4">
+            <a:alphaModFix/>
+          </a:blip>
+          <a:stretch>
+            <a:fillRect/>
+          </a:stretch>
+        </p:blipFill>
+        <p:spPr>
+          <a:xfrm>
+            <a:off x="3995000" y="1904462"/>
+            <a:ext cx="2306075" cy="2507500"/>
+          </a:xfrm>
+          <a:prstGeom prst="rect">
+            <a:avLst/>
+          </a:prstGeom>
+          <a:noFill/>
+          <a:ln>
+            <a:noFill/>
+          </a:ln>
+        </p:spPr>
+      </p:pic>
+      <p:pic>
+        <p:nvPicPr>
+          <p:cNvPr id="420" name="Google Shape;420;p57"/>
+          <p:cNvPicPr preferRelativeResize="0"/>
+          <p:nvPr/>
+        </p:nvPicPr>
+        <p:blipFill>
+          <a:blip r:embed="rId5">
+            <a:alphaModFix/>
+          </a:blip>
+          <a:stretch>
+            <a:fillRect/>
+          </a:stretch>
+        </p:blipFill>
+        <p:spPr>
+          <a:xfrm>
+            <a:off x="6415850" y="1904450"/>
+            <a:ext cx="2538125" cy="2397300"/>
           </a:xfrm>
           <a:prstGeom prst="rect">
             <a:avLst/>
@@ -22596,7 +22761,7 @@
   <p:cSld>
     <p:spTree>
       <p:nvGrpSpPr>
-        <p:cNvPr id="422" name="Shape 422"/>
+        <p:cNvPr id="424" name="Shape 424"/>
         <p:cNvGrpSpPr/>
         <p:nvPr/>
       </p:nvGrpSpPr>
@@ -22610,7 +22775,7 @@
       </p:grpSpPr>
       <p:sp>
         <p:nvSpPr>
-          <p:cNvPr id="423" name="Google Shape;423;p58"/>
+          <p:cNvPr id="425" name="Google Shape;425;p58"/>
           <p:cNvSpPr txBox="1"/>
           <p:nvPr>
             <p:ph type="title"/>
@@ -22642,7 +22807,7 @@
             </a:pPr>
             <a:r>
               <a:rPr lang="en"/>
-              <a:t>String Method Reference</a:t>
+              <a:t>Challenge</a:t>
             </a:r>
             <a:endParaRPr/>
           </a:p>
@@ -22650,26 +22815,24 @@
       </p:sp>
       <p:sp>
         <p:nvSpPr>
-          <p:cNvPr id="424" name="Google Shape;424;p58"/>
+          <p:cNvPr id="426" name="Google Shape;426;p58"/>
           <p:cNvSpPr txBox="1"/>
-          <p:nvPr/>
-        </p:nvSpPr>
-        <p:spPr>
-          <a:xfrm>
-            <a:off x="3082950" y="4587525"/>
-            <a:ext cx="3000000" cy="615600"/>
-          </a:xfrm>
-          <a:prstGeom prst="rect">
-            <a:avLst/>
-          </a:prstGeom>
-          <a:noFill/>
-          <a:ln>
-            <a:noFill/>
-          </a:ln>
+          <p:nvPr>
+            <p:ph idx="1" type="body"/>
+          </p:nvPr>
+        </p:nvSpPr>
+        <p:spPr>
+          <a:xfrm>
+            <a:off x="471900" y="1919075"/>
+            <a:ext cx="3971100" cy="2710200"/>
+          </a:xfrm>
+          <a:prstGeom prst="rect">
+            <a:avLst/>
+          </a:prstGeom>
         </p:spPr>
         <p:txBody>
           <a:bodyPr anchorCtr="0" anchor="t" bIns="91425" lIns="91425" spcFirstLastPara="1" rIns="91425" wrap="square" tIns="91425">
-            <a:spAutoFit/>
+            <a:noAutofit/>
           </a:bodyPr>
           <a:lstStyle/>
           <a:p>
@@ -22683,97 +22846,316 @@
               <a:buNone/>
             </a:pPr>
             <a:r>
-              <a:rPr lang="en"/>
-              <a:t>https://www.w3schools.com/python/python_strings_methods.asp</a:t>
-            </a:r>
-            <a:endParaRPr/>
+              <a:rPr b="1" lang="en"/>
+              <a:t>Goal:</a:t>
+            </a:r>
+            <a:endParaRPr b="1"/>
+          </a:p>
+          <a:p>
+            <a:pPr indent="0" lvl="0" marL="0" rtl="0" algn="l">
+              <a:spcBef>
+                <a:spcPts val="1600"/>
+              </a:spcBef>
+              <a:spcAft>
+                <a:spcPts val="1600"/>
+              </a:spcAft>
+              <a:buNone/>
+            </a:pPr>
+            <a:r>
+              <a:rPr lang="en" sz="1400"/>
+              <a:t>Format a string value</a:t>
+            </a:r>
+            <a:endParaRPr sz="1400"/>
           </a:p>
         </p:txBody>
       </p:sp>
-      <p:pic>
-        <p:nvPicPr>
-          <p:cNvPr id="425" name="Google Shape;425;p58"/>
-          <p:cNvPicPr preferRelativeResize="0"/>
-          <p:nvPr/>
-        </p:nvPicPr>
-        <p:blipFill>
-          <a:blip r:embed="rId3">
-            <a:alphaModFix/>
-          </a:blip>
-          <a:stretch>
-            <a:fillRect/>
-          </a:stretch>
-        </p:blipFill>
-        <p:spPr>
-          <a:xfrm>
-            <a:off x="70525" y="1832639"/>
-            <a:ext cx="3873975" cy="2651124"/>
-          </a:xfrm>
-          <a:prstGeom prst="rect">
-            <a:avLst/>
-          </a:prstGeom>
-          <a:noFill/>
-          <a:ln>
-            <a:noFill/>
-          </a:ln>
-        </p:spPr>
-      </p:pic>
-      <p:pic>
-        <p:nvPicPr>
-          <p:cNvPr id="426" name="Google Shape;426;p58"/>
-          <p:cNvPicPr preferRelativeResize="0"/>
-          <p:nvPr/>
-        </p:nvPicPr>
-        <p:blipFill>
-          <a:blip r:embed="rId4">
-            <a:alphaModFix/>
-          </a:blip>
-          <a:stretch>
-            <a:fillRect/>
-          </a:stretch>
-        </p:blipFill>
-        <p:spPr>
-          <a:xfrm>
-            <a:off x="3995000" y="1904462"/>
-            <a:ext cx="2306075" cy="2507500"/>
-          </a:xfrm>
-          <a:prstGeom prst="rect">
-            <a:avLst/>
-          </a:prstGeom>
-          <a:noFill/>
-          <a:ln>
-            <a:noFill/>
-          </a:ln>
-        </p:spPr>
-      </p:pic>
-      <p:pic>
-        <p:nvPicPr>
+      <p:sp>
+        <p:nvSpPr>
           <p:cNvPr id="427" name="Google Shape;427;p58"/>
-          <p:cNvPicPr preferRelativeResize="0"/>
-          <p:nvPr/>
-        </p:nvPicPr>
-        <p:blipFill>
-          <a:blip r:embed="rId5">
-            <a:alphaModFix/>
-          </a:blip>
-          <a:stretch>
-            <a:fillRect/>
-          </a:stretch>
-        </p:blipFill>
-        <p:spPr>
-          <a:xfrm>
-            <a:off x="6415850" y="1904450"/>
-            <a:ext cx="2538125" cy="2397300"/>
-          </a:xfrm>
-          <a:prstGeom prst="rect">
-            <a:avLst/>
-          </a:prstGeom>
-          <a:noFill/>
-          <a:ln>
-            <a:noFill/>
-          </a:ln>
-        </p:spPr>
-      </p:pic>
+          <p:cNvSpPr txBox="1"/>
+          <p:nvPr>
+            <p:ph idx="1" type="body"/>
+          </p:nvPr>
+        </p:nvSpPr>
+        <p:spPr>
+          <a:xfrm>
+            <a:off x="4722900" y="1919075"/>
+            <a:ext cx="3971100" cy="2710200"/>
+          </a:xfrm>
+          <a:prstGeom prst="rect">
+            <a:avLst/>
+          </a:prstGeom>
+        </p:spPr>
+        <p:txBody>
+          <a:bodyPr anchorCtr="0" anchor="t" bIns="91425" lIns="91425" spcFirstLastPara="1" rIns="91425" wrap="square" tIns="91425">
+            <a:noAutofit/>
+          </a:bodyPr>
+          <a:lstStyle/>
+          <a:p>
+            <a:pPr indent="0" lvl="0" marL="0" rtl="0" algn="l">
+              <a:spcBef>
+                <a:spcPts val="0"/>
+              </a:spcBef>
+              <a:spcAft>
+                <a:spcPts val="0"/>
+              </a:spcAft>
+              <a:buNone/>
+            </a:pPr>
+            <a:r>
+              <a:rPr b="1" lang="en"/>
+              <a:t>Details:				~25 min</a:t>
+            </a:r>
+            <a:endParaRPr b="1"/>
+          </a:p>
+          <a:p>
+            <a:pPr indent="0" lvl="0" marL="0" rtl="0" algn="l">
+              <a:lnSpc>
+                <a:spcPct val="100000"/>
+              </a:lnSpc>
+              <a:spcBef>
+                <a:spcPts val="1600"/>
+              </a:spcBef>
+              <a:spcAft>
+                <a:spcPts val="0"/>
+              </a:spcAft>
+              <a:buNone/>
+            </a:pPr>
+            <a:r>
+              <a:rPr lang="en" sz="1100"/>
+              <a:t>Given the username: </a:t>
+            </a:r>
+            <a:endParaRPr sz="1100"/>
+          </a:p>
+          <a:p>
+            <a:pPr indent="0" lvl="0" marL="0" rtl="0" algn="l">
+              <a:lnSpc>
+                <a:spcPct val="100000"/>
+              </a:lnSpc>
+              <a:spcBef>
+                <a:spcPts val="0"/>
+              </a:spcBef>
+              <a:spcAft>
+                <a:spcPts val="0"/>
+              </a:spcAft>
+              <a:buNone/>
+            </a:pPr>
+            <a:r>
+              <a:rPr lang="en" sz="1100"/>
+              <a:t>‘raw_username = "  Py_Thon-ROCKS123!!!  "</a:t>
+            </a:r>
+            <a:endParaRPr sz="1100"/>
+          </a:p>
+          <a:p>
+            <a:pPr indent="0" lvl="0" marL="0" rtl="0" algn="l">
+              <a:lnSpc>
+                <a:spcPct val="100000"/>
+              </a:lnSpc>
+              <a:spcBef>
+                <a:spcPts val="0"/>
+              </a:spcBef>
+              <a:spcAft>
+                <a:spcPts val="0"/>
+              </a:spcAft>
+              <a:buNone/>
+            </a:pPr>
+            <a:r>
+              <a:rPr lang="en" sz="1100"/>
+              <a:t>Do the following:</a:t>
+            </a:r>
+            <a:endParaRPr sz="1100"/>
+          </a:p>
+          <a:p>
+            <a:pPr indent="-298450" lvl="0" marL="457200" rtl="0" algn="l">
+              <a:lnSpc>
+                <a:spcPct val="100000"/>
+              </a:lnSpc>
+              <a:spcBef>
+                <a:spcPts val="0"/>
+              </a:spcBef>
+              <a:spcAft>
+                <a:spcPts val="0"/>
+              </a:spcAft>
+              <a:buSzPts val="1100"/>
+              <a:buAutoNum type="arabicPeriod"/>
+            </a:pPr>
+            <a:r>
+              <a:rPr lang="en" sz="1100"/>
+              <a:t>Remove whitespace</a:t>
+            </a:r>
+            <a:endParaRPr sz="1100"/>
+          </a:p>
+          <a:p>
+            <a:pPr indent="-298450" lvl="0" marL="457200" rtl="0" algn="l">
+              <a:lnSpc>
+                <a:spcPct val="100000"/>
+              </a:lnSpc>
+              <a:spcBef>
+                <a:spcPts val="0"/>
+              </a:spcBef>
+              <a:spcAft>
+                <a:spcPts val="0"/>
+              </a:spcAft>
+              <a:buSzPts val="1100"/>
+              <a:buAutoNum type="arabicPeriod"/>
+            </a:pPr>
+            <a:r>
+              <a:rPr lang="en" sz="1100"/>
+              <a:t>Convert to all lowercase</a:t>
+            </a:r>
+            <a:endParaRPr sz="1100"/>
+          </a:p>
+          <a:p>
+            <a:pPr indent="-298450" lvl="0" marL="457200" rtl="0" algn="l">
+              <a:lnSpc>
+                <a:spcPct val="100000"/>
+              </a:lnSpc>
+              <a:spcBef>
+                <a:spcPts val="0"/>
+              </a:spcBef>
+              <a:spcAft>
+                <a:spcPts val="0"/>
+              </a:spcAft>
+              <a:buSzPts val="1100"/>
+              <a:buAutoNum type="arabicPeriod"/>
+            </a:pPr>
+            <a:r>
+              <a:rPr lang="en" sz="1100"/>
+              <a:t>Replace all ‘-’ with ‘_’</a:t>
+            </a:r>
+            <a:endParaRPr sz="1100"/>
+          </a:p>
+          <a:p>
+            <a:pPr indent="-298450" lvl="0" marL="457200" rtl="0" algn="l">
+              <a:lnSpc>
+                <a:spcPct val="100000"/>
+              </a:lnSpc>
+              <a:spcBef>
+                <a:spcPts val="0"/>
+              </a:spcBef>
+              <a:spcAft>
+                <a:spcPts val="0"/>
+              </a:spcAft>
+              <a:buSzPts val="1100"/>
+              <a:buAutoNum type="arabicPeriod"/>
+            </a:pPr>
+            <a:r>
+              <a:rPr lang="en" sz="1100"/>
+              <a:t>Remove all ‘!’ </a:t>
+            </a:r>
+            <a:endParaRPr sz="1100"/>
+          </a:p>
+          <a:p>
+            <a:pPr indent="-298450" lvl="0" marL="457200" rtl="0" algn="l">
+              <a:lnSpc>
+                <a:spcPct val="100000"/>
+              </a:lnSpc>
+              <a:spcBef>
+                <a:spcPts val="0"/>
+              </a:spcBef>
+              <a:spcAft>
+                <a:spcPts val="0"/>
+              </a:spcAft>
+              <a:buSzPts val="1100"/>
+              <a:buAutoNum type="arabicPeriod"/>
+            </a:pPr>
+            <a:r>
+              <a:rPr lang="en" sz="1100"/>
+              <a:t>Check at least once digit is present</a:t>
+            </a:r>
+            <a:endParaRPr sz="1100"/>
+          </a:p>
+          <a:p>
+            <a:pPr indent="-298450" lvl="0" marL="457200" rtl="0" algn="l">
+              <a:lnSpc>
+                <a:spcPct val="100000"/>
+              </a:lnSpc>
+              <a:spcBef>
+                <a:spcPts val="0"/>
+              </a:spcBef>
+              <a:spcAft>
+                <a:spcPts val="0"/>
+              </a:spcAft>
+              <a:buSzPts val="1100"/>
+              <a:buAutoNum type="arabicPeriod"/>
+            </a:pPr>
+            <a:r>
+              <a:rPr lang="en" sz="1100"/>
+              <a:t>Check it contains the word ‘python’</a:t>
+            </a:r>
+            <a:endParaRPr sz="1100"/>
+          </a:p>
+          <a:p>
+            <a:pPr indent="-298450" lvl="0" marL="457200" rtl="0" algn="l">
+              <a:lnSpc>
+                <a:spcPct val="100000"/>
+              </a:lnSpc>
+              <a:spcBef>
+                <a:spcPts val="0"/>
+              </a:spcBef>
+              <a:spcAft>
+                <a:spcPts val="0"/>
+              </a:spcAft>
+              <a:buSzPts val="1100"/>
+              <a:buAutoNum type="arabicPeriod"/>
+            </a:pPr>
+            <a:r>
+              <a:rPr lang="en" sz="1100"/>
+              <a:t>Create a variable that stores only the first 8 characters</a:t>
+            </a:r>
+            <a:endParaRPr sz="1100"/>
+          </a:p>
+          <a:p>
+            <a:pPr indent="-298450" lvl="0" marL="457200" rtl="0" algn="l">
+              <a:lnSpc>
+                <a:spcPct val="100000"/>
+              </a:lnSpc>
+              <a:spcBef>
+                <a:spcPts val="0"/>
+              </a:spcBef>
+              <a:spcAft>
+                <a:spcPts val="0"/>
+              </a:spcAft>
+              <a:buSzPts val="1100"/>
+              <a:buAutoNum type="arabicPeriod"/>
+            </a:pPr>
+            <a:r>
+              <a:rPr lang="en" sz="1100"/>
+              <a:t>Print a formatted string (f-string) that displays: the cleaned username, whether it contains a digit, whether it contains ‘python’, &amp; the first 8 characters</a:t>
+            </a:r>
+            <a:endParaRPr sz="1100"/>
+          </a:p>
+          <a:p>
+            <a:pPr indent="0" lvl="0" marL="0" rtl="0" algn="l">
+              <a:spcBef>
+                <a:spcPts val="1600"/>
+              </a:spcBef>
+              <a:spcAft>
+                <a:spcPts val="0"/>
+              </a:spcAft>
+              <a:buNone/>
+            </a:pPr>
+            <a:r>
+              <a:t/>
+            </a:r>
+            <a:endParaRPr sz="1400"/>
+          </a:p>
+          <a:p>
+            <a:pPr indent="0" lvl="0" marL="0" rtl="0" algn="l">
+              <a:spcBef>
+                <a:spcPts val="1600"/>
+              </a:spcBef>
+              <a:spcAft>
+                <a:spcPts val="1600"/>
+              </a:spcAft>
+              <a:buNone/>
+            </a:pPr>
+            <a:r>
+              <a:t/>
+            </a:r>
+            <a:endParaRPr sz="1400"/>
+          </a:p>
+        </p:txBody>
+      </p:sp>
     </p:spTree>
   </p:cSld>
   <p:clrMapOvr>
@@ -22833,7 +23215,11 @@
             </a:pPr>
             <a:r>
               <a:rPr lang="en"/>
-              <a:t>Collections</a:t>
+              <a:t>Random </a:t>
+            </a:r>
+            <a:r>
+              <a:rPr lang="en"/>
+              <a:t>Numbers</a:t>
             </a:r>
             <a:endParaRPr/>
           </a:p>
@@ -22849,8 +23235,8 @@
         </p:nvSpPr>
         <p:spPr>
           <a:xfrm>
-            <a:off x="671925" y="1981575"/>
-            <a:ext cx="3300000" cy="2310000"/>
+            <a:off x="600500" y="2004800"/>
+            <a:ext cx="3291000" cy="2710200"/>
           </a:xfrm>
           <a:prstGeom prst="rect">
             <a:avLst/>
@@ -22862,153 +23248,72 @@
           </a:bodyPr>
           <a:lstStyle/>
           <a:p>
-            <a:pPr indent="-342900" lvl="0" marL="457200" rtl="0" algn="l">
-              <a:spcBef>
-                <a:spcPts val="0"/>
-              </a:spcBef>
-              <a:spcAft>
-                <a:spcPts val="0"/>
-              </a:spcAft>
-              <a:buSzPts val="1800"/>
-              <a:buChar char="-"/>
+            <a:pPr indent="0" lvl="0" marL="0" rtl="0" algn="l">
+              <a:spcBef>
+                <a:spcPts val="0"/>
+              </a:spcBef>
+              <a:spcAft>
+                <a:spcPts val="0"/>
+              </a:spcAft>
+              <a:buNone/>
             </a:pPr>
             <a:r>
               <a:rPr lang="en"/>
-              <a:t>Lists</a:t>
+              <a:t>There are many methods in the random module! </a:t>
             </a:r>
             <a:endParaRPr/>
           </a:p>
           <a:p>
-            <a:pPr indent="-317500" lvl="1" marL="914400" rtl="0" algn="l">
-              <a:spcBef>
-                <a:spcPts val="0"/>
-              </a:spcBef>
-              <a:spcAft>
-                <a:spcPts val="0"/>
-              </a:spcAft>
-              <a:buSzPts val="1400"/>
-              <a:buChar char="-"/>
+            <a:pPr indent="0" lvl="0" marL="0" rtl="0" algn="l">
+              <a:spcBef>
+                <a:spcPts val="1600"/>
+              </a:spcBef>
+              <a:spcAft>
+                <a:spcPts val="0"/>
+              </a:spcAft>
+              <a:buNone/>
+            </a:pPr>
+            <a:r>
+              <a:t/>
+            </a:r>
+            <a:endParaRPr/>
+          </a:p>
+          <a:p>
+            <a:pPr indent="0" lvl="0" marL="0" rtl="0" algn="l">
+              <a:spcBef>
+                <a:spcPts val="1600"/>
+              </a:spcBef>
+              <a:spcAft>
+                <a:spcPts val="1600"/>
+              </a:spcAft>
+              <a:buNone/>
             </a:pPr>
             <a:r>
               <a:rPr lang="en"/>
-              <a:t>Ordered/indexed</a:t>
+              <a:t>https://www.w3schools.com/python/module_random.asp</a:t>
             </a:r>
             <a:endParaRPr/>
           </a:p>
-          <a:p>
-            <a:pPr indent="-317500" lvl="1" marL="914400" rtl="0" algn="l">
-              <a:spcBef>
-                <a:spcPts val="0"/>
-              </a:spcBef>
-              <a:spcAft>
-                <a:spcPts val="0"/>
-              </a:spcAft>
-              <a:buSzPts val="1400"/>
-              <a:buChar char="-"/>
-            </a:pPr>
-            <a:r>
-              <a:rPr lang="en"/>
-              <a:t>Changeable </a:t>
-            </a:r>
-            <a:endParaRPr/>
-          </a:p>
-          <a:p>
-            <a:pPr indent="-317500" lvl="1" marL="914400" rtl="0" algn="l">
-              <a:spcBef>
-                <a:spcPts val="0"/>
-              </a:spcBef>
-              <a:spcAft>
-                <a:spcPts val="0"/>
-              </a:spcAft>
-              <a:buSzPts val="1400"/>
-              <a:buChar char="-"/>
-            </a:pPr>
-            <a:r>
-              <a:rPr lang="en"/>
-              <a:t>Allows duplicates</a:t>
-            </a:r>
-            <a:endParaRPr/>
-          </a:p>
-          <a:p>
-            <a:pPr indent="-342900" lvl="0" marL="457200" rtl="0" algn="l">
-              <a:spcBef>
-                <a:spcPts val="0"/>
-              </a:spcBef>
-              <a:spcAft>
-                <a:spcPts val="0"/>
-              </a:spcAft>
-              <a:buSzPts val="1800"/>
-              <a:buChar char="-"/>
-            </a:pPr>
-            <a:r>
-              <a:rPr lang="en"/>
-              <a:t>Tuples</a:t>
-            </a:r>
-            <a:endParaRPr/>
-          </a:p>
-          <a:p>
-            <a:pPr indent="-317500" lvl="1" marL="914400" rtl="0" algn="l">
-              <a:spcBef>
-                <a:spcPts val="0"/>
-              </a:spcBef>
-              <a:spcAft>
-                <a:spcPts val="0"/>
-              </a:spcAft>
-              <a:buSzPts val="1400"/>
-              <a:buChar char="-"/>
-            </a:pPr>
-            <a:r>
-              <a:rPr lang="en"/>
-              <a:t>Ordered</a:t>
-            </a:r>
-            <a:endParaRPr/>
-          </a:p>
-          <a:p>
-            <a:pPr indent="-317500" lvl="1" marL="914400" rtl="0" algn="l">
-              <a:spcBef>
-                <a:spcPts val="0"/>
-              </a:spcBef>
-              <a:spcAft>
-                <a:spcPts val="0"/>
-              </a:spcAft>
-              <a:buSzPts val="1400"/>
-              <a:buChar char="-"/>
-            </a:pPr>
-            <a:r>
-              <a:rPr lang="en"/>
-              <a:t>Unchangeable</a:t>
-            </a:r>
-            <a:endParaRPr/>
-          </a:p>
-          <a:p>
-            <a:pPr indent="-317500" lvl="1" marL="914400" rtl="0" algn="l">
-              <a:spcBef>
-                <a:spcPts val="0"/>
-              </a:spcBef>
-              <a:spcAft>
-                <a:spcPts val="0"/>
-              </a:spcAft>
-              <a:buSzPts val="1400"/>
-              <a:buChar char="-"/>
-            </a:pPr>
-            <a:r>
-              <a:rPr lang="en"/>
-              <a:t>Allows duplicates</a:t>
-            </a:r>
-            <a:endParaRPr/>
-          </a:p>
         </p:txBody>
       </p:sp>
-      <p:sp>
-        <p:nvSpPr>
+      <p:pic>
+        <p:nvPicPr>
           <p:cNvPr id="434" name="Google Shape;434;p59"/>
-          <p:cNvSpPr txBox="1"/>
+          <p:cNvPicPr preferRelativeResize="0"/>
           <p:nvPr/>
-        </p:nvSpPr>
-        <p:spPr>
-          <a:xfrm>
-            <a:off x="4457675" y="1981575"/>
-            <a:ext cx="3300000" cy="2692200"/>
+        </p:nvPicPr>
+        <p:blipFill>
+          <a:blip r:embed="rId3">
+            <a:alphaModFix/>
+          </a:blip>
+          <a:stretch>
+            <a:fillRect/>
+          </a:stretch>
+        </p:blipFill>
+        <p:spPr>
+          <a:xfrm>
+            <a:off x="4191750" y="2604675"/>
+            <a:ext cx="4695675" cy="1339000"/>
           </a:xfrm>
           <a:prstGeom prst="rect">
             <a:avLst/>
@@ -23018,333 +23323,7 @@
             <a:noFill/>
           </a:ln>
         </p:spPr>
-        <p:txBody>
-          <a:bodyPr anchorCtr="0" anchor="t" bIns="91425" lIns="91425" spcFirstLastPara="1" rIns="91425" wrap="square" tIns="91425">
-            <a:spAutoFit/>
-          </a:bodyPr>
-          <a:lstStyle/>
-          <a:p>
-            <a:pPr indent="-342900" lvl="0" marL="457200" rtl="0" algn="l">
-              <a:lnSpc>
-                <a:spcPct val="115000"/>
-              </a:lnSpc>
-              <a:spcBef>
-                <a:spcPts val="0"/>
-              </a:spcBef>
-              <a:spcAft>
-                <a:spcPts val="0"/>
-              </a:spcAft>
-              <a:buClr>
-                <a:schemeClr val="lt2"/>
-              </a:buClr>
-              <a:buSzPts val="1800"/>
-              <a:buFont typeface="Roboto"/>
-              <a:buChar char="-"/>
-            </a:pPr>
-            <a:r>
-              <a:rPr lang="en" sz="1800">
-                <a:solidFill>
-                  <a:schemeClr val="lt2"/>
-                </a:solidFill>
-                <a:latin typeface="Roboto"/>
-                <a:ea typeface="Roboto"/>
-                <a:cs typeface="Roboto"/>
-                <a:sym typeface="Roboto"/>
-              </a:rPr>
-              <a:t>Sets</a:t>
-            </a:r>
-            <a:endParaRPr sz="1800">
-              <a:solidFill>
-                <a:schemeClr val="lt2"/>
-              </a:solidFill>
-              <a:latin typeface="Roboto"/>
-              <a:ea typeface="Roboto"/>
-              <a:cs typeface="Roboto"/>
-              <a:sym typeface="Roboto"/>
-            </a:endParaRPr>
-          </a:p>
-          <a:p>
-            <a:pPr indent="-342900" lvl="1" marL="914400" rtl="0" algn="l">
-              <a:lnSpc>
-                <a:spcPct val="115000"/>
-              </a:lnSpc>
-              <a:spcBef>
-                <a:spcPts val="0"/>
-              </a:spcBef>
-              <a:spcAft>
-                <a:spcPts val="0"/>
-              </a:spcAft>
-              <a:buClr>
-                <a:schemeClr val="lt2"/>
-              </a:buClr>
-              <a:buSzPts val="1800"/>
-              <a:buFont typeface="Roboto"/>
-              <a:buChar char="-"/>
-            </a:pPr>
-            <a:r>
-              <a:rPr lang="en" sz="1800">
-                <a:solidFill>
-                  <a:schemeClr val="lt2"/>
-                </a:solidFill>
-                <a:latin typeface="Roboto"/>
-                <a:ea typeface="Roboto"/>
-                <a:cs typeface="Roboto"/>
-                <a:sym typeface="Roboto"/>
-              </a:rPr>
-              <a:t>Unordered</a:t>
-            </a:r>
-            <a:endParaRPr sz="1800">
-              <a:solidFill>
-                <a:schemeClr val="lt2"/>
-              </a:solidFill>
-              <a:latin typeface="Roboto"/>
-              <a:ea typeface="Roboto"/>
-              <a:cs typeface="Roboto"/>
-              <a:sym typeface="Roboto"/>
-            </a:endParaRPr>
-          </a:p>
-          <a:p>
-            <a:pPr indent="-342900" lvl="1" marL="914400" rtl="0" algn="l">
-              <a:lnSpc>
-                <a:spcPct val="115000"/>
-              </a:lnSpc>
-              <a:spcBef>
-                <a:spcPts val="0"/>
-              </a:spcBef>
-              <a:spcAft>
-                <a:spcPts val="0"/>
-              </a:spcAft>
-              <a:buClr>
-                <a:schemeClr val="lt2"/>
-              </a:buClr>
-              <a:buSzPts val="1800"/>
-              <a:buFont typeface="Roboto"/>
-              <a:buChar char="-"/>
-            </a:pPr>
-            <a:r>
-              <a:rPr lang="en" sz="1800">
-                <a:solidFill>
-                  <a:schemeClr val="lt2"/>
-                </a:solidFill>
-                <a:latin typeface="Roboto"/>
-                <a:ea typeface="Roboto"/>
-                <a:cs typeface="Roboto"/>
-                <a:sym typeface="Roboto"/>
-              </a:rPr>
-              <a:t>Unchangeable</a:t>
-            </a:r>
-            <a:endParaRPr sz="1800">
-              <a:solidFill>
-                <a:schemeClr val="lt2"/>
-              </a:solidFill>
-              <a:latin typeface="Roboto"/>
-              <a:ea typeface="Roboto"/>
-              <a:cs typeface="Roboto"/>
-              <a:sym typeface="Roboto"/>
-            </a:endParaRPr>
-          </a:p>
-          <a:p>
-            <a:pPr indent="-342900" lvl="1" marL="914400" rtl="0" algn="l">
-              <a:lnSpc>
-                <a:spcPct val="115000"/>
-              </a:lnSpc>
-              <a:spcBef>
-                <a:spcPts val="0"/>
-              </a:spcBef>
-              <a:spcAft>
-                <a:spcPts val="0"/>
-              </a:spcAft>
-              <a:buClr>
-                <a:schemeClr val="lt2"/>
-              </a:buClr>
-              <a:buSzPts val="1800"/>
-              <a:buFont typeface="Roboto"/>
-              <a:buChar char="-"/>
-            </a:pPr>
-            <a:r>
-              <a:rPr lang="en" sz="1800">
-                <a:solidFill>
-                  <a:schemeClr val="lt2"/>
-                </a:solidFill>
-                <a:latin typeface="Roboto"/>
-                <a:ea typeface="Roboto"/>
-                <a:cs typeface="Roboto"/>
-                <a:sym typeface="Roboto"/>
-              </a:rPr>
-              <a:t>Unindexed</a:t>
-            </a:r>
-            <a:endParaRPr sz="1800">
-              <a:solidFill>
-                <a:schemeClr val="lt2"/>
-              </a:solidFill>
-              <a:latin typeface="Roboto"/>
-              <a:ea typeface="Roboto"/>
-              <a:cs typeface="Roboto"/>
-              <a:sym typeface="Roboto"/>
-            </a:endParaRPr>
-          </a:p>
-          <a:p>
-            <a:pPr indent="-342900" lvl="0" marL="457200" rtl="0" algn="l">
-              <a:lnSpc>
-                <a:spcPct val="115000"/>
-              </a:lnSpc>
-              <a:spcBef>
-                <a:spcPts val="0"/>
-              </a:spcBef>
-              <a:spcAft>
-                <a:spcPts val="0"/>
-              </a:spcAft>
-              <a:buClr>
-                <a:schemeClr val="lt2"/>
-              </a:buClr>
-              <a:buSzPts val="1800"/>
-              <a:buFont typeface="Roboto"/>
-              <a:buChar char="-"/>
-            </a:pPr>
-            <a:r>
-              <a:rPr lang="en" sz="1800">
-                <a:solidFill>
-                  <a:schemeClr val="lt2"/>
-                </a:solidFill>
-                <a:latin typeface="Roboto"/>
-                <a:ea typeface="Roboto"/>
-                <a:cs typeface="Roboto"/>
-                <a:sym typeface="Roboto"/>
-              </a:rPr>
-              <a:t>Dictionaries</a:t>
-            </a:r>
-            <a:endParaRPr sz="1800">
-              <a:solidFill>
-                <a:schemeClr val="lt2"/>
-              </a:solidFill>
-              <a:latin typeface="Roboto"/>
-              <a:ea typeface="Roboto"/>
-              <a:cs typeface="Roboto"/>
-              <a:sym typeface="Roboto"/>
-            </a:endParaRPr>
-          </a:p>
-          <a:p>
-            <a:pPr indent="-342900" lvl="1" marL="914400" rtl="0" algn="l">
-              <a:lnSpc>
-                <a:spcPct val="115000"/>
-              </a:lnSpc>
-              <a:spcBef>
-                <a:spcPts val="0"/>
-              </a:spcBef>
-              <a:spcAft>
-                <a:spcPts val="0"/>
-              </a:spcAft>
-              <a:buClr>
-                <a:schemeClr val="lt2"/>
-              </a:buClr>
-              <a:buSzPts val="1800"/>
-              <a:buFont typeface="Roboto"/>
-              <a:buChar char="-"/>
-            </a:pPr>
-            <a:r>
-              <a:rPr lang="en" sz="1800">
-                <a:solidFill>
-                  <a:schemeClr val="lt2"/>
-                </a:solidFill>
-                <a:latin typeface="Roboto"/>
-                <a:ea typeface="Roboto"/>
-                <a:cs typeface="Roboto"/>
-                <a:sym typeface="Roboto"/>
-              </a:rPr>
-              <a:t>Ordered</a:t>
-            </a:r>
-            <a:endParaRPr sz="1800">
-              <a:solidFill>
-                <a:schemeClr val="lt2"/>
-              </a:solidFill>
-              <a:latin typeface="Roboto"/>
-              <a:ea typeface="Roboto"/>
-              <a:cs typeface="Roboto"/>
-              <a:sym typeface="Roboto"/>
-            </a:endParaRPr>
-          </a:p>
-          <a:p>
-            <a:pPr indent="-342900" lvl="1" marL="914400" rtl="0" algn="l">
-              <a:lnSpc>
-                <a:spcPct val="115000"/>
-              </a:lnSpc>
-              <a:spcBef>
-                <a:spcPts val="0"/>
-              </a:spcBef>
-              <a:spcAft>
-                <a:spcPts val="0"/>
-              </a:spcAft>
-              <a:buClr>
-                <a:schemeClr val="lt2"/>
-              </a:buClr>
-              <a:buSzPts val="1800"/>
-              <a:buFont typeface="Roboto"/>
-              <a:buChar char="-"/>
-            </a:pPr>
-            <a:r>
-              <a:rPr lang="en" sz="1800">
-                <a:solidFill>
-                  <a:schemeClr val="lt2"/>
-                </a:solidFill>
-                <a:latin typeface="Roboto"/>
-                <a:ea typeface="Roboto"/>
-                <a:cs typeface="Roboto"/>
-                <a:sym typeface="Roboto"/>
-              </a:rPr>
-              <a:t>Changeable</a:t>
-            </a:r>
-            <a:endParaRPr sz="1800">
-              <a:solidFill>
-                <a:schemeClr val="lt2"/>
-              </a:solidFill>
-              <a:latin typeface="Roboto"/>
-              <a:ea typeface="Roboto"/>
-              <a:cs typeface="Roboto"/>
-              <a:sym typeface="Roboto"/>
-            </a:endParaRPr>
-          </a:p>
-          <a:p>
-            <a:pPr indent="-342900" lvl="1" marL="914400" rtl="0" algn="l">
-              <a:lnSpc>
-                <a:spcPct val="115000"/>
-              </a:lnSpc>
-              <a:spcBef>
-                <a:spcPts val="0"/>
-              </a:spcBef>
-              <a:spcAft>
-                <a:spcPts val="0"/>
-              </a:spcAft>
-              <a:buClr>
-                <a:schemeClr val="lt2"/>
-              </a:buClr>
-              <a:buSzPts val="1800"/>
-              <a:buFont typeface="Roboto"/>
-              <a:buChar char="-"/>
-            </a:pPr>
-            <a:r>
-              <a:rPr lang="en" sz="1800">
-                <a:solidFill>
-                  <a:schemeClr val="lt2"/>
-                </a:solidFill>
-                <a:latin typeface="Roboto"/>
-                <a:ea typeface="Roboto"/>
-                <a:cs typeface="Roboto"/>
-                <a:sym typeface="Roboto"/>
-              </a:rPr>
-              <a:t>No duplicates</a:t>
-            </a:r>
-            <a:endParaRPr sz="1800">
-              <a:solidFill>
-                <a:schemeClr val="lt2"/>
-              </a:solidFill>
-              <a:latin typeface="Roboto"/>
-              <a:ea typeface="Roboto"/>
-              <a:cs typeface="Roboto"/>
-              <a:sym typeface="Roboto"/>
-            </a:endParaRPr>
-          </a:p>
-        </p:txBody>
-      </p:sp>
+      </p:pic>
     </p:spTree>
   </p:cSld>
   <p:clrMapOvr>
@@ -23404,7 +23383,7 @@
             </a:pPr>
             <a:r>
               <a:rPr lang="en"/>
-              <a:t>Immutable vs Mutable Types</a:t>
+              <a:t>Collections</a:t>
             </a:r>
             <a:endParaRPr/>
           </a:p>
@@ -23420,8 +23399,8 @@
         </p:nvSpPr>
         <p:spPr>
           <a:xfrm>
-            <a:off x="471900" y="1919075"/>
-            <a:ext cx="4314300" cy="2710200"/>
+            <a:off x="671925" y="1981575"/>
+            <a:ext cx="3300000" cy="2310000"/>
           </a:xfrm>
           <a:prstGeom prst="rect">
             <a:avLst/>
@@ -23433,73 +23412,153 @@
           </a:bodyPr>
           <a:lstStyle/>
           <a:p>
-            <a:pPr indent="0" lvl="0" marL="0" rtl="0" algn="l">
-              <a:spcBef>
-                <a:spcPts val="0"/>
-              </a:spcBef>
-              <a:spcAft>
-                <a:spcPts val="0"/>
-              </a:spcAft>
-              <a:buNone/>
+            <a:pPr indent="-342900" lvl="0" marL="457200" rtl="0" algn="l">
+              <a:spcBef>
+                <a:spcPts val="0"/>
+              </a:spcBef>
+              <a:spcAft>
+                <a:spcPts val="0"/>
+              </a:spcAft>
+              <a:buSzPts val="1800"/>
+              <a:buChar char="-"/>
             </a:pPr>
             <a:r>
               <a:rPr lang="en"/>
-              <a:t>Non-collection </a:t>
-            </a:r>
+              <a:t>Lists</a:t>
+            </a:r>
+            <a:endParaRPr/>
+          </a:p>
+          <a:p>
+            <a:pPr indent="-317500" lvl="1" marL="914400" rtl="0" algn="l">
+              <a:spcBef>
+                <a:spcPts val="0"/>
+              </a:spcBef>
+              <a:spcAft>
+                <a:spcPts val="0"/>
+              </a:spcAft>
+              <a:buSzPts val="1400"/>
+              <a:buChar char="-"/>
+            </a:pPr>
             <a:r>
               <a:rPr lang="en"/>
-              <a:t>types</a:t>
-            </a:r>
+              <a:t>Ordered/indexed</a:t>
+            </a:r>
+            <a:endParaRPr/>
+          </a:p>
+          <a:p>
+            <a:pPr indent="-317500" lvl="1" marL="914400" rtl="0" algn="l">
+              <a:spcBef>
+                <a:spcPts val="0"/>
+              </a:spcBef>
+              <a:spcAft>
+                <a:spcPts val="0"/>
+              </a:spcAft>
+              <a:buSzPts val="1400"/>
+              <a:buChar char="-"/>
+            </a:pPr>
             <a:r>
               <a:rPr lang="en"/>
-              <a:t> are also called immutable, </a:t>
-            </a:r>
+              <a:t>Changeable </a:t>
+            </a:r>
+            <a:endParaRPr/>
+          </a:p>
+          <a:p>
+            <a:pPr indent="-317500" lvl="1" marL="914400" rtl="0" algn="l">
+              <a:spcBef>
+                <a:spcPts val="0"/>
+              </a:spcBef>
+              <a:spcAft>
+                <a:spcPts val="0"/>
+              </a:spcAft>
+              <a:buSzPts val="1400"/>
+              <a:buChar char="-"/>
+            </a:pPr>
             <a:r>
               <a:rPr lang="en"/>
-              <a:t>because</a:t>
-            </a:r>
+              <a:t>Allows duplicates</a:t>
+            </a:r>
+            <a:endParaRPr/>
+          </a:p>
+          <a:p>
+            <a:pPr indent="-342900" lvl="0" marL="457200" rtl="0" algn="l">
+              <a:spcBef>
+                <a:spcPts val="0"/>
+              </a:spcBef>
+              <a:spcAft>
+                <a:spcPts val="0"/>
+              </a:spcAft>
+              <a:buSzPts val="1800"/>
+              <a:buChar char="-"/>
+            </a:pPr>
             <a:r>
               <a:rPr lang="en"/>
-              <a:t> a new space is reserved in memory for each new declaration.</a:t>
+              <a:t>Tuples</a:t>
             </a:r>
             <a:endParaRPr/>
           </a:p>
           <a:p>
-            <a:pPr indent="0" lvl="0" marL="0" rtl="0" algn="l">
-              <a:spcBef>
-                <a:spcPts val="1600"/>
-              </a:spcBef>
-              <a:spcAft>
-                <a:spcPts val="1600"/>
-              </a:spcAft>
-              <a:buNone/>
+            <a:pPr indent="-317500" lvl="1" marL="914400" rtl="0" algn="l">
+              <a:spcBef>
+                <a:spcPts val="0"/>
+              </a:spcBef>
+              <a:spcAft>
+                <a:spcPts val="0"/>
+              </a:spcAft>
+              <a:buSzPts val="1400"/>
+              <a:buChar char="-"/>
             </a:pPr>
             <a:r>
               <a:rPr lang="en"/>
-              <a:t>Collections are mutable because we may add and remove to the existing object in memory.</a:t>
+              <a:t>Ordered</a:t>
             </a:r>
             <a:endParaRPr/>
           </a:p>
+          <a:p>
+            <a:pPr indent="-317500" lvl="1" marL="914400" rtl="0" algn="l">
+              <a:spcBef>
+                <a:spcPts val="0"/>
+              </a:spcBef>
+              <a:spcAft>
+                <a:spcPts val="0"/>
+              </a:spcAft>
+              <a:buSzPts val="1400"/>
+              <a:buChar char="-"/>
+            </a:pPr>
+            <a:r>
+              <a:rPr lang="en"/>
+              <a:t>Unchangeable</a:t>
+            </a:r>
+            <a:endParaRPr/>
+          </a:p>
+          <a:p>
+            <a:pPr indent="-317500" lvl="1" marL="914400" rtl="0" algn="l">
+              <a:spcBef>
+                <a:spcPts val="0"/>
+              </a:spcBef>
+              <a:spcAft>
+                <a:spcPts val="0"/>
+              </a:spcAft>
+              <a:buSzPts val="1400"/>
+              <a:buChar char="-"/>
+            </a:pPr>
+            <a:r>
+              <a:rPr lang="en"/>
+              <a:t>Allows duplicates</a:t>
+            </a:r>
+            <a:endParaRPr/>
+          </a:p>
         </p:txBody>
       </p:sp>
-      <p:pic>
-        <p:nvPicPr>
+      <p:sp>
+        <p:nvSpPr>
           <p:cNvPr id="441" name="Google Shape;441;p60"/>
-          <p:cNvPicPr preferRelativeResize="0"/>
+          <p:cNvSpPr txBox="1"/>
           <p:nvPr/>
-        </p:nvPicPr>
-        <p:blipFill>
-          <a:blip r:embed="rId3">
-            <a:alphaModFix/>
-          </a:blip>
-          <a:stretch>
-            <a:fillRect/>
-          </a:stretch>
-        </p:blipFill>
-        <p:spPr>
-          <a:xfrm>
-            <a:off x="5124625" y="1919075"/>
-            <a:ext cx="3238500" cy="1200150"/>
+        </p:nvSpPr>
+        <p:spPr>
+          <a:xfrm>
+            <a:off x="4457675" y="1981575"/>
+            <a:ext cx="3300000" cy="2692200"/>
           </a:xfrm>
           <a:prstGeom prst="rect">
             <a:avLst/>
@@ -23509,35 +23568,333 @@
             <a:noFill/>
           </a:ln>
         </p:spPr>
-      </p:pic>
-      <p:pic>
-        <p:nvPicPr>
-          <p:cNvPr id="442" name="Google Shape;442;p60"/>
-          <p:cNvPicPr preferRelativeResize="0"/>
-          <p:nvPr/>
-        </p:nvPicPr>
-        <p:blipFill>
-          <a:blip r:embed="rId4">
-            <a:alphaModFix/>
-          </a:blip>
-          <a:stretch>
-            <a:fillRect/>
-          </a:stretch>
-        </p:blipFill>
-        <p:spPr>
-          <a:xfrm>
-            <a:off x="5241950" y="3314650"/>
-            <a:ext cx="3003847" cy="1666875"/>
-          </a:xfrm>
-          <a:prstGeom prst="rect">
-            <a:avLst/>
-          </a:prstGeom>
-          <a:noFill/>
-          <a:ln>
-            <a:noFill/>
-          </a:ln>
-        </p:spPr>
-      </p:pic>
+        <p:txBody>
+          <a:bodyPr anchorCtr="0" anchor="t" bIns="91425" lIns="91425" spcFirstLastPara="1" rIns="91425" wrap="square" tIns="91425">
+            <a:spAutoFit/>
+          </a:bodyPr>
+          <a:lstStyle/>
+          <a:p>
+            <a:pPr indent="-342900" lvl="0" marL="457200" rtl="0" algn="l">
+              <a:lnSpc>
+                <a:spcPct val="115000"/>
+              </a:lnSpc>
+              <a:spcBef>
+                <a:spcPts val="0"/>
+              </a:spcBef>
+              <a:spcAft>
+                <a:spcPts val="0"/>
+              </a:spcAft>
+              <a:buClr>
+                <a:schemeClr val="lt2"/>
+              </a:buClr>
+              <a:buSzPts val="1800"/>
+              <a:buFont typeface="Roboto"/>
+              <a:buChar char="-"/>
+            </a:pPr>
+            <a:r>
+              <a:rPr lang="en" sz="1800">
+                <a:solidFill>
+                  <a:schemeClr val="lt2"/>
+                </a:solidFill>
+                <a:latin typeface="Roboto"/>
+                <a:ea typeface="Roboto"/>
+                <a:cs typeface="Roboto"/>
+                <a:sym typeface="Roboto"/>
+              </a:rPr>
+              <a:t>Sets</a:t>
+            </a:r>
+            <a:endParaRPr sz="1800">
+              <a:solidFill>
+                <a:schemeClr val="lt2"/>
+              </a:solidFill>
+              <a:latin typeface="Roboto"/>
+              <a:ea typeface="Roboto"/>
+              <a:cs typeface="Roboto"/>
+              <a:sym typeface="Roboto"/>
+            </a:endParaRPr>
+          </a:p>
+          <a:p>
+            <a:pPr indent="-342900" lvl="1" marL="914400" rtl="0" algn="l">
+              <a:lnSpc>
+                <a:spcPct val="115000"/>
+              </a:lnSpc>
+              <a:spcBef>
+                <a:spcPts val="0"/>
+              </a:spcBef>
+              <a:spcAft>
+                <a:spcPts val="0"/>
+              </a:spcAft>
+              <a:buClr>
+                <a:schemeClr val="lt2"/>
+              </a:buClr>
+              <a:buSzPts val="1800"/>
+              <a:buFont typeface="Roboto"/>
+              <a:buChar char="-"/>
+            </a:pPr>
+            <a:r>
+              <a:rPr lang="en" sz="1800">
+                <a:solidFill>
+                  <a:schemeClr val="lt2"/>
+                </a:solidFill>
+                <a:latin typeface="Roboto"/>
+                <a:ea typeface="Roboto"/>
+                <a:cs typeface="Roboto"/>
+                <a:sym typeface="Roboto"/>
+              </a:rPr>
+              <a:t>Unordered</a:t>
+            </a:r>
+            <a:endParaRPr sz="1800">
+              <a:solidFill>
+                <a:schemeClr val="lt2"/>
+              </a:solidFill>
+              <a:latin typeface="Roboto"/>
+              <a:ea typeface="Roboto"/>
+              <a:cs typeface="Roboto"/>
+              <a:sym typeface="Roboto"/>
+            </a:endParaRPr>
+          </a:p>
+          <a:p>
+            <a:pPr indent="-342900" lvl="1" marL="914400" rtl="0" algn="l">
+              <a:lnSpc>
+                <a:spcPct val="115000"/>
+              </a:lnSpc>
+              <a:spcBef>
+                <a:spcPts val="0"/>
+              </a:spcBef>
+              <a:spcAft>
+                <a:spcPts val="0"/>
+              </a:spcAft>
+              <a:buClr>
+                <a:schemeClr val="lt2"/>
+              </a:buClr>
+              <a:buSzPts val="1800"/>
+              <a:buFont typeface="Roboto"/>
+              <a:buChar char="-"/>
+            </a:pPr>
+            <a:r>
+              <a:rPr lang="en" sz="1800">
+                <a:solidFill>
+                  <a:schemeClr val="lt2"/>
+                </a:solidFill>
+                <a:latin typeface="Roboto"/>
+                <a:ea typeface="Roboto"/>
+                <a:cs typeface="Roboto"/>
+                <a:sym typeface="Roboto"/>
+              </a:rPr>
+              <a:t>Unchangeable</a:t>
+            </a:r>
+            <a:endParaRPr sz="1800">
+              <a:solidFill>
+                <a:schemeClr val="lt2"/>
+              </a:solidFill>
+              <a:latin typeface="Roboto"/>
+              <a:ea typeface="Roboto"/>
+              <a:cs typeface="Roboto"/>
+              <a:sym typeface="Roboto"/>
+            </a:endParaRPr>
+          </a:p>
+          <a:p>
+            <a:pPr indent="-342900" lvl="1" marL="914400" rtl="0" algn="l">
+              <a:lnSpc>
+                <a:spcPct val="115000"/>
+              </a:lnSpc>
+              <a:spcBef>
+                <a:spcPts val="0"/>
+              </a:spcBef>
+              <a:spcAft>
+                <a:spcPts val="0"/>
+              </a:spcAft>
+              <a:buClr>
+                <a:schemeClr val="lt2"/>
+              </a:buClr>
+              <a:buSzPts val="1800"/>
+              <a:buFont typeface="Roboto"/>
+              <a:buChar char="-"/>
+            </a:pPr>
+            <a:r>
+              <a:rPr lang="en" sz="1800">
+                <a:solidFill>
+                  <a:schemeClr val="lt2"/>
+                </a:solidFill>
+                <a:latin typeface="Roboto"/>
+                <a:ea typeface="Roboto"/>
+                <a:cs typeface="Roboto"/>
+                <a:sym typeface="Roboto"/>
+              </a:rPr>
+              <a:t>Unindexed</a:t>
+            </a:r>
+            <a:endParaRPr sz="1800">
+              <a:solidFill>
+                <a:schemeClr val="lt2"/>
+              </a:solidFill>
+              <a:latin typeface="Roboto"/>
+              <a:ea typeface="Roboto"/>
+              <a:cs typeface="Roboto"/>
+              <a:sym typeface="Roboto"/>
+            </a:endParaRPr>
+          </a:p>
+          <a:p>
+            <a:pPr indent="-342900" lvl="0" marL="457200" rtl="0" algn="l">
+              <a:lnSpc>
+                <a:spcPct val="115000"/>
+              </a:lnSpc>
+              <a:spcBef>
+                <a:spcPts val="0"/>
+              </a:spcBef>
+              <a:spcAft>
+                <a:spcPts val="0"/>
+              </a:spcAft>
+              <a:buClr>
+                <a:schemeClr val="lt2"/>
+              </a:buClr>
+              <a:buSzPts val="1800"/>
+              <a:buFont typeface="Roboto"/>
+              <a:buChar char="-"/>
+            </a:pPr>
+            <a:r>
+              <a:rPr lang="en" sz="1800">
+                <a:solidFill>
+                  <a:schemeClr val="lt2"/>
+                </a:solidFill>
+                <a:latin typeface="Roboto"/>
+                <a:ea typeface="Roboto"/>
+                <a:cs typeface="Roboto"/>
+                <a:sym typeface="Roboto"/>
+              </a:rPr>
+              <a:t>Dictionaries</a:t>
+            </a:r>
+            <a:endParaRPr sz="1800">
+              <a:solidFill>
+                <a:schemeClr val="lt2"/>
+              </a:solidFill>
+              <a:latin typeface="Roboto"/>
+              <a:ea typeface="Roboto"/>
+              <a:cs typeface="Roboto"/>
+              <a:sym typeface="Roboto"/>
+            </a:endParaRPr>
+          </a:p>
+          <a:p>
+            <a:pPr indent="-342900" lvl="1" marL="914400" rtl="0" algn="l">
+              <a:lnSpc>
+                <a:spcPct val="115000"/>
+              </a:lnSpc>
+              <a:spcBef>
+                <a:spcPts val="0"/>
+              </a:spcBef>
+              <a:spcAft>
+                <a:spcPts val="0"/>
+              </a:spcAft>
+              <a:buClr>
+                <a:schemeClr val="lt2"/>
+              </a:buClr>
+              <a:buSzPts val="1800"/>
+              <a:buFont typeface="Roboto"/>
+              <a:buChar char="-"/>
+            </a:pPr>
+            <a:r>
+              <a:rPr lang="en" sz="1800">
+                <a:solidFill>
+                  <a:schemeClr val="lt2"/>
+                </a:solidFill>
+                <a:latin typeface="Roboto"/>
+                <a:ea typeface="Roboto"/>
+                <a:cs typeface="Roboto"/>
+                <a:sym typeface="Roboto"/>
+              </a:rPr>
+              <a:t>Ordered</a:t>
+            </a:r>
+            <a:endParaRPr sz="1800">
+              <a:solidFill>
+                <a:schemeClr val="lt2"/>
+              </a:solidFill>
+              <a:latin typeface="Roboto"/>
+              <a:ea typeface="Roboto"/>
+              <a:cs typeface="Roboto"/>
+              <a:sym typeface="Roboto"/>
+            </a:endParaRPr>
+          </a:p>
+          <a:p>
+            <a:pPr indent="-342900" lvl="1" marL="914400" rtl="0" algn="l">
+              <a:lnSpc>
+                <a:spcPct val="115000"/>
+              </a:lnSpc>
+              <a:spcBef>
+                <a:spcPts val="0"/>
+              </a:spcBef>
+              <a:spcAft>
+                <a:spcPts val="0"/>
+              </a:spcAft>
+              <a:buClr>
+                <a:schemeClr val="lt2"/>
+              </a:buClr>
+              <a:buSzPts val="1800"/>
+              <a:buFont typeface="Roboto"/>
+              <a:buChar char="-"/>
+            </a:pPr>
+            <a:r>
+              <a:rPr lang="en" sz="1800">
+                <a:solidFill>
+                  <a:schemeClr val="lt2"/>
+                </a:solidFill>
+                <a:latin typeface="Roboto"/>
+                <a:ea typeface="Roboto"/>
+                <a:cs typeface="Roboto"/>
+                <a:sym typeface="Roboto"/>
+              </a:rPr>
+              <a:t>Changeable</a:t>
+            </a:r>
+            <a:endParaRPr sz="1800">
+              <a:solidFill>
+                <a:schemeClr val="lt2"/>
+              </a:solidFill>
+              <a:latin typeface="Roboto"/>
+              <a:ea typeface="Roboto"/>
+              <a:cs typeface="Roboto"/>
+              <a:sym typeface="Roboto"/>
+            </a:endParaRPr>
+          </a:p>
+          <a:p>
+            <a:pPr indent="-342900" lvl="1" marL="914400" rtl="0" algn="l">
+              <a:lnSpc>
+                <a:spcPct val="115000"/>
+              </a:lnSpc>
+              <a:spcBef>
+                <a:spcPts val="0"/>
+              </a:spcBef>
+              <a:spcAft>
+                <a:spcPts val="0"/>
+              </a:spcAft>
+              <a:buClr>
+                <a:schemeClr val="lt2"/>
+              </a:buClr>
+              <a:buSzPts val="1800"/>
+              <a:buFont typeface="Roboto"/>
+              <a:buChar char="-"/>
+            </a:pPr>
+            <a:r>
+              <a:rPr lang="en" sz="1800">
+                <a:solidFill>
+                  <a:schemeClr val="lt2"/>
+                </a:solidFill>
+                <a:latin typeface="Roboto"/>
+                <a:ea typeface="Roboto"/>
+                <a:cs typeface="Roboto"/>
+                <a:sym typeface="Roboto"/>
+              </a:rPr>
+              <a:t>No duplicates</a:t>
+            </a:r>
+            <a:endParaRPr sz="1800">
+              <a:solidFill>
+                <a:schemeClr val="lt2"/>
+              </a:solidFill>
+              <a:latin typeface="Roboto"/>
+              <a:ea typeface="Roboto"/>
+              <a:cs typeface="Roboto"/>
+              <a:sym typeface="Roboto"/>
+            </a:endParaRPr>
+          </a:p>
+        </p:txBody>
+      </p:sp>
     </p:spTree>
   </p:cSld>
   <p:clrMapOvr>
@@ -23551,7 +23908,7 @@
   <p:cSld>
     <p:spTree>
       <p:nvGrpSpPr>
-        <p:cNvPr id="446" name="Shape 446"/>
+        <p:cNvPr id="445" name="Shape 445"/>
         <p:cNvGrpSpPr/>
         <p:nvPr/>
       </p:nvGrpSpPr>
@@ -23565,7 +23922,7 @@
       </p:grpSpPr>
       <p:sp>
         <p:nvSpPr>
-          <p:cNvPr id="447" name="Google Shape;447;p61"/>
+          <p:cNvPr id="446" name="Google Shape;446;p61"/>
           <p:cNvSpPr txBox="1"/>
           <p:nvPr>
             <p:ph type="title"/>
@@ -23597,7 +23954,79 @@
             </a:pPr>
             <a:r>
               <a:rPr lang="en"/>
-              <a:t>Lists</a:t>
+              <a:t>Immutable vs Mutable Types</a:t>
+            </a:r>
+            <a:endParaRPr/>
+          </a:p>
+        </p:txBody>
+      </p:sp>
+      <p:sp>
+        <p:nvSpPr>
+          <p:cNvPr id="447" name="Google Shape;447;p61"/>
+          <p:cNvSpPr txBox="1"/>
+          <p:nvPr>
+            <p:ph idx="1" type="body"/>
+          </p:nvPr>
+        </p:nvSpPr>
+        <p:spPr>
+          <a:xfrm>
+            <a:off x="471900" y="1919075"/>
+            <a:ext cx="4314300" cy="2710200"/>
+          </a:xfrm>
+          <a:prstGeom prst="rect">
+            <a:avLst/>
+          </a:prstGeom>
+        </p:spPr>
+        <p:txBody>
+          <a:bodyPr anchorCtr="0" anchor="t" bIns="91425" lIns="91425" spcFirstLastPara="1" rIns="91425" wrap="square" tIns="91425">
+            <a:noAutofit/>
+          </a:bodyPr>
+          <a:lstStyle/>
+          <a:p>
+            <a:pPr indent="0" lvl="0" marL="0" rtl="0" algn="l">
+              <a:spcBef>
+                <a:spcPts val="0"/>
+              </a:spcBef>
+              <a:spcAft>
+                <a:spcPts val="0"/>
+              </a:spcAft>
+              <a:buNone/>
+            </a:pPr>
+            <a:r>
+              <a:rPr lang="en"/>
+              <a:t>Non-collection </a:t>
+            </a:r>
+            <a:r>
+              <a:rPr lang="en"/>
+              <a:t>types</a:t>
+            </a:r>
+            <a:r>
+              <a:rPr lang="en"/>
+              <a:t> are also called immutable, </a:t>
+            </a:r>
+            <a:r>
+              <a:rPr lang="en"/>
+              <a:t>because</a:t>
+            </a:r>
+            <a:r>
+              <a:rPr lang="en"/>
+              <a:t> a new space is reserved in memory for each new declaration.</a:t>
+            </a:r>
+            <a:endParaRPr/>
+          </a:p>
+          <a:p>
+            <a:pPr indent="0" lvl="0" marL="0" rtl="0" algn="l">
+              <a:spcBef>
+                <a:spcPts val="1600"/>
+              </a:spcBef>
+              <a:spcAft>
+                <a:spcPts val="1600"/>
+              </a:spcAft>
+              <a:buNone/>
+            </a:pPr>
+            <a:r>
+              <a:rPr lang="en"/>
+              <a:t>Collections are mutable because we may add and remove to the existing object in memory.</a:t>
             </a:r>
             <a:endParaRPr/>
           </a:p>
@@ -23619,21 +24048,15 @@
         </p:blipFill>
         <p:spPr>
           <a:xfrm>
-            <a:off x="709625" y="2001725"/>
-            <a:ext cx="3181350" cy="447675"/>
+            <a:off x="5124625" y="1919075"/>
+            <a:ext cx="3238500" cy="1200150"/>
           </a:xfrm>
           <a:prstGeom prst="rect">
             <a:avLst/>
           </a:prstGeom>
           <a:noFill/>
-          <a:ln cap="flat" cmpd="sng" w="9525">
-            <a:solidFill>
-              <a:schemeClr val="dk2"/>
-            </a:solidFill>
-            <a:prstDash val="solid"/>
-            <a:round/>
-            <a:headEnd len="sm" w="sm" type="none"/>
-            <a:tailEnd len="sm" w="sm" type="none"/>
+          <a:ln>
+            <a:noFill/>
           </a:ln>
         </p:spPr>
       </p:pic>
@@ -23653,68 +24076,8 @@
         </p:blipFill>
         <p:spPr>
           <a:xfrm>
-            <a:off x="709638" y="2571750"/>
-            <a:ext cx="2962275" cy="657225"/>
-          </a:xfrm>
-          <a:prstGeom prst="rect">
-            <a:avLst/>
-          </a:prstGeom>
-          <a:noFill/>
-          <a:ln cap="flat" cmpd="sng" w="9525">
-            <a:solidFill>
-              <a:schemeClr val="dk2"/>
-            </a:solidFill>
-            <a:prstDash val="solid"/>
-            <a:round/>
-            <a:headEnd len="sm" w="sm" type="none"/>
-            <a:tailEnd len="sm" w="sm" type="none"/>
-          </a:ln>
-        </p:spPr>
-      </p:pic>
-      <p:pic>
-        <p:nvPicPr>
-          <p:cNvPr id="450" name="Google Shape;450;p61"/>
-          <p:cNvPicPr preferRelativeResize="0"/>
-          <p:nvPr/>
-        </p:nvPicPr>
-        <p:blipFill>
-          <a:blip r:embed="rId5">
-            <a:alphaModFix/>
-          </a:blip>
-          <a:stretch>
-            <a:fillRect/>
-          </a:stretch>
-        </p:blipFill>
-        <p:spPr>
-          <a:xfrm>
-            <a:off x="704875" y="3351325"/>
-            <a:ext cx="2971800" cy="304800"/>
-          </a:xfrm>
-          <a:prstGeom prst="rect">
-            <a:avLst/>
-          </a:prstGeom>
-          <a:noFill/>
-          <a:ln cap="flat" cmpd="sng" w="9525">
-            <a:solidFill>
-              <a:schemeClr val="dk2"/>
-            </a:solidFill>
-            <a:prstDash val="solid"/>
-            <a:round/>
-            <a:headEnd len="sm" w="sm" type="none"/>
-            <a:tailEnd len="sm" w="sm" type="none"/>
-          </a:ln>
-        </p:spPr>
-      </p:pic>
-      <p:sp>
-        <p:nvSpPr>
-          <p:cNvPr id="451" name="Google Shape;451;p61"/>
-          <p:cNvSpPr txBox="1"/>
-          <p:nvPr/>
-        </p:nvSpPr>
-        <p:spPr>
-          <a:xfrm>
-            <a:off x="4014800" y="2488375"/>
-            <a:ext cx="4471800" cy="1569900"/>
+            <a:off x="5241950" y="3314650"/>
+            <a:ext cx="3003847" cy="1666875"/>
           </a:xfrm>
           <a:prstGeom prst="rect">
             <a:avLst/>
@@ -23722,246 +24085,6 @@
           <a:noFill/>
           <a:ln>
             <a:noFill/>
-          </a:ln>
-        </p:spPr>
-        <p:txBody>
-          <a:bodyPr anchorCtr="0" anchor="t" bIns="91425" lIns="91425" spcFirstLastPara="1" rIns="91425" wrap="square" tIns="91425">
-            <a:spAutoFit/>
-          </a:bodyPr>
-          <a:lstStyle/>
-          <a:p>
-            <a:pPr indent="-342900" lvl="0" marL="457200" rtl="0" algn="l">
-              <a:spcBef>
-                <a:spcPts val="0"/>
-              </a:spcBef>
-              <a:spcAft>
-                <a:spcPts val="0"/>
-              </a:spcAft>
-              <a:buClr>
-                <a:schemeClr val="lt2"/>
-              </a:buClr>
-              <a:buSzPts val="1800"/>
-              <a:buFont typeface="Roboto"/>
-              <a:buChar char="-"/>
-            </a:pPr>
-            <a:r>
-              <a:rPr lang="en" sz="1800">
-                <a:solidFill>
-                  <a:schemeClr val="lt2"/>
-                </a:solidFill>
-                <a:latin typeface="Roboto"/>
-                <a:ea typeface="Roboto"/>
-                <a:cs typeface="Roboto"/>
-                <a:sym typeface="Roboto"/>
-              </a:rPr>
-              <a:t>We can easily get the length of a list</a:t>
-            </a:r>
-            <a:endParaRPr sz="1800">
-              <a:solidFill>
-                <a:schemeClr val="lt2"/>
-              </a:solidFill>
-              <a:latin typeface="Roboto"/>
-              <a:ea typeface="Roboto"/>
-              <a:cs typeface="Roboto"/>
-              <a:sym typeface="Roboto"/>
-            </a:endParaRPr>
-          </a:p>
-          <a:p>
-            <a:pPr indent="-342900" lvl="0" marL="457200" rtl="0" algn="l">
-              <a:spcBef>
-                <a:spcPts val="0"/>
-              </a:spcBef>
-              <a:spcAft>
-                <a:spcPts val="0"/>
-              </a:spcAft>
-              <a:buClr>
-                <a:schemeClr val="lt2"/>
-              </a:buClr>
-              <a:buSzPts val="1800"/>
-              <a:buFont typeface="Roboto"/>
-              <a:buChar char="-"/>
-            </a:pPr>
-            <a:r>
-              <a:rPr lang="en" sz="1800">
-                <a:solidFill>
-                  <a:schemeClr val="lt2"/>
-                </a:solidFill>
-                <a:latin typeface="Roboto"/>
-                <a:ea typeface="Roboto"/>
-                <a:cs typeface="Roboto"/>
-                <a:sym typeface="Roboto"/>
-              </a:rPr>
-              <a:t>Lists can be ANY datatype</a:t>
-            </a:r>
-            <a:endParaRPr sz="1800">
-              <a:solidFill>
-                <a:schemeClr val="lt2"/>
-              </a:solidFill>
-              <a:latin typeface="Roboto"/>
-              <a:ea typeface="Roboto"/>
-              <a:cs typeface="Roboto"/>
-              <a:sym typeface="Roboto"/>
-            </a:endParaRPr>
-          </a:p>
-          <a:p>
-            <a:pPr indent="-342900" lvl="0" marL="457200" rtl="0" algn="l">
-              <a:spcBef>
-                <a:spcPts val="0"/>
-              </a:spcBef>
-              <a:spcAft>
-                <a:spcPts val="0"/>
-              </a:spcAft>
-              <a:buClr>
-                <a:schemeClr val="lt2"/>
-              </a:buClr>
-              <a:buSzPts val="1800"/>
-              <a:buFont typeface="Roboto"/>
-              <a:buChar char="-"/>
-            </a:pPr>
-            <a:r>
-              <a:rPr lang="en" sz="1800">
-                <a:solidFill>
-                  <a:schemeClr val="lt2"/>
-                </a:solidFill>
-                <a:latin typeface="Roboto"/>
-                <a:ea typeface="Roboto"/>
-                <a:cs typeface="Roboto"/>
-                <a:sym typeface="Roboto"/>
-              </a:rPr>
-              <a:t>Lists can contain mixed datatypes</a:t>
-            </a:r>
-            <a:endParaRPr sz="1800">
-              <a:solidFill>
-                <a:schemeClr val="lt2"/>
-              </a:solidFill>
-              <a:latin typeface="Roboto"/>
-              <a:ea typeface="Roboto"/>
-              <a:cs typeface="Roboto"/>
-              <a:sym typeface="Roboto"/>
-            </a:endParaRPr>
-          </a:p>
-          <a:p>
-            <a:pPr indent="-342900" lvl="0" marL="457200" rtl="0" algn="l">
-              <a:spcBef>
-                <a:spcPts val="0"/>
-              </a:spcBef>
-              <a:spcAft>
-                <a:spcPts val="0"/>
-              </a:spcAft>
-              <a:buClr>
-                <a:schemeClr val="lt2"/>
-              </a:buClr>
-              <a:buSzPts val="1800"/>
-              <a:buFont typeface="Roboto"/>
-              <a:buChar char="-"/>
-            </a:pPr>
-            <a:r>
-              <a:rPr lang="en" sz="1800">
-                <a:solidFill>
-                  <a:schemeClr val="lt2"/>
-                </a:solidFill>
-                <a:latin typeface="Roboto"/>
-                <a:ea typeface="Roboto"/>
-                <a:cs typeface="Roboto"/>
-                <a:sym typeface="Roboto"/>
-              </a:rPr>
-              <a:t>Retrieve items from </a:t>
-            </a:r>
-            <a:r>
-              <a:rPr lang="en" sz="1800">
-                <a:solidFill>
-                  <a:schemeClr val="lt2"/>
-                </a:solidFill>
-                <a:latin typeface="Roboto"/>
-                <a:ea typeface="Roboto"/>
-                <a:cs typeface="Roboto"/>
-                <a:sym typeface="Roboto"/>
-              </a:rPr>
-              <a:t>positive</a:t>
-            </a:r>
-            <a:r>
-              <a:rPr lang="en" sz="1800">
-                <a:solidFill>
-                  <a:schemeClr val="lt2"/>
-                </a:solidFill>
-                <a:latin typeface="Roboto"/>
-                <a:ea typeface="Roboto"/>
-                <a:cs typeface="Roboto"/>
-                <a:sym typeface="Roboto"/>
-              </a:rPr>
-              <a:t>/negative indices</a:t>
-            </a:r>
-            <a:endParaRPr sz="1800">
-              <a:solidFill>
-                <a:schemeClr val="lt2"/>
-              </a:solidFill>
-              <a:latin typeface="Roboto"/>
-              <a:ea typeface="Roboto"/>
-              <a:cs typeface="Roboto"/>
-              <a:sym typeface="Roboto"/>
-            </a:endParaRPr>
-          </a:p>
-        </p:txBody>
-      </p:sp>
-      <p:pic>
-        <p:nvPicPr>
-          <p:cNvPr id="452" name="Google Shape;452;p61"/>
-          <p:cNvPicPr preferRelativeResize="0"/>
-          <p:nvPr/>
-        </p:nvPicPr>
-        <p:blipFill>
-          <a:blip r:embed="rId6">
-            <a:alphaModFix/>
-          </a:blip>
-          <a:stretch>
-            <a:fillRect/>
-          </a:stretch>
-        </p:blipFill>
-        <p:spPr>
-          <a:xfrm>
-            <a:off x="1390650" y="4506775"/>
-            <a:ext cx="6362700" cy="476250"/>
-          </a:xfrm>
-          <a:prstGeom prst="rect">
-            <a:avLst/>
-          </a:prstGeom>
-          <a:noFill/>
-          <a:ln>
-            <a:noFill/>
-          </a:ln>
-        </p:spPr>
-      </p:pic>
-      <p:pic>
-        <p:nvPicPr>
-          <p:cNvPr id="453" name="Google Shape;453;p61"/>
-          <p:cNvPicPr preferRelativeResize="0"/>
-          <p:nvPr/>
-        </p:nvPicPr>
-        <p:blipFill>
-          <a:blip r:embed="rId7">
-            <a:alphaModFix/>
-          </a:blip>
-          <a:stretch>
-            <a:fillRect/>
-          </a:stretch>
-        </p:blipFill>
-        <p:spPr>
-          <a:xfrm>
-            <a:off x="704875" y="3864488"/>
-            <a:ext cx="2837202" cy="433925"/>
-          </a:xfrm>
-          <a:prstGeom prst="rect">
-            <a:avLst/>
-          </a:prstGeom>
-          <a:noFill/>
-          <a:ln cap="flat" cmpd="sng" w="9525">
-            <a:solidFill>
-              <a:schemeClr val="dk2"/>
-            </a:solidFill>
-            <a:prstDash val="solid"/>
-            <a:round/>
-            <a:headEnd len="sm" w="sm" type="none"/>
-            <a:tailEnd len="sm" w="sm" type="none"/>
           </a:ln>
         </p:spPr>
       </p:pic>
@@ -24137,7 +24260,7 @@
   <p:cSld>
     <p:spTree>
       <p:nvGrpSpPr>
-        <p:cNvPr id="457" name="Shape 457"/>
+        <p:cNvPr id="453" name="Shape 453"/>
         <p:cNvGrpSpPr/>
         <p:nvPr/>
       </p:nvGrpSpPr>
@@ -24151,7 +24274,7 @@
       </p:grpSpPr>
       <p:sp>
         <p:nvSpPr>
-          <p:cNvPr id="458" name="Google Shape;458;p62"/>
+          <p:cNvPr id="454" name="Google Shape;454;p62"/>
           <p:cNvSpPr txBox="1"/>
           <p:nvPr>
             <p:ph type="title"/>
@@ -24183,107 +24306,7 @@
             </a:pPr>
             <a:r>
               <a:rPr lang="en"/>
-              <a:t>More List Syntax</a:t>
-            </a:r>
-            <a:endParaRPr/>
-          </a:p>
-        </p:txBody>
-      </p:sp>
-      <p:sp>
-        <p:nvSpPr>
-          <p:cNvPr id="459" name="Google Shape;459;p62"/>
-          <p:cNvSpPr txBox="1"/>
-          <p:nvPr>
-            <p:ph idx="1" type="body"/>
-          </p:nvPr>
-        </p:nvSpPr>
-        <p:spPr>
-          <a:xfrm>
-            <a:off x="5500700" y="1966925"/>
-            <a:ext cx="3536100" cy="2710200"/>
-          </a:xfrm>
-          <a:prstGeom prst="rect">
-            <a:avLst/>
-          </a:prstGeom>
-        </p:spPr>
-        <p:txBody>
-          <a:bodyPr anchorCtr="0" anchor="t" bIns="91425" lIns="91425" spcFirstLastPara="1" rIns="91425" wrap="square" tIns="91425">
-            <a:noAutofit/>
-          </a:bodyPr>
-          <a:lstStyle/>
-          <a:p>
-            <a:pPr indent="-342900" lvl="0" marL="457200" rtl="0" algn="l">
-              <a:spcBef>
-                <a:spcPts val="0"/>
-              </a:spcBef>
-              <a:spcAft>
-                <a:spcPts val="0"/>
-              </a:spcAft>
-              <a:buSzPts val="1800"/>
-              <a:buChar char="-"/>
-            </a:pPr>
-            <a:r>
-              <a:rPr lang="en"/>
-              <a:t>Get a range of items</a:t>
-            </a:r>
-            <a:endParaRPr/>
-          </a:p>
-          <a:p>
-            <a:pPr indent="-342900" lvl="0" marL="457200" rtl="0" algn="l">
-              <a:spcBef>
-                <a:spcPts val="0"/>
-              </a:spcBef>
-              <a:spcAft>
-                <a:spcPts val="0"/>
-              </a:spcAft>
-              <a:buSzPts val="1800"/>
-              <a:buChar char="-"/>
-            </a:pPr>
-            <a:r>
-              <a:rPr lang="en"/>
-              <a:t>Get a range of items from the </a:t>
-            </a:r>
-            <a:r>
-              <a:rPr lang="en"/>
-              <a:t>beginning</a:t>
-            </a:r>
-            <a:r>
-              <a:rPr lang="en"/>
-              <a:t> to a defined stop point</a:t>
-            </a:r>
-            <a:endParaRPr/>
-          </a:p>
-          <a:p>
-            <a:pPr indent="-342900" lvl="0" marL="457200" rtl="0" algn="l">
-              <a:spcBef>
-                <a:spcPts val="0"/>
-              </a:spcBef>
-              <a:spcAft>
-                <a:spcPts val="0"/>
-              </a:spcAft>
-              <a:buSzPts val="1800"/>
-              <a:buChar char="-"/>
-            </a:pPr>
-            <a:r>
-              <a:rPr lang="en"/>
-              <a:t>Get a range of items from a defined start point till the end</a:t>
-            </a:r>
-            <a:endParaRPr/>
-          </a:p>
-          <a:p>
-            <a:pPr indent="-342900" lvl="0" marL="457200" rtl="0" algn="l">
-              <a:spcBef>
-                <a:spcPts val="0"/>
-              </a:spcBef>
-              <a:spcAft>
-                <a:spcPts val="0"/>
-              </a:spcAft>
-              <a:buSzPts val="1800"/>
-              <a:buChar char="-"/>
-            </a:pPr>
-            <a:r>
-              <a:rPr lang="en"/>
-              <a:t>Check if items are in a list</a:t>
+              <a:t>Lists</a:t>
             </a:r>
             <a:endParaRPr/>
           </a:p>
@@ -24291,7 +24314,7 @@
       </p:sp>
       <p:pic>
         <p:nvPicPr>
-          <p:cNvPr id="460" name="Google Shape;460;p62"/>
+          <p:cNvPr id="455" name="Google Shape;455;p62"/>
           <p:cNvPicPr preferRelativeResize="0"/>
           <p:nvPr/>
         </p:nvPicPr>
@@ -24305,21 +24328,27 @@
         </p:blipFill>
         <p:spPr>
           <a:xfrm>
-            <a:off x="152400" y="2052650"/>
-            <a:ext cx="5110672" cy="433925"/>
+            <a:off x="709625" y="2001725"/>
+            <a:ext cx="3181350" cy="447675"/>
           </a:xfrm>
           <a:prstGeom prst="rect">
             <a:avLst/>
           </a:prstGeom>
           <a:noFill/>
-          <a:ln>
-            <a:noFill/>
+          <a:ln cap="flat" cmpd="sng" w="9525">
+            <a:solidFill>
+              <a:schemeClr val="dk2"/>
+            </a:solidFill>
+            <a:prstDash val="solid"/>
+            <a:round/>
+            <a:headEnd len="sm" w="sm" type="none"/>
+            <a:tailEnd len="sm" w="sm" type="none"/>
           </a:ln>
         </p:spPr>
       </p:pic>
       <p:pic>
         <p:nvPicPr>
-          <p:cNvPr id="461" name="Google Shape;461;p62"/>
+          <p:cNvPr id="456" name="Google Shape;456;p62"/>
           <p:cNvPicPr preferRelativeResize="0"/>
           <p:nvPr/>
         </p:nvPicPr>
@@ -24333,21 +24362,27 @@
         </p:blipFill>
         <p:spPr>
           <a:xfrm>
-            <a:off x="152400" y="2920884"/>
-            <a:ext cx="5110675" cy="394366"/>
+            <a:off x="709638" y="2571750"/>
+            <a:ext cx="2962275" cy="657225"/>
           </a:xfrm>
           <a:prstGeom prst="rect">
             <a:avLst/>
           </a:prstGeom>
           <a:noFill/>
-          <a:ln>
-            <a:noFill/>
+          <a:ln cap="flat" cmpd="sng" w="9525">
+            <a:solidFill>
+              <a:schemeClr val="dk2"/>
+            </a:solidFill>
+            <a:prstDash val="solid"/>
+            <a:round/>
+            <a:headEnd len="sm" w="sm" type="none"/>
+            <a:tailEnd len="sm" w="sm" type="none"/>
           </a:ln>
         </p:spPr>
       </p:pic>
       <p:pic>
         <p:nvPicPr>
-          <p:cNvPr id="462" name="Google Shape;462;p62"/>
+          <p:cNvPr id="457" name="Google Shape;457;p62"/>
           <p:cNvPicPr preferRelativeResize="0"/>
           <p:nvPr/>
         </p:nvPicPr>
@@ -24361,8 +24396,34 @@
         </p:blipFill>
         <p:spPr>
           <a:xfrm>
-            <a:off x="152400" y="3579879"/>
-            <a:ext cx="5110675" cy="378271"/>
+            <a:off x="704875" y="3351325"/>
+            <a:ext cx="2971800" cy="304800"/>
+          </a:xfrm>
+          <a:prstGeom prst="rect">
+            <a:avLst/>
+          </a:prstGeom>
+          <a:noFill/>
+          <a:ln cap="flat" cmpd="sng" w="9525">
+            <a:solidFill>
+              <a:schemeClr val="dk2"/>
+            </a:solidFill>
+            <a:prstDash val="solid"/>
+            <a:round/>
+            <a:headEnd len="sm" w="sm" type="none"/>
+            <a:tailEnd len="sm" w="sm" type="none"/>
+          </a:ln>
+        </p:spPr>
+      </p:pic>
+      <p:sp>
+        <p:nvSpPr>
+          <p:cNvPr id="458" name="Google Shape;458;p62"/>
+          <p:cNvSpPr txBox="1"/>
+          <p:nvPr/>
+        </p:nvSpPr>
+        <p:spPr>
+          <a:xfrm>
+            <a:off x="4014800" y="2488375"/>
+            <a:ext cx="4471800" cy="1569900"/>
           </a:xfrm>
           <a:prstGeom prst="rect">
             <a:avLst/>
@@ -24372,10 +24433,188 @@
             <a:noFill/>
           </a:ln>
         </p:spPr>
-      </p:pic>
+        <p:txBody>
+          <a:bodyPr anchorCtr="0" anchor="t" bIns="91425" lIns="91425" spcFirstLastPara="1" rIns="91425" wrap="square" tIns="91425">
+            <a:spAutoFit/>
+          </a:bodyPr>
+          <a:lstStyle/>
+          <a:p>
+            <a:pPr indent="-342900" lvl="0" marL="457200" rtl="0" algn="l">
+              <a:spcBef>
+                <a:spcPts val="0"/>
+              </a:spcBef>
+              <a:spcAft>
+                <a:spcPts val="0"/>
+              </a:spcAft>
+              <a:buClr>
+                <a:schemeClr val="lt2"/>
+              </a:buClr>
+              <a:buSzPts val="1800"/>
+              <a:buFont typeface="Roboto"/>
+              <a:buChar char="-"/>
+            </a:pPr>
+            <a:r>
+              <a:rPr lang="en" sz="1800">
+                <a:solidFill>
+                  <a:schemeClr val="lt2"/>
+                </a:solidFill>
+                <a:latin typeface="Roboto"/>
+                <a:ea typeface="Roboto"/>
+                <a:cs typeface="Roboto"/>
+                <a:sym typeface="Roboto"/>
+              </a:rPr>
+              <a:t>We can easily get the length of a list</a:t>
+            </a:r>
+            <a:endParaRPr sz="1800">
+              <a:solidFill>
+                <a:schemeClr val="lt2"/>
+              </a:solidFill>
+              <a:latin typeface="Roboto"/>
+              <a:ea typeface="Roboto"/>
+              <a:cs typeface="Roboto"/>
+              <a:sym typeface="Roboto"/>
+            </a:endParaRPr>
+          </a:p>
+          <a:p>
+            <a:pPr indent="-342900" lvl="0" marL="457200" rtl="0" algn="l">
+              <a:spcBef>
+                <a:spcPts val="0"/>
+              </a:spcBef>
+              <a:spcAft>
+                <a:spcPts val="0"/>
+              </a:spcAft>
+              <a:buClr>
+                <a:schemeClr val="lt2"/>
+              </a:buClr>
+              <a:buSzPts val="1800"/>
+              <a:buFont typeface="Roboto"/>
+              <a:buChar char="-"/>
+            </a:pPr>
+            <a:r>
+              <a:rPr lang="en" sz="1800">
+                <a:solidFill>
+                  <a:schemeClr val="lt2"/>
+                </a:solidFill>
+                <a:latin typeface="Roboto"/>
+                <a:ea typeface="Roboto"/>
+                <a:cs typeface="Roboto"/>
+                <a:sym typeface="Roboto"/>
+              </a:rPr>
+              <a:t>Lists can be ANY datatype</a:t>
+            </a:r>
+            <a:endParaRPr sz="1800">
+              <a:solidFill>
+                <a:schemeClr val="lt2"/>
+              </a:solidFill>
+              <a:latin typeface="Roboto"/>
+              <a:ea typeface="Roboto"/>
+              <a:cs typeface="Roboto"/>
+              <a:sym typeface="Roboto"/>
+            </a:endParaRPr>
+          </a:p>
+          <a:p>
+            <a:pPr indent="-342900" lvl="0" marL="457200" rtl="0" algn="l">
+              <a:spcBef>
+                <a:spcPts val="0"/>
+              </a:spcBef>
+              <a:spcAft>
+                <a:spcPts val="0"/>
+              </a:spcAft>
+              <a:buClr>
+                <a:schemeClr val="lt2"/>
+              </a:buClr>
+              <a:buSzPts val="1800"/>
+              <a:buFont typeface="Roboto"/>
+              <a:buChar char="-"/>
+            </a:pPr>
+            <a:r>
+              <a:rPr lang="en" sz="1800">
+                <a:solidFill>
+                  <a:schemeClr val="lt2"/>
+                </a:solidFill>
+                <a:latin typeface="Roboto"/>
+                <a:ea typeface="Roboto"/>
+                <a:cs typeface="Roboto"/>
+                <a:sym typeface="Roboto"/>
+              </a:rPr>
+              <a:t>Lists can contain mixed datatypes</a:t>
+            </a:r>
+            <a:endParaRPr sz="1800">
+              <a:solidFill>
+                <a:schemeClr val="lt2"/>
+              </a:solidFill>
+              <a:latin typeface="Roboto"/>
+              <a:ea typeface="Roboto"/>
+              <a:cs typeface="Roboto"/>
+              <a:sym typeface="Roboto"/>
+            </a:endParaRPr>
+          </a:p>
+          <a:p>
+            <a:pPr indent="-342900" lvl="0" marL="457200" rtl="0" algn="l">
+              <a:spcBef>
+                <a:spcPts val="0"/>
+              </a:spcBef>
+              <a:spcAft>
+                <a:spcPts val="0"/>
+              </a:spcAft>
+              <a:buClr>
+                <a:schemeClr val="lt2"/>
+              </a:buClr>
+              <a:buSzPts val="1800"/>
+              <a:buFont typeface="Roboto"/>
+              <a:buChar char="-"/>
+            </a:pPr>
+            <a:r>
+              <a:rPr lang="en" sz="1800">
+                <a:solidFill>
+                  <a:schemeClr val="lt2"/>
+                </a:solidFill>
+                <a:latin typeface="Roboto"/>
+                <a:ea typeface="Roboto"/>
+                <a:cs typeface="Roboto"/>
+                <a:sym typeface="Roboto"/>
+              </a:rPr>
+              <a:t>Retrieve items from </a:t>
+            </a:r>
+            <a:r>
+              <a:rPr lang="en" sz="1800">
+                <a:solidFill>
+                  <a:schemeClr val="lt2"/>
+                </a:solidFill>
+                <a:latin typeface="Roboto"/>
+                <a:ea typeface="Roboto"/>
+                <a:cs typeface="Roboto"/>
+                <a:sym typeface="Roboto"/>
+              </a:rPr>
+              <a:t>positive</a:t>
+            </a:r>
+            <a:r>
+              <a:rPr lang="en" sz="1800">
+                <a:solidFill>
+                  <a:schemeClr val="lt2"/>
+                </a:solidFill>
+                <a:latin typeface="Roboto"/>
+                <a:ea typeface="Roboto"/>
+                <a:cs typeface="Roboto"/>
+                <a:sym typeface="Roboto"/>
+              </a:rPr>
+              <a:t>/negative indices</a:t>
+            </a:r>
+            <a:endParaRPr sz="1800">
+              <a:solidFill>
+                <a:schemeClr val="lt2"/>
+              </a:solidFill>
+              <a:latin typeface="Roboto"/>
+              <a:ea typeface="Roboto"/>
+              <a:cs typeface="Roboto"/>
+              <a:sym typeface="Roboto"/>
+            </a:endParaRPr>
+          </a:p>
+        </p:txBody>
+      </p:sp>
       <p:pic>
         <p:nvPicPr>
-          <p:cNvPr id="463" name="Google Shape;463;p62"/>
+          <p:cNvPr id="459" name="Google Shape;459;p62"/>
           <p:cNvPicPr preferRelativeResize="0"/>
           <p:nvPr/>
         </p:nvPicPr>
@@ -24389,8 +24628,8 @@
         </p:blipFill>
         <p:spPr>
           <a:xfrm>
-            <a:off x="939692" y="4157475"/>
-            <a:ext cx="3536100" cy="685001"/>
+            <a:off x="1390650" y="4506775"/>
+            <a:ext cx="6362700" cy="476250"/>
           </a:xfrm>
           <a:prstGeom prst="rect">
             <a:avLst/>
@@ -24398,6 +24637,40 @@
           <a:noFill/>
           <a:ln>
             <a:noFill/>
+          </a:ln>
+        </p:spPr>
+      </p:pic>
+      <p:pic>
+        <p:nvPicPr>
+          <p:cNvPr id="460" name="Google Shape;460;p62"/>
+          <p:cNvPicPr preferRelativeResize="0"/>
+          <p:nvPr/>
+        </p:nvPicPr>
+        <p:blipFill>
+          <a:blip r:embed="rId7">
+            <a:alphaModFix/>
+          </a:blip>
+          <a:stretch>
+            <a:fillRect/>
+          </a:stretch>
+        </p:blipFill>
+        <p:spPr>
+          <a:xfrm>
+            <a:off x="704875" y="3864488"/>
+            <a:ext cx="2837202" cy="433925"/>
+          </a:xfrm>
+          <a:prstGeom prst="rect">
+            <a:avLst/>
+          </a:prstGeom>
+          <a:noFill/>
+          <a:ln cap="flat" cmpd="sng" w="9525">
+            <a:solidFill>
+              <a:schemeClr val="dk2"/>
+            </a:solidFill>
+            <a:prstDash val="solid"/>
+            <a:round/>
+            <a:headEnd len="sm" w="sm" type="none"/>
+            <a:tailEnd len="sm" w="sm" type="none"/>
           </a:ln>
         </p:spPr>
       </p:pic>
@@ -24414,7 +24687,7 @@
   <p:cSld>
     <p:spTree>
       <p:nvGrpSpPr>
-        <p:cNvPr id="467" name="Shape 467"/>
+        <p:cNvPr id="464" name="Shape 464"/>
         <p:cNvGrpSpPr/>
         <p:nvPr/>
       </p:nvGrpSpPr>
@@ -24428,7 +24701,7 @@
       </p:grpSpPr>
       <p:sp>
         <p:nvSpPr>
-          <p:cNvPr id="468" name="Google Shape;468;p63"/>
+          <p:cNvPr id="465" name="Google Shape;465;p63"/>
           <p:cNvSpPr txBox="1"/>
           <p:nvPr>
             <p:ph type="title"/>
@@ -24460,7 +24733,7 @@
             </a:pPr>
             <a:r>
               <a:rPr lang="en"/>
-              <a:t>Modifying Lists</a:t>
+              <a:t>More List Syntax</a:t>
             </a:r>
             <a:endParaRPr/>
           </a:p>
@@ -24468,7 +24741,7 @@
       </p:sp>
       <p:sp>
         <p:nvSpPr>
-          <p:cNvPr id="469" name="Google Shape;469;p63"/>
+          <p:cNvPr id="466" name="Google Shape;466;p63"/>
           <p:cNvSpPr txBox="1"/>
           <p:nvPr>
             <p:ph idx="1" type="body"/>
@@ -24476,8 +24749,8 @@
         </p:nvSpPr>
         <p:spPr>
           <a:xfrm>
-            <a:off x="186250" y="2033375"/>
-            <a:ext cx="4540800" cy="2710200"/>
+            <a:off x="5500700" y="1966925"/>
+            <a:ext cx="3536100" cy="2710200"/>
           </a:xfrm>
           <a:prstGeom prst="rect">
             <a:avLst/>
@@ -24501,7 +24774,7 @@
             </a:pPr>
             <a:r>
               <a:rPr lang="en"/>
-              <a:t>Replace items in a list from its index</a:t>
+              <a:t>Get a range of items</a:t>
             </a:r>
             <a:endParaRPr/>
           </a:p>
@@ -24518,7 +24791,15 @@
             </a:pPr>
             <a:r>
               <a:rPr lang="en"/>
-              <a:t>Insert multiple new items into a list while replacing items</a:t>
+              <a:t>Get a range of items from the </a:t>
+            </a:r>
+            <a:r>
+              <a:rPr lang="en"/>
+              <a:t>beginning</a:t>
+            </a:r>
+            <a:r>
+              <a:rPr lang="en"/>
+              <a:t> to a defined stop point</a:t>
             </a:r>
             <a:endParaRPr/>
           </a:p>
@@ -24535,7 +24816,7 @@
             </a:pPr>
             <a:r>
               <a:rPr lang="en"/>
-              <a:t>Insert items without replacing anything</a:t>
+              <a:t>Get a range of items from a defined start point till the end</a:t>
             </a:r>
             <a:endParaRPr/>
           </a:p>
@@ -24552,24 +24833,7 @@
             </a:pPr>
             <a:r>
               <a:rPr lang="en"/>
-              <a:t>Add items to the end of a list</a:t>
-            </a:r>
-            <a:endParaRPr/>
-          </a:p>
-          <a:p>
-            <a:pPr indent="-342900" lvl="0" marL="457200" rtl="0" algn="l">
-              <a:spcBef>
-                <a:spcPts val="0"/>
-              </a:spcBef>
-              <a:spcAft>
-                <a:spcPts val="0"/>
-              </a:spcAft>
-              <a:buSzPts val="1800"/>
-              <a:buChar char="-"/>
-            </a:pPr>
-            <a:r>
-              <a:rPr lang="en"/>
-              <a:t>Concatenate a list and another list/set/dictionary</a:t>
+              <a:t>Check if items are in a list</a:t>
             </a:r>
             <a:endParaRPr/>
           </a:p>
@@ -24577,7 +24841,7 @@
       </p:sp>
       <p:pic>
         <p:nvPicPr>
-          <p:cNvPr id="470" name="Google Shape;470;p63"/>
+          <p:cNvPr id="467" name="Google Shape;467;p63"/>
           <p:cNvPicPr preferRelativeResize="0"/>
           <p:nvPr/>
         </p:nvPicPr>
@@ -24591,27 +24855,21 @@
         </p:blipFill>
         <p:spPr>
           <a:xfrm>
-            <a:off x="5043650" y="1792200"/>
-            <a:ext cx="3238500" cy="495300"/>
+            <a:off x="152400" y="2052650"/>
+            <a:ext cx="5110672" cy="433925"/>
           </a:xfrm>
           <a:prstGeom prst="rect">
             <a:avLst/>
           </a:prstGeom>
           <a:noFill/>
-          <a:ln cap="flat" cmpd="sng" w="9525">
-            <a:solidFill>
-              <a:schemeClr val="dk2"/>
-            </a:solidFill>
-            <a:prstDash val="solid"/>
-            <a:round/>
-            <a:headEnd len="sm" w="sm" type="none"/>
-            <a:tailEnd len="sm" w="sm" type="none"/>
+          <a:ln>
+            <a:noFill/>
           </a:ln>
         </p:spPr>
       </p:pic>
       <p:pic>
         <p:nvPicPr>
-          <p:cNvPr id="471" name="Google Shape;471;p63"/>
+          <p:cNvPr id="468" name="Google Shape;468;p63"/>
           <p:cNvPicPr preferRelativeResize="0"/>
           <p:nvPr/>
         </p:nvPicPr>
@@ -24625,27 +24883,21 @@
         </p:blipFill>
         <p:spPr>
           <a:xfrm>
-            <a:off x="4805525" y="2364875"/>
-            <a:ext cx="3714750" cy="447675"/>
+            <a:off x="152400" y="2920884"/>
+            <a:ext cx="5110675" cy="394366"/>
           </a:xfrm>
           <a:prstGeom prst="rect">
             <a:avLst/>
           </a:prstGeom>
           <a:noFill/>
-          <a:ln cap="flat" cmpd="sng" w="9525">
-            <a:solidFill>
-              <a:schemeClr val="dk2"/>
-            </a:solidFill>
-            <a:prstDash val="solid"/>
-            <a:round/>
-            <a:headEnd len="sm" w="sm" type="none"/>
-            <a:tailEnd len="sm" w="sm" type="none"/>
+          <a:ln>
+            <a:noFill/>
           </a:ln>
         </p:spPr>
       </p:pic>
       <p:pic>
         <p:nvPicPr>
-          <p:cNvPr id="472" name="Google Shape;472;p63"/>
+          <p:cNvPr id="469" name="Google Shape;469;p63"/>
           <p:cNvPicPr preferRelativeResize="0"/>
           <p:nvPr/>
         </p:nvPicPr>
@@ -24659,27 +24911,21 @@
         </p:blipFill>
         <p:spPr>
           <a:xfrm>
-            <a:off x="5038888" y="2889925"/>
-            <a:ext cx="3248025" cy="495300"/>
+            <a:off x="152400" y="3579879"/>
+            <a:ext cx="5110675" cy="378271"/>
           </a:xfrm>
           <a:prstGeom prst="rect">
             <a:avLst/>
           </a:prstGeom>
           <a:noFill/>
-          <a:ln cap="flat" cmpd="sng" w="9525">
-            <a:solidFill>
-              <a:schemeClr val="dk2"/>
-            </a:solidFill>
-            <a:prstDash val="solid"/>
-            <a:round/>
-            <a:headEnd len="sm" w="sm" type="none"/>
-            <a:tailEnd len="sm" w="sm" type="none"/>
+          <a:ln>
+            <a:noFill/>
           </a:ln>
         </p:spPr>
       </p:pic>
       <p:pic>
         <p:nvPicPr>
-          <p:cNvPr id="473" name="Google Shape;473;p63"/>
+          <p:cNvPr id="470" name="Google Shape;470;p63"/>
           <p:cNvPicPr preferRelativeResize="0"/>
           <p:nvPr/>
         </p:nvPicPr>
@@ -24693,89 +24939,15 @@
         </p:blipFill>
         <p:spPr>
           <a:xfrm>
-            <a:off x="5057950" y="3462600"/>
-            <a:ext cx="3209925" cy="438150"/>
+            <a:off x="939692" y="4157475"/>
+            <a:ext cx="3536100" cy="685001"/>
           </a:xfrm>
           <a:prstGeom prst="rect">
             <a:avLst/>
           </a:prstGeom>
           <a:noFill/>
-          <a:ln cap="flat" cmpd="sng" w="9525">
-            <a:solidFill>
-              <a:schemeClr val="dk2"/>
-            </a:solidFill>
-            <a:prstDash val="solid"/>
-            <a:round/>
-            <a:headEnd len="sm" w="sm" type="none"/>
-            <a:tailEnd len="sm" w="sm" type="none"/>
-          </a:ln>
-        </p:spPr>
-      </p:pic>
-      <p:pic>
-        <p:nvPicPr>
-          <p:cNvPr id="474" name="Google Shape;474;p63"/>
-          <p:cNvPicPr preferRelativeResize="0"/>
-          <p:nvPr/>
-        </p:nvPicPr>
-        <p:blipFill>
-          <a:blip r:embed="rId7">
-            <a:alphaModFix/>
-          </a:blip>
-          <a:stretch>
-            <a:fillRect/>
-          </a:stretch>
-        </p:blipFill>
-        <p:spPr>
-          <a:xfrm>
-            <a:off x="5139650" y="3978138"/>
-            <a:ext cx="3046515" cy="433925"/>
-          </a:xfrm>
-          <a:prstGeom prst="rect">
-            <a:avLst/>
-          </a:prstGeom>
-          <a:noFill/>
-          <a:ln cap="flat" cmpd="sng" w="9525">
-            <a:solidFill>
-              <a:schemeClr val="dk2"/>
-            </a:solidFill>
-            <a:prstDash val="solid"/>
-            <a:round/>
-            <a:headEnd len="sm" w="sm" type="none"/>
-            <a:tailEnd len="sm" w="sm" type="none"/>
-          </a:ln>
-        </p:spPr>
-      </p:pic>
-      <p:pic>
-        <p:nvPicPr>
-          <p:cNvPr id="475" name="Google Shape;475;p63"/>
-          <p:cNvPicPr preferRelativeResize="0"/>
-          <p:nvPr/>
-        </p:nvPicPr>
-        <p:blipFill>
-          <a:blip r:embed="rId8">
-            <a:alphaModFix/>
-          </a:blip>
-          <a:stretch>
-            <a:fillRect/>
-          </a:stretch>
-        </p:blipFill>
-        <p:spPr>
-          <a:xfrm>
-            <a:off x="5660175" y="4550813"/>
-            <a:ext cx="2005438" cy="433925"/>
-          </a:xfrm>
-          <a:prstGeom prst="rect">
-            <a:avLst/>
-          </a:prstGeom>
-          <a:noFill/>
-          <a:ln cap="flat" cmpd="sng" w="9525">
-            <a:solidFill>
-              <a:schemeClr val="dk2"/>
-            </a:solidFill>
-            <a:prstDash val="solid"/>
-            <a:round/>
-            <a:headEnd len="sm" w="sm" type="none"/>
-            <a:tailEnd len="sm" w="sm" type="none"/>
+          <a:ln>
+            <a:noFill/>
           </a:ln>
         </p:spPr>
       </p:pic>
@@ -24792,7 +24964,7 @@
   <p:cSld>
     <p:spTree>
       <p:nvGrpSpPr>
-        <p:cNvPr id="479" name="Shape 479"/>
+        <p:cNvPr id="474" name="Shape 474"/>
         <p:cNvGrpSpPr/>
         <p:nvPr/>
       </p:nvGrpSpPr>
@@ -24806,7 +24978,7 @@
       </p:grpSpPr>
       <p:sp>
         <p:nvSpPr>
-          <p:cNvPr id="480" name="Google Shape;480;p64"/>
+          <p:cNvPr id="475" name="Google Shape;475;p64"/>
           <p:cNvSpPr txBox="1"/>
           <p:nvPr>
             <p:ph type="title"/>
@@ -24846,7 +25018,7 @@
       </p:sp>
       <p:sp>
         <p:nvSpPr>
-          <p:cNvPr id="481" name="Google Shape;481;p64"/>
+          <p:cNvPr id="476" name="Google Shape;476;p64"/>
           <p:cNvSpPr txBox="1"/>
           <p:nvPr>
             <p:ph idx="1" type="body"/>
@@ -24854,8 +25026,8 @@
         </p:nvSpPr>
         <p:spPr>
           <a:xfrm>
-            <a:off x="4371975" y="1919075"/>
-            <a:ext cx="4322100" cy="2710200"/>
+            <a:off x="186250" y="2033375"/>
+            <a:ext cx="4540800" cy="2710200"/>
           </a:xfrm>
           <a:prstGeom prst="rect">
             <a:avLst/>
@@ -24879,11 +25051,7 @@
             </a:pPr>
             <a:r>
               <a:rPr lang="en"/>
-              <a:t>Remove a specific object by its </a:t>
-            </a:r>
-            <a:r>
-              <a:rPr lang="en"/>
-              <a:t>identity</a:t>
+              <a:t>Replace items in a list from its index</a:t>
             </a:r>
             <a:endParaRPr/>
           </a:p>
@@ -24900,7 +25068,7 @@
             </a:pPr>
             <a:r>
               <a:rPr lang="en"/>
-              <a:t>Remove a specific item by its index with pop(), or just the last item if nothing specified</a:t>
+              <a:t>Insert multiple new items into a list while replacing items</a:t>
             </a:r>
             <a:endParaRPr/>
           </a:p>
@@ -24917,7 +25085,7 @@
             </a:pPr>
             <a:r>
               <a:rPr lang="en"/>
-              <a:t>The del keyword can delete an item or the list itself</a:t>
+              <a:t>Insert items without replacing anything</a:t>
             </a:r>
             <a:endParaRPr/>
           </a:p>
@@ -24934,7 +25102,24 @@
             </a:pPr>
             <a:r>
               <a:rPr lang="en"/>
-              <a:t>The clear() method empties the list but the list still exists in memory</a:t>
+              <a:t>Add items to the end of a list</a:t>
+            </a:r>
+            <a:endParaRPr/>
+          </a:p>
+          <a:p>
+            <a:pPr indent="-342900" lvl="0" marL="457200" rtl="0" algn="l">
+              <a:spcBef>
+                <a:spcPts val="0"/>
+              </a:spcBef>
+              <a:spcAft>
+                <a:spcPts val="0"/>
+              </a:spcAft>
+              <a:buSzPts val="1800"/>
+              <a:buChar char="-"/>
+            </a:pPr>
+            <a:r>
+              <a:rPr lang="en"/>
+              <a:t>Concatenate a list and another list/set/dictionary</a:t>
             </a:r>
             <a:endParaRPr/>
           </a:p>
@@ -24942,7 +25127,7 @@
       </p:sp>
       <p:pic>
         <p:nvPicPr>
-          <p:cNvPr id="482" name="Google Shape;482;p64"/>
+          <p:cNvPr id="477" name="Google Shape;477;p64"/>
           <p:cNvPicPr preferRelativeResize="0"/>
           <p:nvPr/>
         </p:nvPicPr>
@@ -24956,8 +25141,8 @@
         </p:blipFill>
         <p:spPr>
           <a:xfrm>
-            <a:off x="771925" y="2158850"/>
-            <a:ext cx="3219450" cy="476250"/>
+            <a:off x="5043650" y="1792200"/>
+            <a:ext cx="3238500" cy="495300"/>
           </a:xfrm>
           <a:prstGeom prst="rect">
             <a:avLst/>
@@ -24976,7 +25161,7 @@
       </p:pic>
       <p:pic>
         <p:nvPicPr>
-          <p:cNvPr id="483" name="Google Shape;483;p64"/>
+          <p:cNvPr id="478" name="Google Shape;478;p64"/>
           <p:cNvPicPr preferRelativeResize="0"/>
           <p:nvPr/>
         </p:nvPicPr>
@@ -24990,8 +25175,8 @@
         </p:blipFill>
         <p:spPr>
           <a:xfrm>
-            <a:off x="743350" y="2728875"/>
-            <a:ext cx="3276600" cy="466725"/>
+            <a:off x="4805525" y="2364875"/>
+            <a:ext cx="3714750" cy="447675"/>
           </a:xfrm>
           <a:prstGeom prst="rect">
             <a:avLst/>
@@ -25010,7 +25195,7 @@
       </p:pic>
       <p:pic>
         <p:nvPicPr>
-          <p:cNvPr id="484" name="Google Shape;484;p64"/>
+          <p:cNvPr id="479" name="Google Shape;479;p64"/>
           <p:cNvPicPr preferRelativeResize="0"/>
           <p:nvPr/>
         </p:nvPicPr>
@@ -25024,8 +25209,8 @@
         </p:blipFill>
         <p:spPr>
           <a:xfrm>
-            <a:off x="776688" y="3289375"/>
-            <a:ext cx="3209925" cy="447675"/>
+            <a:off x="5038888" y="2889925"/>
+            <a:ext cx="3248025" cy="495300"/>
           </a:xfrm>
           <a:prstGeom prst="rect">
             <a:avLst/>
@@ -25044,7 +25229,7 @@
       </p:pic>
       <p:pic>
         <p:nvPicPr>
-          <p:cNvPr id="485" name="Google Shape;485;p64"/>
+          <p:cNvPr id="480" name="Google Shape;480;p64"/>
           <p:cNvPicPr preferRelativeResize="0"/>
           <p:nvPr/>
         </p:nvPicPr>
@@ -25058,8 +25243,76 @@
         </p:blipFill>
         <p:spPr>
           <a:xfrm>
-            <a:off x="762400" y="3960875"/>
-            <a:ext cx="3238500" cy="428625"/>
+            <a:off x="5057950" y="3462600"/>
+            <a:ext cx="3209925" cy="438150"/>
+          </a:xfrm>
+          <a:prstGeom prst="rect">
+            <a:avLst/>
+          </a:prstGeom>
+          <a:noFill/>
+          <a:ln cap="flat" cmpd="sng" w="9525">
+            <a:solidFill>
+              <a:schemeClr val="dk2"/>
+            </a:solidFill>
+            <a:prstDash val="solid"/>
+            <a:round/>
+            <a:headEnd len="sm" w="sm" type="none"/>
+            <a:tailEnd len="sm" w="sm" type="none"/>
+          </a:ln>
+        </p:spPr>
+      </p:pic>
+      <p:pic>
+        <p:nvPicPr>
+          <p:cNvPr id="481" name="Google Shape;481;p64"/>
+          <p:cNvPicPr preferRelativeResize="0"/>
+          <p:nvPr/>
+        </p:nvPicPr>
+        <p:blipFill>
+          <a:blip r:embed="rId7">
+            <a:alphaModFix/>
+          </a:blip>
+          <a:stretch>
+            <a:fillRect/>
+          </a:stretch>
+        </p:blipFill>
+        <p:spPr>
+          <a:xfrm>
+            <a:off x="5139650" y="3978138"/>
+            <a:ext cx="3046515" cy="433925"/>
+          </a:xfrm>
+          <a:prstGeom prst="rect">
+            <a:avLst/>
+          </a:prstGeom>
+          <a:noFill/>
+          <a:ln cap="flat" cmpd="sng" w="9525">
+            <a:solidFill>
+              <a:schemeClr val="dk2"/>
+            </a:solidFill>
+            <a:prstDash val="solid"/>
+            <a:round/>
+            <a:headEnd len="sm" w="sm" type="none"/>
+            <a:tailEnd len="sm" w="sm" type="none"/>
+          </a:ln>
+        </p:spPr>
+      </p:pic>
+      <p:pic>
+        <p:nvPicPr>
+          <p:cNvPr id="482" name="Google Shape;482;p64"/>
+          <p:cNvPicPr preferRelativeResize="0"/>
+          <p:nvPr/>
+        </p:nvPicPr>
+        <p:blipFill>
+          <a:blip r:embed="rId8">
+            <a:alphaModFix/>
+          </a:blip>
+          <a:stretch>
+            <a:fillRect/>
+          </a:stretch>
+        </p:blipFill>
+        <p:spPr>
+          <a:xfrm>
+            <a:off x="5660175" y="4550813"/>
+            <a:ext cx="2005438" cy="433925"/>
           </a:xfrm>
           <a:prstGeom prst="rect">
             <a:avLst/>
@@ -25089,7 +25342,7 @@
   <p:cSld>
     <p:spTree>
       <p:nvGrpSpPr>
-        <p:cNvPr id="489" name="Shape 489"/>
+        <p:cNvPr id="486" name="Shape 486"/>
         <p:cNvGrpSpPr/>
         <p:nvPr/>
       </p:nvGrpSpPr>
@@ -25103,7 +25356,7 @@
       </p:grpSpPr>
       <p:sp>
         <p:nvSpPr>
-          <p:cNvPr id="490" name="Google Shape;490;p65"/>
+          <p:cNvPr id="487" name="Google Shape;487;p65"/>
           <p:cNvSpPr txBox="1"/>
           <p:nvPr>
             <p:ph type="title"/>
@@ -25135,7 +25388,7 @@
             </a:pPr>
             <a:r>
               <a:rPr lang="en"/>
-              <a:t>Iterating over lists</a:t>
+              <a:t>Modifying Lists</a:t>
             </a:r>
             <a:endParaRPr/>
           </a:p>
@@ -25143,7 +25396,7 @@
       </p:sp>
       <p:sp>
         <p:nvSpPr>
-          <p:cNvPr id="491" name="Google Shape;491;p65"/>
+          <p:cNvPr id="488" name="Google Shape;488;p65"/>
           <p:cNvSpPr txBox="1"/>
           <p:nvPr>
             <p:ph idx="1" type="body"/>
@@ -25151,8 +25404,8 @@
         </p:nvSpPr>
         <p:spPr>
           <a:xfrm>
-            <a:off x="471900" y="1919075"/>
-            <a:ext cx="4214400" cy="2710200"/>
+            <a:off x="4371975" y="1919075"/>
+            <a:ext cx="4322100" cy="2710200"/>
           </a:xfrm>
           <a:prstGeom prst="rect">
             <a:avLst/>
@@ -25165,9 +25418,6 @@
           <a:lstStyle/>
           <a:p>
             <a:pPr indent="-342900" lvl="0" marL="457200" rtl="0" algn="l">
-              <a:lnSpc>
-                <a:spcPct val="200000"/>
-              </a:lnSpc>
               <a:spcBef>
                 <a:spcPts val="0"/>
               </a:spcBef>
@@ -25175,19 +25425,20 @@
                 <a:spcPts val="0"/>
               </a:spcAft>
               <a:buSzPts val="1800"/>
-              <a:buChar char="●"/>
+              <a:buChar char="-"/>
             </a:pPr>
             <a:r>
               <a:rPr lang="en"/>
-              <a:t>For loops can iterate over lists</a:t>
+              <a:t>Remove a specific object by its </a:t>
+            </a:r>
+            <a:r>
+              <a:rPr lang="en"/>
+              <a:t>identity</a:t>
             </a:r>
             <a:endParaRPr/>
           </a:p>
           <a:p>
             <a:pPr indent="-342900" lvl="0" marL="457200" rtl="0" algn="l">
-              <a:lnSpc>
-                <a:spcPct val="200000"/>
-              </a:lnSpc>
               <a:spcBef>
                 <a:spcPts val="0"/>
               </a:spcBef>
@@ -25195,39 +25446,45 @@
                 <a:spcPts val="0"/>
               </a:spcAft>
               <a:buSzPts val="1800"/>
-              <a:buChar char="●"/>
+              <a:buChar char="-"/>
             </a:pPr>
             <a:r>
               <a:rPr lang="en"/>
-              <a:t>While loops can </a:t>
-            </a:r>
+              <a:t>Remove a specific item by its index with pop(), or just the last item if nothing specified</a:t>
+            </a:r>
+            <a:endParaRPr/>
+          </a:p>
+          <a:p>
+            <a:pPr indent="-342900" lvl="0" marL="457200" rtl="0" algn="l">
+              <a:spcBef>
+                <a:spcPts val="0"/>
+              </a:spcBef>
+              <a:spcAft>
+                <a:spcPts val="0"/>
+              </a:spcAft>
+              <a:buSzPts val="1800"/>
+              <a:buChar char="-"/>
+            </a:pPr>
             <a:r>
               <a:rPr lang="en"/>
-              <a:t>iterate</a:t>
-            </a:r>
+              <a:t>The del keyword can delete an item or the list itself</a:t>
+            </a:r>
+            <a:endParaRPr/>
+          </a:p>
+          <a:p>
+            <a:pPr indent="-342900" lvl="0" marL="457200" rtl="0" algn="l">
+              <a:spcBef>
+                <a:spcPts val="0"/>
+              </a:spcBef>
+              <a:spcAft>
+                <a:spcPts val="0"/>
+              </a:spcAft>
+              <a:buSzPts val="1800"/>
+              <a:buChar char="-"/>
+            </a:pPr>
             <a:r>
               <a:rPr lang="en"/>
-              <a:t> over lists</a:t>
-            </a:r>
-            <a:endParaRPr/>
-          </a:p>
-          <a:p>
-            <a:pPr indent="-342900" lvl="0" marL="457200" rtl="0" algn="l">
-              <a:lnSpc>
-                <a:spcPct val="200000"/>
-              </a:lnSpc>
-              <a:spcBef>
-                <a:spcPts val="0"/>
-              </a:spcBef>
-              <a:spcAft>
-                <a:spcPts val="0"/>
-              </a:spcAft>
-              <a:buSzPts val="1800"/>
-              <a:buChar char="●"/>
-            </a:pPr>
-            <a:r>
-              <a:rPr lang="en"/>
-              <a:t>List Comprehension syntax is the shortest form to iterate over a list</a:t>
+              <a:t>The clear() method empties the list but the list still exists in memory</a:t>
             </a:r>
             <a:endParaRPr/>
           </a:p>
@@ -25235,7 +25492,7 @@
       </p:sp>
       <p:pic>
         <p:nvPicPr>
-          <p:cNvPr id="492" name="Google Shape;492;p65"/>
+          <p:cNvPr id="489" name="Google Shape;489;p65"/>
           <p:cNvPicPr preferRelativeResize="0"/>
           <p:nvPr/>
         </p:nvPicPr>
@@ -25249,8 +25506,8 @@
         </p:blipFill>
         <p:spPr>
           <a:xfrm>
-            <a:off x="5486246" y="1833350"/>
-            <a:ext cx="2929584" cy="623497"/>
+            <a:off x="771925" y="2158850"/>
+            <a:ext cx="3219450" cy="476250"/>
           </a:xfrm>
           <a:prstGeom prst="rect">
             <a:avLst/>
@@ -25269,7 +25526,7 @@
       </p:pic>
       <p:pic>
         <p:nvPicPr>
-          <p:cNvPr id="493" name="Google Shape;493;p65"/>
+          <p:cNvPr id="490" name="Google Shape;490;p65"/>
           <p:cNvPicPr preferRelativeResize="0"/>
           <p:nvPr/>
         </p:nvPicPr>
@@ -25283,8 +25540,8 @@
         </p:blipFill>
         <p:spPr>
           <a:xfrm>
-            <a:off x="5503328" y="2565102"/>
-            <a:ext cx="2895419" cy="666203"/>
+            <a:off x="743350" y="2728875"/>
+            <a:ext cx="3276600" cy="466725"/>
           </a:xfrm>
           <a:prstGeom prst="rect">
             <a:avLst/>
@@ -25303,7 +25560,7 @@
       </p:pic>
       <p:pic>
         <p:nvPicPr>
-          <p:cNvPr id="494" name="Google Shape;494;p65"/>
+          <p:cNvPr id="491" name="Google Shape;491;p65"/>
           <p:cNvPicPr preferRelativeResize="0"/>
           <p:nvPr/>
         </p:nvPicPr>
@@ -25317,8 +25574,8 @@
         </p:blipFill>
         <p:spPr>
           <a:xfrm>
-            <a:off x="5481975" y="3339559"/>
-            <a:ext cx="2938125" cy="1016386"/>
+            <a:off x="776688" y="3289375"/>
+            <a:ext cx="3209925" cy="447675"/>
           </a:xfrm>
           <a:prstGeom prst="rect">
             <a:avLst/>
@@ -25337,7 +25594,7 @@
       </p:pic>
       <p:pic>
         <p:nvPicPr>
-          <p:cNvPr id="495" name="Google Shape;495;p65"/>
+          <p:cNvPr id="492" name="Google Shape;492;p65"/>
           <p:cNvPicPr preferRelativeResize="0"/>
           <p:nvPr/>
         </p:nvPicPr>
@@ -25351,8 +25608,8 @@
         </p:blipFill>
         <p:spPr>
           <a:xfrm>
-            <a:off x="5581095" y="4464200"/>
-            <a:ext cx="2739915" cy="389100"/>
+            <a:off x="762400" y="3960875"/>
+            <a:ext cx="3238500" cy="428625"/>
           </a:xfrm>
           <a:prstGeom prst="rect">
             <a:avLst/>
@@ -25382,7 +25639,7 @@
   <p:cSld>
     <p:spTree>
       <p:nvGrpSpPr>
-        <p:cNvPr id="499" name="Shape 499"/>
+        <p:cNvPr id="496" name="Shape 496"/>
         <p:cNvGrpSpPr/>
         <p:nvPr/>
       </p:nvGrpSpPr>
@@ -25396,7 +25653,7 @@
       </p:grpSpPr>
       <p:sp>
         <p:nvSpPr>
-          <p:cNvPr id="500" name="Google Shape;500;p66"/>
+          <p:cNvPr id="497" name="Google Shape;497;p66"/>
           <p:cNvSpPr txBox="1"/>
           <p:nvPr>
             <p:ph type="title"/>
@@ -25428,7 +25685,7 @@
             </a:pPr>
             <a:r>
               <a:rPr lang="en"/>
-              <a:t>List Comprehension</a:t>
+              <a:t>Iterating over lists</a:t>
             </a:r>
             <a:endParaRPr/>
           </a:p>
@@ -25436,7 +25693,7 @@
       </p:sp>
       <p:sp>
         <p:nvSpPr>
-          <p:cNvPr id="501" name="Google Shape;501;p66"/>
+          <p:cNvPr id="498" name="Google Shape;498;p66"/>
           <p:cNvSpPr txBox="1"/>
           <p:nvPr>
             <p:ph idx="1" type="body"/>
@@ -25445,7 +25702,7 @@
         <p:spPr>
           <a:xfrm>
             <a:off x="471900" y="1919075"/>
-            <a:ext cx="8286300" cy="1195500"/>
+            <a:ext cx="4214400" cy="2710200"/>
           </a:xfrm>
           <a:prstGeom prst="rect">
             <a:avLst/>
@@ -25457,42 +25714,70 @@
           </a:bodyPr>
           <a:lstStyle/>
           <a:p>
-            <a:pPr indent="0" lvl="0" marL="0" rtl="0" algn="l">
-              <a:spcBef>
-                <a:spcPts val="0"/>
-              </a:spcBef>
-              <a:spcAft>
-                <a:spcPts val="0"/>
-              </a:spcAft>
-              <a:buNone/>
+            <a:pPr indent="-342900" lvl="0" marL="457200" rtl="0" algn="l">
+              <a:lnSpc>
+                <a:spcPct val="200000"/>
+              </a:lnSpc>
+              <a:spcBef>
+                <a:spcPts val="0"/>
+              </a:spcBef>
+              <a:spcAft>
+                <a:spcPts val="0"/>
+              </a:spcAft>
+              <a:buSzPts val="1800"/>
+              <a:buChar char="●"/>
             </a:pPr>
             <a:r>
               <a:rPr lang="en"/>
-              <a:t>Create a new list of fruits that have ‘a’ in the name. </a:t>
+              <a:t>For loops can iterate over lists</a:t>
             </a:r>
             <a:endParaRPr/>
           </a:p>
           <a:p>
-            <a:pPr indent="0" lvl="0" marL="0" rtl="0" algn="l">
-              <a:spcBef>
-                <a:spcPts val="1600"/>
-              </a:spcBef>
-              <a:spcAft>
-                <a:spcPts val="1600"/>
-              </a:spcAft>
-              <a:buNone/>
+            <a:pPr indent="-342900" lvl="0" marL="457200" rtl="0" algn="l">
+              <a:lnSpc>
+                <a:spcPct val="200000"/>
+              </a:lnSpc>
+              <a:spcBef>
+                <a:spcPts val="0"/>
+              </a:spcBef>
+              <a:spcAft>
+                <a:spcPts val="0"/>
+              </a:spcAft>
+              <a:buSzPts val="1800"/>
+              <a:buChar char="●"/>
             </a:pPr>
             <a:r>
               <a:rPr lang="en"/>
-              <a:t>List comprehension is </a:t>
+              <a:t>While loops can </a:t>
             </a:r>
             <a:r>
               <a:rPr lang="en"/>
-              <a:t>syntactic</a:t>
+              <a:t>iterate</a:t>
             </a:r>
             <a:r>
               <a:rPr lang="en"/>
-              <a:t> sugar that shortens/cleans up our code!</a:t>
+              <a:t> over lists</a:t>
+            </a:r>
+            <a:endParaRPr/>
+          </a:p>
+          <a:p>
+            <a:pPr indent="-342900" lvl="0" marL="457200" rtl="0" algn="l">
+              <a:lnSpc>
+                <a:spcPct val="200000"/>
+              </a:lnSpc>
+              <a:spcBef>
+                <a:spcPts val="0"/>
+              </a:spcBef>
+              <a:spcAft>
+                <a:spcPts val="0"/>
+              </a:spcAft>
+              <a:buSzPts val="1800"/>
+              <a:buChar char="●"/>
+            </a:pPr>
+            <a:r>
+              <a:rPr lang="en"/>
+              <a:t>List Comprehension syntax is the shortest form to iterate over a list</a:t>
             </a:r>
             <a:endParaRPr/>
           </a:p>
@@ -25500,7 +25785,7 @@
       </p:sp>
       <p:pic>
         <p:nvPicPr>
-          <p:cNvPr id="502" name="Google Shape;502;p66"/>
+          <p:cNvPr id="499" name="Google Shape;499;p66"/>
           <p:cNvPicPr preferRelativeResize="0"/>
           <p:nvPr/>
         </p:nvPicPr>
@@ -25514,21 +25799,27 @@
         </p:blipFill>
         <p:spPr>
           <a:xfrm>
-            <a:off x="338150" y="3306038"/>
-            <a:ext cx="4019550" cy="1547275"/>
+            <a:off x="5486246" y="1833350"/>
+            <a:ext cx="2929584" cy="623497"/>
           </a:xfrm>
           <a:prstGeom prst="rect">
             <a:avLst/>
           </a:prstGeom>
           <a:noFill/>
-          <a:ln>
-            <a:noFill/>
+          <a:ln cap="flat" cmpd="sng" w="9525">
+            <a:solidFill>
+              <a:schemeClr val="dk2"/>
+            </a:solidFill>
+            <a:prstDash val="solid"/>
+            <a:round/>
+            <a:headEnd len="sm" w="sm" type="none"/>
+            <a:tailEnd len="sm" w="sm" type="none"/>
           </a:ln>
         </p:spPr>
       </p:pic>
       <p:pic>
         <p:nvPicPr>
-          <p:cNvPr id="503" name="Google Shape;503;p66"/>
+          <p:cNvPr id="500" name="Google Shape;500;p66"/>
           <p:cNvPicPr preferRelativeResize="0"/>
           <p:nvPr/>
         </p:nvPicPr>
@@ -25542,15 +25833,89 @@
         </p:blipFill>
         <p:spPr>
           <a:xfrm>
-            <a:off x="4572000" y="3527225"/>
-            <a:ext cx="4371975" cy="1104900"/>
+            <a:off x="5503328" y="2565102"/>
+            <a:ext cx="2895419" cy="666203"/>
           </a:xfrm>
           <a:prstGeom prst="rect">
             <a:avLst/>
           </a:prstGeom>
           <a:noFill/>
-          <a:ln>
-            <a:noFill/>
+          <a:ln cap="flat" cmpd="sng" w="9525">
+            <a:solidFill>
+              <a:schemeClr val="dk2"/>
+            </a:solidFill>
+            <a:prstDash val="solid"/>
+            <a:round/>
+            <a:headEnd len="sm" w="sm" type="none"/>
+            <a:tailEnd len="sm" w="sm" type="none"/>
+          </a:ln>
+        </p:spPr>
+      </p:pic>
+      <p:pic>
+        <p:nvPicPr>
+          <p:cNvPr id="501" name="Google Shape;501;p66"/>
+          <p:cNvPicPr preferRelativeResize="0"/>
+          <p:nvPr/>
+        </p:nvPicPr>
+        <p:blipFill>
+          <a:blip r:embed="rId5">
+            <a:alphaModFix/>
+          </a:blip>
+          <a:stretch>
+            <a:fillRect/>
+          </a:stretch>
+        </p:blipFill>
+        <p:spPr>
+          <a:xfrm>
+            <a:off x="5481975" y="3339559"/>
+            <a:ext cx="2938125" cy="1016386"/>
+          </a:xfrm>
+          <a:prstGeom prst="rect">
+            <a:avLst/>
+          </a:prstGeom>
+          <a:noFill/>
+          <a:ln cap="flat" cmpd="sng" w="9525">
+            <a:solidFill>
+              <a:schemeClr val="dk2"/>
+            </a:solidFill>
+            <a:prstDash val="solid"/>
+            <a:round/>
+            <a:headEnd len="sm" w="sm" type="none"/>
+            <a:tailEnd len="sm" w="sm" type="none"/>
+          </a:ln>
+        </p:spPr>
+      </p:pic>
+      <p:pic>
+        <p:nvPicPr>
+          <p:cNvPr id="502" name="Google Shape;502;p66"/>
+          <p:cNvPicPr preferRelativeResize="0"/>
+          <p:nvPr/>
+        </p:nvPicPr>
+        <p:blipFill>
+          <a:blip r:embed="rId6">
+            <a:alphaModFix/>
+          </a:blip>
+          <a:stretch>
+            <a:fillRect/>
+          </a:stretch>
+        </p:blipFill>
+        <p:spPr>
+          <a:xfrm>
+            <a:off x="5581095" y="4464200"/>
+            <a:ext cx="2739915" cy="389100"/>
+          </a:xfrm>
+          <a:prstGeom prst="rect">
+            <a:avLst/>
+          </a:prstGeom>
+          <a:noFill/>
+          <a:ln cap="flat" cmpd="sng" w="9525">
+            <a:solidFill>
+              <a:schemeClr val="dk2"/>
+            </a:solidFill>
+            <a:prstDash val="solid"/>
+            <a:round/>
+            <a:headEnd len="sm" w="sm" type="none"/>
+            <a:tailEnd len="sm" w="sm" type="none"/>
           </a:ln>
         </p:spPr>
       </p:pic>
@@ -25567,7 +25932,7 @@
   <p:cSld>
     <p:spTree>
       <p:nvGrpSpPr>
-        <p:cNvPr id="507" name="Shape 507"/>
+        <p:cNvPr id="506" name="Shape 506"/>
         <p:cNvGrpSpPr/>
         <p:nvPr/>
       </p:nvGrpSpPr>
@@ -25581,7 +25946,7 @@
       </p:grpSpPr>
       <p:sp>
         <p:nvSpPr>
-          <p:cNvPr id="508" name="Google Shape;508;p67"/>
+          <p:cNvPr id="507" name="Google Shape;507;p67"/>
           <p:cNvSpPr txBox="1"/>
           <p:nvPr>
             <p:ph type="title"/>
@@ -25621,7 +25986,7 @@
       </p:sp>
       <p:sp>
         <p:nvSpPr>
-          <p:cNvPr id="509" name="Google Shape;509;p67"/>
+          <p:cNvPr id="508" name="Google Shape;508;p67"/>
           <p:cNvSpPr txBox="1"/>
           <p:nvPr>
             <p:ph idx="1" type="body"/>
@@ -25629,8 +25994,8 @@
         </p:nvSpPr>
         <p:spPr>
           <a:xfrm>
-            <a:off x="471900" y="2417725"/>
-            <a:ext cx="8222100" cy="466800"/>
+            <a:off x="471900" y="1919075"/>
+            <a:ext cx="8286300" cy="1195500"/>
           </a:xfrm>
           <a:prstGeom prst="rect">
             <a:avLst/>
@@ -25642,7 +26007,7 @@
           </a:bodyPr>
           <a:lstStyle/>
           <a:p>
-            <a:pPr indent="0" lvl="0" marL="0" rtl="0" algn="ctr">
+            <a:pPr indent="0" lvl="0" marL="0" rtl="0" algn="l">
               <a:spcBef>
                 <a:spcPts val="0"/>
               </a:spcBef>
@@ -25653,12 +26018,12 @@
             </a:pPr>
             <a:r>
               <a:rPr lang="en"/>
-              <a:t>List Comprehension will return a new list, leaving the old one unchanged.</a:t>
+              <a:t>Create a new list of fruits that have ‘a’ in the name. </a:t>
             </a:r>
             <a:endParaRPr/>
           </a:p>
           <a:p>
-            <a:pPr indent="0" lvl="0" marL="0" rtl="0" algn="ctr">
+            <a:pPr indent="0" lvl="0" marL="0" rtl="0" algn="l">
               <a:spcBef>
                 <a:spcPts val="1600"/>
               </a:spcBef>
@@ -25669,7 +26034,15 @@
             </a:pPr>
             <a:r>
               <a:rPr lang="en"/>
-              <a:t>The expression is the current item in the iteration but also the outcome. We can modify the item before it stores in the new list:</a:t>
+              <a:t>List comprehension is </a:t>
+            </a:r>
+            <a:r>
+              <a:rPr lang="en"/>
+              <a:t>syntactic</a:t>
+            </a:r>
+            <a:r>
+              <a:rPr lang="en"/>
+              <a:t> sugar that shortens/cleans up our code!</a:t>
             </a:r>
             <a:endParaRPr/>
           </a:p>
@@ -25677,7 +26050,7 @@
       </p:sp>
       <p:pic>
         <p:nvPicPr>
-          <p:cNvPr id="510" name="Google Shape;510;p67"/>
+          <p:cNvPr id="509" name="Google Shape;509;p67"/>
           <p:cNvPicPr preferRelativeResize="0"/>
           <p:nvPr/>
         </p:nvPicPr>
@@ -25691,27 +26064,21 @@
         </p:blipFill>
         <p:spPr>
           <a:xfrm>
-            <a:off x="1849275" y="1909900"/>
-            <a:ext cx="5467350" cy="342900"/>
+            <a:off x="338150" y="3306038"/>
+            <a:ext cx="4019550" cy="1547275"/>
           </a:xfrm>
           <a:prstGeom prst="rect">
             <a:avLst/>
           </a:prstGeom>
           <a:noFill/>
-          <a:ln cap="flat" cmpd="sng" w="9525">
-            <a:solidFill>
-              <a:schemeClr val="dk2"/>
-            </a:solidFill>
-            <a:prstDash val="solid"/>
-            <a:round/>
-            <a:headEnd len="sm" w="sm" type="none"/>
-            <a:tailEnd len="sm" w="sm" type="none"/>
+          <a:ln>
+            <a:noFill/>
           </a:ln>
         </p:spPr>
       </p:pic>
       <p:pic>
         <p:nvPicPr>
-          <p:cNvPr id="511" name="Google Shape;511;p67"/>
+          <p:cNvPr id="510" name="Google Shape;510;p67"/>
           <p:cNvPicPr preferRelativeResize="0"/>
           <p:nvPr/>
         </p:nvPicPr>
@@ -25725,68 +26092,8 @@
         </p:blipFill>
         <p:spPr>
           <a:xfrm>
-            <a:off x="3068475" y="3795825"/>
-            <a:ext cx="3028950" cy="209550"/>
-          </a:xfrm>
-          <a:prstGeom prst="rect">
-            <a:avLst/>
-          </a:prstGeom>
-          <a:noFill/>
-          <a:ln cap="flat" cmpd="sng" w="9525">
-            <a:solidFill>
-              <a:schemeClr val="dk2"/>
-            </a:solidFill>
-            <a:prstDash val="solid"/>
-            <a:round/>
-            <a:headEnd len="sm" w="sm" type="none"/>
-            <a:tailEnd len="sm" w="sm" type="none"/>
-          </a:ln>
-        </p:spPr>
-      </p:pic>
-      <p:pic>
-        <p:nvPicPr>
-          <p:cNvPr id="512" name="Google Shape;512;p67"/>
-          <p:cNvPicPr preferRelativeResize="0"/>
-          <p:nvPr/>
-        </p:nvPicPr>
-        <p:blipFill>
-          <a:blip r:embed="rId5">
-            <a:alphaModFix/>
-          </a:blip>
-          <a:stretch>
-            <a:fillRect/>
-          </a:stretch>
-        </p:blipFill>
-        <p:spPr>
-          <a:xfrm>
-            <a:off x="2181225" y="4614975"/>
-            <a:ext cx="4781550" cy="266700"/>
-          </a:xfrm>
-          <a:prstGeom prst="rect">
-            <a:avLst/>
-          </a:prstGeom>
-          <a:noFill/>
-          <a:ln cap="flat" cmpd="sng" w="9525">
-            <a:solidFill>
-              <a:schemeClr val="dk2"/>
-            </a:solidFill>
-            <a:prstDash val="solid"/>
-            <a:round/>
-            <a:headEnd len="sm" w="sm" type="none"/>
-            <a:tailEnd len="sm" w="sm" type="none"/>
-          </a:ln>
-        </p:spPr>
-      </p:pic>
-      <p:sp>
-        <p:nvSpPr>
-          <p:cNvPr id="513" name="Google Shape;513;p67"/>
-          <p:cNvSpPr txBox="1"/>
-          <p:nvPr/>
-        </p:nvSpPr>
-        <p:spPr>
-          <a:xfrm>
-            <a:off x="570300" y="4148175"/>
-            <a:ext cx="8003400" cy="466800"/>
+            <a:off x="4572000" y="3527225"/>
+            <a:ext cx="4371975" cy="1104900"/>
           </a:xfrm>
           <a:prstGeom prst="rect">
             <a:avLst/>
@@ -25796,81 +26103,7 @@
             <a:noFill/>
           </a:ln>
         </p:spPr>
-        <p:txBody>
-          <a:bodyPr anchorCtr="0" anchor="t" bIns="91425" lIns="91425" spcFirstLastPara="1" rIns="91425" wrap="square" tIns="91425">
-            <a:noAutofit/>
-          </a:bodyPr>
-          <a:lstStyle/>
-          <a:p>
-            <a:pPr indent="0" lvl="0" marL="0" rtl="0" algn="ctr">
-              <a:spcBef>
-                <a:spcPts val="0"/>
-              </a:spcBef>
-              <a:spcAft>
-                <a:spcPts val="0"/>
-              </a:spcAft>
-              <a:buNone/>
-            </a:pPr>
-            <a:r>
-              <a:rPr lang="en" sz="1800">
-                <a:solidFill>
-                  <a:schemeClr val="lt2"/>
-                </a:solidFill>
-                <a:latin typeface="Roboto"/>
-                <a:ea typeface="Roboto"/>
-                <a:cs typeface="Roboto"/>
-                <a:sym typeface="Roboto"/>
-              </a:rPr>
-              <a:t>Return the item if it is NOT </a:t>
-            </a:r>
-            <a:r>
-              <a:rPr lang="en" sz="1800">
-                <a:solidFill>
-                  <a:schemeClr val="lt2"/>
-                </a:solidFill>
-                <a:latin typeface="Roboto"/>
-                <a:ea typeface="Roboto"/>
-                <a:cs typeface="Roboto"/>
-                <a:sym typeface="Roboto"/>
-              </a:rPr>
-              <a:t>banana</a:t>
-            </a:r>
-            <a:r>
-              <a:rPr lang="en" sz="1800">
-                <a:solidFill>
-                  <a:schemeClr val="lt2"/>
-                </a:solidFill>
-                <a:latin typeface="Roboto"/>
-                <a:ea typeface="Roboto"/>
-                <a:cs typeface="Roboto"/>
-                <a:sym typeface="Roboto"/>
-              </a:rPr>
-              <a:t>, if it IS </a:t>
-            </a:r>
-            <a:r>
-              <a:rPr lang="en" sz="1800">
-                <a:solidFill>
-                  <a:schemeClr val="lt2"/>
-                </a:solidFill>
-                <a:latin typeface="Roboto"/>
-                <a:ea typeface="Roboto"/>
-                <a:cs typeface="Roboto"/>
-                <a:sym typeface="Roboto"/>
-              </a:rPr>
-              <a:t>banana then return orange.</a:t>
-            </a:r>
-            <a:endParaRPr sz="1800">
-              <a:solidFill>
-                <a:schemeClr val="lt2"/>
-              </a:solidFill>
-              <a:latin typeface="Roboto"/>
-              <a:ea typeface="Roboto"/>
-              <a:cs typeface="Roboto"/>
-              <a:sym typeface="Roboto"/>
-            </a:endParaRPr>
-          </a:p>
-        </p:txBody>
-      </p:sp>
+      </p:pic>
     </p:spTree>
   </p:cSld>
   <p:clrMapOvr>
@@ -25884,7 +26117,7 @@
   <p:cSld>
     <p:spTree>
       <p:nvGrpSpPr>
-        <p:cNvPr id="517" name="Shape 517"/>
+        <p:cNvPr id="514" name="Shape 514"/>
         <p:cNvGrpSpPr/>
         <p:nvPr/>
       </p:nvGrpSpPr>
@@ -25898,7 +26131,7 @@
       </p:grpSpPr>
       <p:sp>
         <p:nvSpPr>
-          <p:cNvPr id="518" name="Google Shape;518;p68"/>
+          <p:cNvPr id="515" name="Google Shape;515;p68"/>
           <p:cNvSpPr txBox="1"/>
           <p:nvPr>
             <p:ph type="title"/>
@@ -25930,7 +26163,7 @@
             </a:pPr>
             <a:r>
               <a:rPr lang="en"/>
-              <a:t>Sort Lists</a:t>
+              <a:t>List Comprehension</a:t>
             </a:r>
             <a:endParaRPr/>
           </a:p>
@@ -25938,7 +26171,7 @@
       </p:sp>
       <p:sp>
         <p:nvSpPr>
-          <p:cNvPr id="519" name="Google Shape;519;p68"/>
+          <p:cNvPr id="516" name="Google Shape;516;p68"/>
           <p:cNvSpPr txBox="1"/>
           <p:nvPr>
             <p:ph idx="1" type="body"/>
@@ -25946,8 +26179,8 @@
         </p:nvSpPr>
         <p:spPr>
           <a:xfrm>
-            <a:off x="471900" y="1761250"/>
-            <a:ext cx="8222100" cy="314100"/>
+            <a:off x="471900" y="2417725"/>
+            <a:ext cx="8222100" cy="466800"/>
           </a:xfrm>
           <a:prstGeom prst="rect">
             <a:avLst/>
@@ -25959,18 +26192,34 @@
           </a:bodyPr>
           <a:lstStyle/>
           <a:p>
-            <a:pPr indent="0" lvl="0" marL="0" rtl="0" algn="l">
-              <a:spcBef>
-                <a:spcPts val="0"/>
-              </a:spcBef>
-              <a:spcAft>
+            <a:pPr indent="0" lvl="0" marL="0" rtl="0" algn="ctr">
+              <a:spcBef>
+                <a:spcPts val="0"/>
+              </a:spcBef>
+              <a:spcAft>
+                <a:spcPts val="0"/>
+              </a:spcAft>
+              <a:buNone/>
+            </a:pPr>
+            <a:r>
+              <a:rPr lang="en"/>
+              <a:t>List Comprehension will return a new list, leaving the old one unchanged.</a:t>
+            </a:r>
+            <a:endParaRPr/>
+          </a:p>
+          <a:p>
+            <a:pPr indent="0" lvl="0" marL="0" rtl="0" algn="ctr">
+              <a:spcBef>
                 <a:spcPts val="1600"/>
+              </a:spcBef>
+              <a:spcAft>
+                <a:spcPts val="1600"/>
               </a:spcAft>
               <a:buNone/>
             </a:pPr>
             <a:r>
               <a:rPr lang="en"/>
-              <a:t>Sort Alphabetically/Numerically:</a:t>
+              <a:t>The expression is the current item in the iteration but also the outcome. We can modify the item before it stores in the new list:</a:t>
             </a:r>
             <a:endParaRPr/>
           </a:p>
@@ -25978,7 +26227,7 @@
       </p:sp>
       <p:pic>
         <p:nvPicPr>
-          <p:cNvPr id="520" name="Google Shape;520;p68"/>
+          <p:cNvPr id="517" name="Google Shape;517;p68"/>
           <p:cNvPicPr preferRelativeResize="0"/>
           <p:nvPr/>
         </p:nvPicPr>
@@ -25992,21 +26241,27 @@
         </p:blipFill>
         <p:spPr>
           <a:xfrm>
-            <a:off x="177425" y="2285750"/>
-            <a:ext cx="5667949" cy="572000"/>
+            <a:off x="1849275" y="1909900"/>
+            <a:ext cx="5467350" cy="342900"/>
           </a:xfrm>
           <a:prstGeom prst="rect">
             <a:avLst/>
           </a:prstGeom>
           <a:noFill/>
-          <a:ln>
-            <a:noFill/>
+          <a:ln cap="flat" cmpd="sng" w="9525">
+            <a:solidFill>
+              <a:schemeClr val="dk2"/>
+            </a:solidFill>
+            <a:prstDash val="solid"/>
+            <a:round/>
+            <a:headEnd len="sm" w="sm" type="none"/>
+            <a:tailEnd len="sm" w="sm" type="none"/>
           </a:ln>
         </p:spPr>
       </p:pic>
       <p:pic>
         <p:nvPicPr>
-          <p:cNvPr id="521" name="Google Shape;521;p68"/>
+          <p:cNvPr id="518" name="Google Shape;518;p68"/>
           <p:cNvPicPr preferRelativeResize="0"/>
           <p:nvPr/>
         </p:nvPicPr>
@@ -26020,21 +26275,27 @@
         </p:blipFill>
         <p:spPr>
           <a:xfrm>
-            <a:off x="6293950" y="2296275"/>
-            <a:ext cx="2721450" cy="550928"/>
+            <a:off x="3068475" y="3795825"/>
+            <a:ext cx="3028950" cy="209550"/>
           </a:xfrm>
           <a:prstGeom prst="rect">
             <a:avLst/>
           </a:prstGeom>
           <a:noFill/>
-          <a:ln>
-            <a:noFill/>
+          <a:ln cap="flat" cmpd="sng" w="9525">
+            <a:solidFill>
+              <a:schemeClr val="dk2"/>
+            </a:solidFill>
+            <a:prstDash val="solid"/>
+            <a:round/>
+            <a:headEnd len="sm" w="sm" type="none"/>
+            <a:tailEnd len="sm" w="sm" type="none"/>
           </a:ln>
         </p:spPr>
       </p:pic>
       <p:pic>
         <p:nvPicPr>
-          <p:cNvPr id="522" name="Google Shape;522;p68"/>
+          <p:cNvPr id="519" name="Google Shape;519;p68"/>
           <p:cNvPicPr preferRelativeResize="0"/>
           <p:nvPr/>
         </p:nvPicPr>
@@ -26048,8 +26309,34 @@
         </p:blipFill>
         <p:spPr>
           <a:xfrm>
-            <a:off x="208750" y="3789925"/>
-            <a:ext cx="5667950" cy="547556"/>
+            <a:off x="2181225" y="4614975"/>
+            <a:ext cx="4781550" cy="266700"/>
+          </a:xfrm>
+          <a:prstGeom prst="rect">
+            <a:avLst/>
+          </a:prstGeom>
+          <a:noFill/>
+          <a:ln cap="flat" cmpd="sng" w="9525">
+            <a:solidFill>
+              <a:schemeClr val="dk2"/>
+            </a:solidFill>
+            <a:prstDash val="solid"/>
+            <a:round/>
+            <a:headEnd len="sm" w="sm" type="none"/>
+            <a:tailEnd len="sm" w="sm" type="none"/>
+          </a:ln>
+        </p:spPr>
+      </p:pic>
+      <p:sp>
+        <p:nvSpPr>
+          <p:cNvPr id="520" name="Google Shape;520;p68"/>
+          <p:cNvSpPr txBox="1"/>
+          <p:nvPr/>
+        </p:nvSpPr>
+        <p:spPr>
+          <a:xfrm>
+            <a:off x="570300" y="4148175"/>
+            <a:ext cx="8003400" cy="466800"/>
           </a:xfrm>
           <a:prstGeom prst="rect">
             <a:avLst/>
@@ -26058,52 +26345,6 @@
           <a:ln>
             <a:noFill/>
           </a:ln>
-        </p:spPr>
-      </p:pic>
-      <p:pic>
-        <p:nvPicPr>
-          <p:cNvPr id="523" name="Google Shape;523;p68"/>
-          <p:cNvPicPr preferRelativeResize="0"/>
-          <p:nvPr/>
-        </p:nvPicPr>
-        <p:blipFill>
-          <a:blip r:embed="rId6">
-            <a:alphaModFix/>
-          </a:blip>
-          <a:stretch>
-            <a:fillRect/>
-          </a:stretch>
-        </p:blipFill>
-        <p:spPr>
-          <a:xfrm>
-            <a:off x="6293950" y="3789925"/>
-            <a:ext cx="2721450" cy="476759"/>
-          </a:xfrm>
-          <a:prstGeom prst="rect">
-            <a:avLst/>
-          </a:prstGeom>
-          <a:noFill/>
-          <a:ln>
-            <a:noFill/>
-          </a:ln>
-        </p:spPr>
-      </p:pic>
-      <p:sp>
-        <p:nvSpPr>
-          <p:cNvPr id="524" name="Google Shape;524;p68"/>
-          <p:cNvSpPr txBox="1"/>
-          <p:nvPr>
-            <p:ph idx="1" type="body"/>
-          </p:nvPr>
-        </p:nvSpPr>
-        <p:spPr>
-          <a:xfrm>
-            <a:off x="471900" y="3275500"/>
-            <a:ext cx="8222100" cy="314100"/>
-          </a:xfrm>
-          <a:prstGeom prst="rect">
-            <a:avLst/>
-          </a:prstGeom>
         </p:spPr>
         <p:txBody>
           <a:bodyPr anchorCtr="0" anchor="t" bIns="91425" lIns="91425" spcFirstLastPara="1" rIns="91425" wrap="square" tIns="91425">
@@ -26111,20 +26352,72 @@
           </a:bodyPr>
           <a:lstStyle/>
           <a:p>
-            <a:pPr indent="0" lvl="0" marL="0" rtl="0" algn="l">
-              <a:spcBef>
-                <a:spcPts val="0"/>
-              </a:spcBef>
-              <a:spcAft>
-                <a:spcPts val="1600"/>
-              </a:spcAft>
-              <a:buNone/>
-            </a:pPr>
-            <a:r>
-              <a:rPr lang="en"/>
-              <a:t>Sort descending:</a:t>
-            </a:r>
-            <a:endParaRPr/>
+            <a:pPr indent="0" lvl="0" marL="0" rtl="0" algn="ctr">
+              <a:spcBef>
+                <a:spcPts val="0"/>
+              </a:spcBef>
+              <a:spcAft>
+                <a:spcPts val="0"/>
+              </a:spcAft>
+              <a:buNone/>
+            </a:pPr>
+            <a:r>
+              <a:rPr lang="en" sz="1800">
+                <a:solidFill>
+                  <a:schemeClr val="lt2"/>
+                </a:solidFill>
+                <a:latin typeface="Roboto"/>
+                <a:ea typeface="Roboto"/>
+                <a:cs typeface="Roboto"/>
+                <a:sym typeface="Roboto"/>
+              </a:rPr>
+              <a:t>Return the item if it is NOT </a:t>
+            </a:r>
+            <a:r>
+              <a:rPr lang="en" sz="1800">
+                <a:solidFill>
+                  <a:schemeClr val="lt2"/>
+                </a:solidFill>
+                <a:latin typeface="Roboto"/>
+                <a:ea typeface="Roboto"/>
+                <a:cs typeface="Roboto"/>
+                <a:sym typeface="Roboto"/>
+              </a:rPr>
+              <a:t>banana</a:t>
+            </a:r>
+            <a:r>
+              <a:rPr lang="en" sz="1800">
+                <a:solidFill>
+                  <a:schemeClr val="lt2"/>
+                </a:solidFill>
+                <a:latin typeface="Roboto"/>
+                <a:ea typeface="Roboto"/>
+                <a:cs typeface="Roboto"/>
+                <a:sym typeface="Roboto"/>
+              </a:rPr>
+              <a:t>, if it IS </a:t>
+            </a:r>
+            <a:r>
+              <a:rPr lang="en" sz="1800">
+                <a:solidFill>
+                  <a:schemeClr val="lt2"/>
+                </a:solidFill>
+                <a:latin typeface="Roboto"/>
+                <a:ea typeface="Roboto"/>
+                <a:cs typeface="Roboto"/>
+                <a:sym typeface="Roboto"/>
+              </a:rPr>
+              <a:t>banana then return orange.</a:t>
+            </a:r>
+            <a:endParaRPr sz="1800">
+              <a:solidFill>
+                <a:schemeClr val="lt2"/>
+              </a:solidFill>
+              <a:latin typeface="Roboto"/>
+              <a:ea typeface="Roboto"/>
+              <a:cs typeface="Roboto"/>
+              <a:sym typeface="Roboto"/>
+            </a:endParaRPr>
           </a:p>
         </p:txBody>
       </p:sp>
@@ -26141,7 +26434,7 @@
   <p:cSld>
     <p:spTree>
       <p:nvGrpSpPr>
-        <p:cNvPr id="528" name="Shape 528"/>
+        <p:cNvPr id="524" name="Shape 524"/>
         <p:cNvGrpSpPr/>
         <p:nvPr/>
       </p:nvGrpSpPr>
@@ -26155,7 +26448,7 @@
       </p:grpSpPr>
       <p:sp>
         <p:nvSpPr>
-          <p:cNvPr id="529" name="Google Shape;529;p69"/>
+          <p:cNvPr id="525" name="Google Shape;525;p69"/>
           <p:cNvSpPr txBox="1"/>
           <p:nvPr>
             <p:ph type="title"/>
@@ -26187,7 +26480,7 @@
             </a:pPr>
             <a:r>
               <a:rPr lang="en"/>
-              <a:t>Case Insensitive Sort</a:t>
+              <a:t>Sort Lists</a:t>
             </a:r>
             <a:endParaRPr/>
           </a:p>
@@ -26195,7 +26488,7 @@
       </p:sp>
       <p:sp>
         <p:nvSpPr>
-          <p:cNvPr id="530" name="Google Shape;530;p69"/>
+          <p:cNvPr id="526" name="Google Shape;526;p69"/>
           <p:cNvSpPr txBox="1"/>
           <p:nvPr>
             <p:ph idx="1" type="body"/>
@@ -26203,8 +26496,8 @@
         </p:nvSpPr>
         <p:spPr>
           <a:xfrm>
-            <a:off x="460950" y="1798650"/>
-            <a:ext cx="8222100" cy="358500"/>
+            <a:off x="471900" y="1761250"/>
+            <a:ext cx="8222100" cy="314100"/>
           </a:xfrm>
           <a:prstGeom prst="rect">
             <a:avLst/>
@@ -26227,7 +26520,7 @@
             </a:pPr>
             <a:r>
               <a:rPr lang="en"/>
-              <a:t>This gives unexpected results (sorts uppercase words first)</a:t>
+              <a:t>Sort Alphabetically/Numerically:</a:t>
             </a:r>
             <a:endParaRPr/>
           </a:p>
@@ -26235,7 +26528,7 @@
       </p:sp>
       <p:pic>
         <p:nvPicPr>
-          <p:cNvPr id="531" name="Google Shape;531;p69"/>
+          <p:cNvPr id="527" name="Google Shape;527;p69"/>
           <p:cNvPicPr preferRelativeResize="0"/>
           <p:nvPr/>
         </p:nvPicPr>
@@ -26249,8 +26542,8 @@
         </p:blipFill>
         <p:spPr>
           <a:xfrm>
-            <a:off x="2165888" y="2282275"/>
-            <a:ext cx="4880875" cy="622925"/>
+            <a:off x="177425" y="2285750"/>
+            <a:ext cx="5667949" cy="572000"/>
           </a:xfrm>
           <a:prstGeom prst="rect">
             <a:avLst/>
@@ -26263,7 +26556,7 @@
       </p:pic>
       <p:pic>
         <p:nvPicPr>
-          <p:cNvPr id="532" name="Google Shape;532;p69"/>
+          <p:cNvPr id="528" name="Google Shape;528;p69"/>
           <p:cNvPicPr preferRelativeResize="0"/>
           <p:nvPr/>
         </p:nvPicPr>
@@ -26277,8 +26570,8 @@
         </p:blipFill>
         <p:spPr>
           <a:xfrm>
-            <a:off x="1600200" y="3681050"/>
-            <a:ext cx="5943600" cy="752475"/>
+            <a:off x="6293950" y="2296275"/>
+            <a:ext cx="2721450" cy="550928"/>
           </a:xfrm>
           <a:prstGeom prst="rect">
             <a:avLst/>
@@ -26289,9 +26582,65 @@
           </a:ln>
         </p:spPr>
       </p:pic>
-      <p:sp>
-        <p:nvSpPr>
-          <p:cNvPr id="533" name="Google Shape;533;p69"/>
+      <p:pic>
+        <p:nvPicPr>
+          <p:cNvPr id="529" name="Google Shape;529;p69"/>
+          <p:cNvPicPr preferRelativeResize="0"/>
+          <p:nvPr/>
+        </p:nvPicPr>
+        <p:blipFill>
+          <a:blip r:embed="rId5">
+            <a:alphaModFix/>
+          </a:blip>
+          <a:stretch>
+            <a:fillRect/>
+          </a:stretch>
+        </p:blipFill>
+        <p:spPr>
+          <a:xfrm>
+            <a:off x="208750" y="3789925"/>
+            <a:ext cx="5667950" cy="547556"/>
+          </a:xfrm>
+          <a:prstGeom prst="rect">
+            <a:avLst/>
+          </a:prstGeom>
+          <a:noFill/>
+          <a:ln>
+            <a:noFill/>
+          </a:ln>
+        </p:spPr>
+      </p:pic>
+      <p:pic>
+        <p:nvPicPr>
+          <p:cNvPr id="530" name="Google Shape;530;p69"/>
+          <p:cNvPicPr preferRelativeResize="0"/>
+          <p:nvPr/>
+        </p:nvPicPr>
+        <p:blipFill>
+          <a:blip r:embed="rId6">
+            <a:alphaModFix/>
+          </a:blip>
+          <a:stretch>
+            <a:fillRect/>
+          </a:stretch>
+        </p:blipFill>
+        <p:spPr>
+          <a:xfrm>
+            <a:off x="6293950" y="3789925"/>
+            <a:ext cx="2721450" cy="476759"/>
+          </a:xfrm>
+          <a:prstGeom prst="rect">
+            <a:avLst/>
+          </a:prstGeom>
+          <a:noFill/>
+          <a:ln>
+            <a:noFill/>
+          </a:ln>
+        </p:spPr>
+      </p:pic>
+      <p:sp>
+        <p:nvSpPr>
+          <p:cNvPr id="531" name="Google Shape;531;p69"/>
           <p:cNvSpPr txBox="1"/>
           <p:nvPr>
             <p:ph idx="1" type="body"/>
@@ -26299,8 +26648,8 @@
         </p:nvSpPr>
         <p:spPr>
           <a:xfrm>
-            <a:off x="572425" y="2903800"/>
-            <a:ext cx="8222100" cy="358500"/>
+            <a:off x="471900" y="3275500"/>
+            <a:ext cx="8222100" cy="314100"/>
           </a:xfrm>
           <a:prstGeom prst="rect">
             <a:avLst/>
@@ -26323,7 +26672,7 @@
             </a:pPr>
             <a:r>
               <a:rPr lang="en"/>
-              <a:t>Set all values to lowercase before your sort, thus making it case-insensitive (won’t permanently change the values):</a:t>
+              <a:t>Sort descending:</a:t>
             </a:r>
             <a:endParaRPr/>
           </a:p>
@@ -26342,7 +26691,7 @@
   <p:cSld>
     <p:spTree>
       <p:nvGrpSpPr>
-        <p:cNvPr id="537" name="Shape 537"/>
+        <p:cNvPr id="535" name="Shape 535"/>
         <p:cNvGrpSpPr/>
         <p:nvPr/>
       </p:nvGrpSpPr>
@@ -26356,7 +26705,7 @@
       </p:grpSpPr>
       <p:sp>
         <p:nvSpPr>
-          <p:cNvPr id="538" name="Google Shape;538;p70"/>
+          <p:cNvPr id="536" name="Google Shape;536;p70"/>
           <p:cNvSpPr txBox="1"/>
           <p:nvPr>
             <p:ph type="title"/>
@@ -26388,7 +26737,7 @@
             </a:pPr>
             <a:r>
               <a:rPr lang="en"/>
-              <a:t>Custom Sort</a:t>
+              <a:t>Case Insensitive Sort</a:t>
             </a:r>
             <a:endParaRPr/>
           </a:p>
@@ -26396,7 +26745,7 @@
       </p:sp>
       <p:sp>
         <p:nvSpPr>
-          <p:cNvPr id="539" name="Google Shape;539;p70"/>
+          <p:cNvPr id="537" name="Google Shape;537;p70"/>
           <p:cNvSpPr txBox="1"/>
           <p:nvPr>
             <p:ph idx="1" type="body"/>
@@ -26404,8 +26753,8 @@
         </p:nvSpPr>
         <p:spPr>
           <a:xfrm>
-            <a:off x="471900" y="1919075"/>
-            <a:ext cx="3886800" cy="2997000"/>
+            <a:off x="460950" y="1798650"/>
+            <a:ext cx="8222100" cy="358500"/>
           </a:xfrm>
           <a:prstGeom prst="rect">
             <a:avLst/>
@@ -26417,57 +26766,18 @@
           </a:bodyPr>
           <a:lstStyle/>
           <a:p>
-            <a:pPr indent="-342900" lvl="0" marL="457200" rtl="0" algn="l">
-              <a:spcBef>
-                <a:spcPts val="0"/>
-              </a:spcBef>
-              <a:spcAft>
-                <a:spcPts val="0"/>
-              </a:spcAft>
-              <a:buSzPts val="1800"/>
-              <a:buChar char="-"/>
+            <a:pPr indent="0" lvl="0" marL="0" rtl="0" algn="l">
+              <a:spcBef>
+                <a:spcPts val="0"/>
+              </a:spcBef>
+              <a:spcAft>
+                <a:spcPts val="1600"/>
+              </a:spcAft>
+              <a:buNone/>
             </a:pPr>
             <a:r>
               <a:rPr lang="en"/>
-              <a:t>Define a function to use as a sorting </a:t>
-            </a:r>
-            <a:r>
-              <a:rPr lang="en"/>
-              <a:t>algorithm</a:t>
-            </a:r>
-            <a:endParaRPr/>
-          </a:p>
-          <a:p>
-            <a:pPr indent="-342900" lvl="0" marL="457200" rtl="0" algn="l">
-              <a:spcBef>
-                <a:spcPts val="0"/>
-              </a:spcBef>
-              <a:spcAft>
-                <a:spcPts val="0"/>
-              </a:spcAft>
-              <a:buSzPts val="1800"/>
-              <a:buChar char="-"/>
-            </a:pPr>
-            <a:r>
-              <a:rPr lang="en"/>
-              <a:t>The first example will sort the list from least&gt;most words</a:t>
-            </a:r>
-            <a:endParaRPr/>
-          </a:p>
-          <a:p>
-            <a:pPr indent="-342900" lvl="0" marL="457200" rtl="0" algn="l">
-              <a:spcBef>
-                <a:spcPts val="0"/>
-              </a:spcBef>
-              <a:spcAft>
-                <a:spcPts val="0"/>
-              </a:spcAft>
-              <a:buSzPts val="1800"/>
-              <a:buChar char="-"/>
-            </a:pPr>
-            <a:r>
-              <a:rPr lang="en"/>
-              <a:t>We can have more than one key; The second example uses this to reverse the list</a:t>
+              <a:t>This gives unexpected results (sorts uppercase words first)</a:t>
             </a:r>
             <a:endParaRPr/>
           </a:p>
@@ -26475,7 +26785,7 @@
       </p:sp>
       <p:pic>
         <p:nvPicPr>
-          <p:cNvPr id="540" name="Google Shape;540;p70"/>
+          <p:cNvPr id="538" name="Google Shape;538;p70"/>
           <p:cNvPicPr preferRelativeResize="0"/>
           <p:nvPr/>
         </p:nvPicPr>
@@ -26489,8 +26799,8 @@
         </p:blipFill>
         <p:spPr>
           <a:xfrm>
-            <a:off x="4634275" y="1871025"/>
-            <a:ext cx="3360075" cy="1569450"/>
+            <a:off x="2165888" y="2282275"/>
+            <a:ext cx="4880875" cy="622925"/>
           </a:xfrm>
           <a:prstGeom prst="rect">
             <a:avLst/>
@@ -26503,7 +26813,7 @@
       </p:pic>
       <p:pic>
         <p:nvPicPr>
-          <p:cNvPr id="541" name="Google Shape;541;p70"/>
+          <p:cNvPr id="539" name="Google Shape;539;p70"/>
           <p:cNvPicPr preferRelativeResize="0"/>
           <p:nvPr/>
         </p:nvPicPr>
@@ -26517,8 +26827,8 @@
         </p:blipFill>
         <p:spPr>
           <a:xfrm>
-            <a:off x="4734213" y="3521925"/>
-            <a:ext cx="3160200" cy="1489075"/>
+            <a:off x="1600200" y="3681050"/>
+            <a:ext cx="5943600" cy="752475"/>
           </a:xfrm>
           <a:prstGeom prst="rect">
             <a:avLst/>
@@ -26529,6 +26839,46 @@
           </a:ln>
         </p:spPr>
       </p:pic>
+      <p:sp>
+        <p:nvSpPr>
+          <p:cNvPr id="540" name="Google Shape;540;p70"/>
+          <p:cNvSpPr txBox="1"/>
+          <p:nvPr>
+            <p:ph idx="1" type="body"/>
+          </p:nvPr>
+        </p:nvSpPr>
+        <p:spPr>
+          <a:xfrm>
+            <a:off x="572425" y="2903800"/>
+            <a:ext cx="8222100" cy="358500"/>
+          </a:xfrm>
+          <a:prstGeom prst="rect">
+            <a:avLst/>
+          </a:prstGeom>
+        </p:spPr>
+        <p:txBody>
+          <a:bodyPr anchorCtr="0" anchor="t" bIns="91425" lIns="91425" spcFirstLastPara="1" rIns="91425" wrap="square" tIns="91425">
+            <a:noAutofit/>
+          </a:bodyPr>
+          <a:lstStyle/>
+          <a:p>
+            <a:pPr indent="0" lvl="0" marL="0" rtl="0" algn="l">
+              <a:spcBef>
+                <a:spcPts val="0"/>
+              </a:spcBef>
+              <a:spcAft>
+                <a:spcPts val="1600"/>
+              </a:spcAft>
+              <a:buNone/>
+            </a:pPr>
+            <a:r>
+              <a:rPr lang="en"/>
+              <a:t>Set all values to lowercase before your sort, thus making it case-insensitive (won’t permanently change the values):</a:t>
+            </a:r>
+            <a:endParaRPr/>
+          </a:p>
+        </p:txBody>
+      </p:sp>
     </p:spTree>
   </p:cSld>
   <p:clrMapOvr>
@@ -26542,7 +26892,7 @@
   <p:cSld>
     <p:spTree>
       <p:nvGrpSpPr>
-        <p:cNvPr id="545" name="Shape 545"/>
+        <p:cNvPr id="544" name="Shape 544"/>
         <p:cNvGrpSpPr/>
         <p:nvPr/>
       </p:nvGrpSpPr>
@@ -26556,7 +26906,7 @@
       </p:grpSpPr>
       <p:sp>
         <p:nvSpPr>
-          <p:cNvPr id="546" name="Google Shape;546;p71"/>
+          <p:cNvPr id="545" name="Google Shape;545;p71"/>
           <p:cNvSpPr txBox="1"/>
           <p:nvPr>
             <p:ph type="title"/>
@@ -26588,7 +26938,86 @@
             </a:pPr>
             <a:r>
               <a:rPr lang="en"/>
-              <a:t>Reversing a list</a:t>
+              <a:t>Custom Sort</a:t>
+            </a:r>
+            <a:endParaRPr/>
+          </a:p>
+        </p:txBody>
+      </p:sp>
+      <p:sp>
+        <p:nvSpPr>
+          <p:cNvPr id="546" name="Google Shape;546;p71"/>
+          <p:cNvSpPr txBox="1"/>
+          <p:nvPr>
+            <p:ph idx="1" type="body"/>
+          </p:nvPr>
+        </p:nvSpPr>
+        <p:spPr>
+          <a:xfrm>
+            <a:off x="471900" y="1919075"/>
+            <a:ext cx="3886800" cy="2997000"/>
+          </a:xfrm>
+          <a:prstGeom prst="rect">
+            <a:avLst/>
+          </a:prstGeom>
+        </p:spPr>
+        <p:txBody>
+          <a:bodyPr anchorCtr="0" anchor="t" bIns="91425" lIns="91425" spcFirstLastPara="1" rIns="91425" wrap="square" tIns="91425">
+            <a:noAutofit/>
+          </a:bodyPr>
+          <a:lstStyle/>
+          <a:p>
+            <a:pPr indent="-342900" lvl="0" marL="457200" rtl="0" algn="l">
+              <a:spcBef>
+                <a:spcPts val="0"/>
+              </a:spcBef>
+              <a:spcAft>
+                <a:spcPts val="0"/>
+              </a:spcAft>
+              <a:buSzPts val="1800"/>
+              <a:buChar char="-"/>
+            </a:pPr>
+            <a:r>
+              <a:rPr lang="en"/>
+              <a:t>Define a function to use as a sorting </a:t>
+            </a:r>
+            <a:r>
+              <a:rPr lang="en"/>
+              <a:t>algorithm</a:t>
+            </a:r>
+            <a:endParaRPr/>
+          </a:p>
+          <a:p>
+            <a:pPr indent="-342900" lvl="0" marL="457200" rtl="0" algn="l">
+              <a:spcBef>
+                <a:spcPts val="0"/>
+              </a:spcBef>
+              <a:spcAft>
+                <a:spcPts val="0"/>
+              </a:spcAft>
+              <a:buSzPts val="1800"/>
+              <a:buChar char="-"/>
+            </a:pPr>
+            <a:r>
+              <a:rPr lang="en"/>
+              <a:t>The first example will sort the list from least&gt;most words</a:t>
+            </a:r>
+            <a:endParaRPr/>
+          </a:p>
+          <a:p>
+            <a:pPr indent="-342900" lvl="0" marL="457200" rtl="0" algn="l">
+              <a:spcBef>
+                <a:spcPts val="0"/>
+              </a:spcBef>
+              <a:spcAft>
+                <a:spcPts val="0"/>
+              </a:spcAft>
+              <a:buSzPts val="1800"/>
+              <a:buChar char="-"/>
+            </a:pPr>
+            <a:r>
+              <a:rPr lang="en"/>
+              <a:t>We can have more than one key; The second example uses this to reverse the list</a:t>
             </a:r>
             <a:endParaRPr/>
           </a:p>
@@ -26610,8 +27039,8 @@
         </p:blipFill>
         <p:spPr>
           <a:xfrm>
-            <a:off x="1577813" y="2028825"/>
-            <a:ext cx="6010275" cy="1085850"/>
+            <a:off x="4634275" y="1871025"/>
+            <a:ext cx="3360075" cy="1569450"/>
           </a:xfrm>
           <a:prstGeom prst="rect">
             <a:avLst/>
@@ -26638,8 +27067,8 @@
         </p:blipFill>
         <p:spPr>
           <a:xfrm>
-            <a:off x="2105025" y="3576850"/>
-            <a:ext cx="4933950" cy="476250"/>
+            <a:off x="4734213" y="3521925"/>
+            <a:ext cx="3160200" cy="1489075"/>
           </a:xfrm>
           <a:prstGeom prst="rect">
             <a:avLst/>
@@ -26913,57 +27342,68 @@
             </a:pPr>
             <a:r>
               <a:rPr lang="en"/>
-              <a:t>Other list methods</a:t>
+              <a:t>Reversing a list</a:t>
             </a:r>
             <a:endParaRPr/>
           </a:p>
         </p:txBody>
       </p:sp>
-      <p:sp>
-        <p:nvSpPr>
+      <p:pic>
+        <p:nvPicPr>
           <p:cNvPr id="554" name="Google Shape;554;p72"/>
-          <p:cNvSpPr txBox="1"/>
-          <p:nvPr>
-            <p:ph idx="1" type="body"/>
-          </p:nvPr>
-        </p:nvSpPr>
-        <p:spPr>
-          <a:xfrm>
-            <a:off x="471900" y="1919075"/>
-            <a:ext cx="8222100" cy="2710200"/>
-          </a:xfrm>
-          <a:prstGeom prst="rect">
-            <a:avLst/>
-          </a:prstGeom>
-        </p:spPr>
-        <p:txBody>
-          <a:bodyPr anchorCtr="0" anchor="t" bIns="91425" lIns="91425" spcFirstLastPara="1" rIns="91425" wrap="square" tIns="91425">
-            <a:noAutofit/>
-          </a:bodyPr>
-          <a:lstStyle/>
-          <a:p>
-            <a:pPr indent="0" lvl="0" marL="0" rtl="0" algn="l">
-              <a:spcBef>
-                <a:spcPts val="0"/>
-              </a:spcBef>
-              <a:spcAft>
-                <a:spcPts val="1600"/>
-              </a:spcAft>
-              <a:buNone/>
-            </a:pPr>
-            <a:r>
-              <a:rPr lang="en" u="sng">
-                <a:solidFill>
-                  <a:schemeClr val="hlink"/>
-                </a:solidFill>
-                <a:hlinkClick r:id="rId3"/>
-              </a:rPr>
-              <a:t>List Method Reference</a:t>
-            </a:r>
-            <a:endParaRPr/>
-          </a:p>
-        </p:txBody>
-      </p:sp>
+          <p:cNvPicPr preferRelativeResize="0"/>
+          <p:nvPr/>
+        </p:nvPicPr>
+        <p:blipFill>
+          <a:blip r:embed="rId3">
+            <a:alphaModFix/>
+          </a:blip>
+          <a:stretch>
+            <a:fillRect/>
+          </a:stretch>
+        </p:blipFill>
+        <p:spPr>
+          <a:xfrm>
+            <a:off x="1577813" y="2028825"/>
+            <a:ext cx="6010275" cy="1085850"/>
+          </a:xfrm>
+          <a:prstGeom prst="rect">
+            <a:avLst/>
+          </a:prstGeom>
+          <a:noFill/>
+          <a:ln>
+            <a:noFill/>
+          </a:ln>
+        </p:spPr>
+      </p:pic>
+      <p:pic>
+        <p:nvPicPr>
+          <p:cNvPr id="555" name="Google Shape;555;p72"/>
+          <p:cNvPicPr preferRelativeResize="0"/>
+          <p:nvPr/>
+        </p:nvPicPr>
+        <p:blipFill>
+          <a:blip r:embed="rId4">
+            <a:alphaModFix/>
+          </a:blip>
+          <a:stretch>
+            <a:fillRect/>
+          </a:stretch>
+        </p:blipFill>
+        <p:spPr>
+          <a:xfrm>
+            <a:off x="2105025" y="3576850"/>
+            <a:ext cx="4933950" cy="476250"/>
+          </a:xfrm>
+          <a:prstGeom prst="rect">
+            <a:avLst/>
+          </a:prstGeom>
+          <a:noFill/>
+          <a:ln>
+            <a:noFill/>
+          </a:ln>
+        </p:spPr>
+      </p:pic>
     </p:spTree>
   </p:cSld>
   <p:clrMapOvr>
@@ -26977,7 +27417,7 @@
   <p:cSld>
     <p:spTree>
       <p:nvGrpSpPr>
-        <p:cNvPr id="558" name="Shape 558"/>
+        <p:cNvPr id="559" name="Shape 559"/>
         <p:cNvGrpSpPr/>
         <p:nvPr/>
       </p:nvGrpSpPr>
@@ -26991,7 +27431,7 @@
       </p:grpSpPr>
       <p:sp>
         <p:nvSpPr>
-          <p:cNvPr id="559" name="Google Shape;559;p73"/>
+          <p:cNvPr id="560" name="Google Shape;560;p73"/>
           <p:cNvSpPr txBox="1"/>
           <p:nvPr>
             <p:ph type="title"/>
@@ -27023,7 +27463,7 @@
             </a:pPr>
             <a:r>
               <a:rPr lang="en"/>
-              <a:t>Tuples</a:t>
+              <a:t>Other list methods</a:t>
             </a:r>
             <a:endParaRPr/>
           </a:p>
@@ -27031,7 +27471,7 @@
       </p:sp>
       <p:sp>
         <p:nvSpPr>
-          <p:cNvPr id="560" name="Google Shape;560;p73"/>
+          <p:cNvPr id="561" name="Google Shape;561;p73"/>
           <p:cNvSpPr txBox="1"/>
           <p:nvPr>
             <p:ph idx="1" type="body"/>
@@ -27040,7 +27480,7 @@
         <p:spPr>
           <a:xfrm>
             <a:off x="471900" y="1919075"/>
-            <a:ext cx="8222100" cy="471900"/>
+            <a:ext cx="8222100" cy="2710200"/>
           </a:xfrm>
           <a:prstGeom prst="rect">
             <a:avLst/>
@@ -27057,97 +27497,23 @@
                 <a:spcPts val="0"/>
               </a:spcBef>
               <a:spcAft>
-                <a:spcPts val="0"/>
-              </a:spcAft>
-              <a:buNone/>
-            </a:pPr>
-            <a:r>
-              <a:rPr lang="en"/>
-              <a:t>Remember Tuples are: </a:t>
+                <a:spcPts val="1600"/>
+              </a:spcAft>
+              <a:buNone/>
+            </a:pPr>
+            <a:r>
+              <a:rPr lang="en" u="sng">
+                <a:solidFill>
+                  <a:schemeClr val="hlink"/>
+                </a:solidFill>
+                <a:hlinkClick r:id="rId3"/>
+              </a:rPr>
+              <a:t>List Method Reference</a:t>
             </a:r>
             <a:endParaRPr/>
           </a:p>
-          <a:p>
-            <a:pPr indent="-342900" lvl="0" marL="457200" rtl="0" algn="l">
-              <a:spcBef>
-                <a:spcPts val="1600"/>
-              </a:spcBef>
-              <a:spcAft>
-                <a:spcPts val="0"/>
-              </a:spcAft>
-              <a:buSzPts val="1800"/>
-              <a:buChar char="-"/>
-            </a:pPr>
-            <a:r>
-              <a:rPr lang="en"/>
-              <a:t>Ordered, allows duplicates, &amp; unchangeable</a:t>
-            </a:r>
-            <a:endParaRPr/>
-          </a:p>
-          <a:p>
-            <a:pPr indent="-342900" lvl="0" marL="457200" rtl="0" algn="l">
-              <a:spcBef>
-                <a:spcPts val="0"/>
-              </a:spcBef>
-              <a:spcAft>
-                <a:spcPts val="0"/>
-              </a:spcAft>
-              <a:buSzPts val="1800"/>
-              <a:buChar char="-"/>
-            </a:pPr>
-            <a:r>
-              <a:rPr lang="en"/>
-              <a:t>Can be any type &amp; tuples can have mixed types</a:t>
-            </a:r>
-            <a:endParaRPr/>
-          </a:p>
-          <a:p>
-            <a:pPr indent="-342900" lvl="0" marL="457200" rtl="0" algn="l">
-              <a:spcBef>
-                <a:spcPts val="0"/>
-              </a:spcBef>
-              <a:spcAft>
-                <a:spcPts val="0"/>
-              </a:spcAft>
-              <a:buSzPts val="1800"/>
-              <a:buChar char="-"/>
-            </a:pPr>
-            <a:r>
-              <a:rPr lang="en"/>
-              <a:t>Access syntax is identical to lists</a:t>
-            </a:r>
-            <a:endParaRPr/>
-          </a:p>
         </p:txBody>
       </p:sp>
-      <p:pic>
-        <p:nvPicPr>
-          <p:cNvPr id="561" name="Google Shape;561;p73"/>
-          <p:cNvPicPr preferRelativeResize="0"/>
-          <p:nvPr/>
-        </p:nvPicPr>
-        <p:blipFill>
-          <a:blip r:embed="rId3">
-            <a:alphaModFix/>
-          </a:blip>
-          <a:stretch>
-            <a:fillRect/>
-          </a:stretch>
-        </p:blipFill>
-        <p:spPr>
-          <a:xfrm>
-            <a:off x="2130250" y="3706500"/>
-            <a:ext cx="4905375" cy="419100"/>
-          </a:xfrm>
-          <a:prstGeom prst="rect">
-            <a:avLst/>
-          </a:prstGeom>
-          <a:noFill/>
-          <a:ln>
-            <a:noFill/>
-          </a:ln>
-        </p:spPr>
-      </p:pic>
     </p:spTree>
   </p:cSld>
   <p:clrMapOvr>
@@ -27224,7 +27590,7 @@
         <p:spPr>
           <a:xfrm>
             <a:off x="471900" y="1919075"/>
-            <a:ext cx="3764100" cy="2710200"/>
+            <a:ext cx="8222100" cy="471900"/>
           </a:xfrm>
           <a:prstGeom prst="rect">
             <a:avLst/>
@@ -27236,9 +27602,25 @@
           </a:bodyPr>
           <a:lstStyle/>
           <a:p>
+            <a:pPr indent="0" lvl="0" marL="0" rtl="0" algn="l">
+              <a:spcBef>
+                <a:spcPts val="0"/>
+              </a:spcBef>
+              <a:spcAft>
+                <a:spcPts val="0"/>
+              </a:spcAft>
+              <a:buNone/>
+            </a:pPr>
+            <a:r>
+              <a:rPr lang="en"/>
+              <a:t>Remember Tuples are: </a:t>
+            </a:r>
+            <a:endParaRPr/>
+          </a:p>
+          <a:p>
             <a:pPr indent="-342900" lvl="0" marL="457200" rtl="0" algn="l">
               <a:spcBef>
-                <a:spcPts val="0"/>
+                <a:spcPts val="1600"/>
               </a:spcBef>
               <a:spcAft>
                 <a:spcPts val="0"/>
@@ -27248,58 +27630,41 @@
             </a:pPr>
             <a:r>
               <a:rPr lang="en"/>
-              <a:t>We can’t change a tuple, but we can:</a:t>
+              <a:t>Ordered, allows duplicates, &amp; unchangeable</a:t>
             </a:r>
             <a:endParaRPr/>
           </a:p>
           <a:p>
-            <a:pPr indent="-317500" lvl="1" marL="914400" rtl="0" algn="l">
-              <a:spcBef>
-                <a:spcPts val="0"/>
-              </a:spcBef>
-              <a:spcAft>
-                <a:spcPts val="0"/>
-              </a:spcAft>
-              <a:buSzPts val="1400"/>
+            <a:pPr indent="-342900" lvl="0" marL="457200" rtl="0" algn="l">
+              <a:spcBef>
+                <a:spcPts val="0"/>
+              </a:spcBef>
+              <a:spcAft>
+                <a:spcPts val="0"/>
+              </a:spcAft>
+              <a:buSzPts val="1800"/>
               <a:buChar char="-"/>
             </a:pPr>
             <a:r>
               <a:rPr lang="en"/>
-              <a:t>Convert the tuple to a list</a:t>
+              <a:t>Can be any type &amp; tuples can have mixed types</a:t>
             </a:r>
             <a:endParaRPr/>
           </a:p>
           <a:p>
-            <a:pPr indent="-317500" lvl="1" marL="914400" rtl="0" algn="l">
-              <a:spcBef>
-                <a:spcPts val="0"/>
-              </a:spcBef>
-              <a:spcAft>
-                <a:spcPts val="0"/>
-              </a:spcAft>
-              <a:buSzPts val="1400"/>
+            <a:pPr indent="-342900" lvl="0" marL="457200" rtl="0" algn="l">
+              <a:spcBef>
+                <a:spcPts val="0"/>
+              </a:spcBef>
+              <a:spcAft>
+                <a:spcPts val="0"/>
+              </a:spcAft>
+              <a:buSzPts val="1800"/>
               <a:buChar char="-"/>
             </a:pPr>
             <a:r>
               <a:rPr lang="en"/>
-              <a:t>Make a change, delete, or add items</a:t>
-            </a:r>
-            <a:endParaRPr/>
-          </a:p>
-          <a:p>
-            <a:pPr indent="-317500" lvl="1" marL="914400" rtl="0" algn="l">
-              <a:spcBef>
-                <a:spcPts val="0"/>
-              </a:spcBef>
-              <a:spcAft>
-                <a:spcPts val="0"/>
-              </a:spcAft>
-              <a:buSzPts val="1400"/>
-              <a:buChar char="-"/>
-            </a:pPr>
-            <a:r>
-              <a:rPr lang="en"/>
-              <a:t>Convert the list back into a tuple</a:t>
+              <a:t>Access syntax is identical to lists</a:t>
             </a:r>
             <a:endParaRPr/>
           </a:p>
@@ -27321,8 +27686,8 @@
         </p:blipFill>
         <p:spPr>
           <a:xfrm>
-            <a:off x="4476200" y="2272738"/>
-            <a:ext cx="3930900" cy="2002887"/>
+            <a:off x="2130250" y="3706500"/>
+            <a:ext cx="4905375" cy="419100"/>
           </a:xfrm>
           <a:prstGeom prst="rect">
             <a:avLst/>
@@ -27392,7 +27757,99 @@
             </a:pPr>
             <a:r>
               <a:rPr lang="en"/>
-              <a:t>Unpacking Tuples</a:t>
+              <a:t>Tuples</a:t>
+            </a:r>
+            <a:endParaRPr/>
+          </a:p>
+        </p:txBody>
+      </p:sp>
+      <p:sp>
+        <p:nvSpPr>
+          <p:cNvPr id="574" name="Google Shape;574;p75"/>
+          <p:cNvSpPr txBox="1"/>
+          <p:nvPr>
+            <p:ph idx="1" type="body"/>
+          </p:nvPr>
+        </p:nvSpPr>
+        <p:spPr>
+          <a:xfrm>
+            <a:off x="471900" y="1919075"/>
+            <a:ext cx="3764100" cy="2710200"/>
+          </a:xfrm>
+          <a:prstGeom prst="rect">
+            <a:avLst/>
+          </a:prstGeom>
+        </p:spPr>
+        <p:txBody>
+          <a:bodyPr anchorCtr="0" anchor="t" bIns="91425" lIns="91425" spcFirstLastPara="1" rIns="91425" wrap="square" tIns="91425">
+            <a:noAutofit/>
+          </a:bodyPr>
+          <a:lstStyle/>
+          <a:p>
+            <a:pPr indent="-342900" lvl="0" marL="457200" rtl="0" algn="l">
+              <a:spcBef>
+                <a:spcPts val="0"/>
+              </a:spcBef>
+              <a:spcAft>
+                <a:spcPts val="0"/>
+              </a:spcAft>
+              <a:buSzPts val="1800"/>
+              <a:buChar char="-"/>
+            </a:pPr>
+            <a:r>
+              <a:rPr lang="en"/>
+              <a:t>We can’t change a tuple, but we can:</a:t>
+            </a:r>
+            <a:endParaRPr/>
+          </a:p>
+          <a:p>
+            <a:pPr indent="-317500" lvl="1" marL="914400" rtl="0" algn="l">
+              <a:spcBef>
+                <a:spcPts val="0"/>
+              </a:spcBef>
+              <a:spcAft>
+                <a:spcPts val="0"/>
+              </a:spcAft>
+              <a:buSzPts val="1400"/>
+              <a:buChar char="-"/>
+            </a:pPr>
+            <a:r>
+              <a:rPr lang="en"/>
+              <a:t>Convert the tuple to a list</a:t>
+            </a:r>
+            <a:endParaRPr/>
+          </a:p>
+          <a:p>
+            <a:pPr indent="-317500" lvl="1" marL="914400" rtl="0" algn="l">
+              <a:spcBef>
+                <a:spcPts val="0"/>
+              </a:spcBef>
+              <a:spcAft>
+                <a:spcPts val="0"/>
+              </a:spcAft>
+              <a:buSzPts val="1400"/>
+              <a:buChar char="-"/>
+            </a:pPr>
+            <a:r>
+              <a:rPr lang="en"/>
+              <a:t>Make a change, delete, or add items</a:t>
+            </a:r>
+            <a:endParaRPr/>
+          </a:p>
+          <a:p>
+            <a:pPr indent="-317500" lvl="1" marL="914400" rtl="0" algn="l">
+              <a:spcBef>
+                <a:spcPts val="0"/>
+              </a:spcBef>
+              <a:spcAft>
+                <a:spcPts val="0"/>
+              </a:spcAft>
+              <a:buSzPts val="1400"/>
+              <a:buChar char="-"/>
+            </a:pPr>
+            <a:r>
+              <a:rPr lang="en"/>
+              <a:t>Convert the list back into a tuple</a:t>
             </a:r>
             <a:endParaRPr/>
           </a:p>
@@ -27400,7 +27857,7 @@
       </p:sp>
       <p:pic>
         <p:nvPicPr>
-          <p:cNvPr id="574" name="Google Shape;574;p75"/>
+          <p:cNvPr id="575" name="Google Shape;575;p75"/>
           <p:cNvPicPr preferRelativeResize="0"/>
           <p:nvPr/>
         </p:nvPicPr>
@@ -27414,8 +27871,8 @@
         </p:blipFill>
         <p:spPr>
           <a:xfrm>
-            <a:off x="2747388" y="2196500"/>
-            <a:ext cx="3671125" cy="1903550"/>
+            <a:off x="4476200" y="2272738"/>
+            <a:ext cx="3930900" cy="2002887"/>
           </a:xfrm>
           <a:prstGeom prst="rect">
             <a:avLst/>
@@ -27439,7 +27896,7 @@
   <p:cSld>
     <p:spTree>
       <p:nvGrpSpPr>
-        <p:cNvPr id="578" name="Shape 578"/>
+        <p:cNvPr id="579" name="Shape 579"/>
         <p:cNvGrpSpPr/>
         <p:nvPr/>
       </p:nvGrpSpPr>
@@ -27453,7 +27910,7 @@
       </p:grpSpPr>
       <p:sp>
         <p:nvSpPr>
-          <p:cNvPr id="579" name="Google Shape;579;p76"/>
+          <p:cNvPr id="580" name="Google Shape;580;p76"/>
           <p:cNvSpPr txBox="1"/>
           <p:nvPr>
             <p:ph type="title"/>
@@ -27484,16 +27941,16 @@
               <a:buNone/>
             </a:pPr>
             <a:r>
-              <a:rPr lang="en" sz="3100"/>
-              <a:t>Count unique items &amp; get the index of an item</a:t>
-            </a:r>
-            <a:endParaRPr sz="3100"/>
+              <a:rPr lang="en"/>
+              <a:t>Unpacking Tuples</a:t>
+            </a:r>
+            <a:endParaRPr/>
           </a:p>
         </p:txBody>
       </p:sp>
       <p:pic>
         <p:nvPicPr>
-          <p:cNvPr id="580" name="Google Shape;580;p76"/>
+          <p:cNvPr id="581" name="Google Shape;581;p76"/>
           <p:cNvPicPr preferRelativeResize="0"/>
           <p:nvPr/>
         </p:nvPicPr>
@@ -27507,36 +27964,8 @@
         </p:blipFill>
         <p:spPr>
           <a:xfrm>
-            <a:off x="2038350" y="1834175"/>
-            <a:ext cx="5067300" cy="1628775"/>
-          </a:xfrm>
-          <a:prstGeom prst="rect">
-            <a:avLst/>
-          </a:prstGeom>
-          <a:noFill/>
-          <a:ln>
-            <a:noFill/>
-          </a:ln>
-        </p:spPr>
-      </p:pic>
-      <p:pic>
-        <p:nvPicPr>
-          <p:cNvPr id="581" name="Google Shape;581;p76"/>
-          <p:cNvPicPr preferRelativeResize="0"/>
-          <p:nvPr/>
-        </p:nvPicPr>
-        <p:blipFill>
-          <a:blip r:embed="rId4">
-            <a:alphaModFix/>
-          </a:blip>
-          <a:stretch>
-            <a:fillRect/>
-          </a:stretch>
-        </p:blipFill>
-        <p:spPr>
-          <a:xfrm>
-            <a:off x="2451450" y="3591975"/>
-            <a:ext cx="4241098" cy="1364050"/>
+            <a:off x="2747388" y="2196500"/>
+            <a:ext cx="3671125" cy="1903550"/>
           </a:xfrm>
           <a:prstGeom prst="rect">
             <a:avLst/>
@@ -27605,56 +28034,16 @@
               <a:buNone/>
             </a:pPr>
             <a:r>
-              <a:rPr lang="en"/>
-              <a:t>Sets</a:t>
-            </a:r>
-            <a:endParaRPr/>
-          </a:p>
-        </p:txBody>
-      </p:sp>
-      <p:sp>
-        <p:nvSpPr>
-          <p:cNvPr id="587" name="Google Shape;587;p77"/>
-          <p:cNvSpPr txBox="1"/>
-          <p:nvPr>
-            <p:ph idx="1" type="body"/>
-          </p:nvPr>
-        </p:nvSpPr>
-        <p:spPr>
-          <a:xfrm>
-            <a:off x="471900" y="1919075"/>
-            <a:ext cx="8222100" cy="302400"/>
-          </a:xfrm>
-          <a:prstGeom prst="rect">
-            <a:avLst/>
-          </a:prstGeom>
-        </p:spPr>
-        <p:txBody>
-          <a:bodyPr anchorCtr="0" anchor="t" bIns="91425" lIns="91425" spcFirstLastPara="1" rIns="91425" wrap="square" tIns="91425">
-            <a:noAutofit/>
-          </a:bodyPr>
-          <a:lstStyle/>
-          <a:p>
-            <a:pPr indent="0" lvl="0" marL="0" rtl="0" algn="l">
-              <a:spcBef>
-                <a:spcPts val="0"/>
-              </a:spcBef>
-              <a:spcAft>
-                <a:spcPts val="1600"/>
-              </a:spcAft>
-              <a:buNone/>
-            </a:pPr>
-            <a:r>
-              <a:rPr lang="en"/>
-              <a:t>Sets are: unordered, unindexed, &amp; items are unchangeable.</a:t>
-            </a:r>
-            <a:endParaRPr/>
+              <a:rPr lang="en" sz="3100"/>
+              <a:t>Count unique items &amp; get the index of an item</a:t>
+            </a:r>
+            <a:endParaRPr sz="3100"/>
           </a:p>
         </p:txBody>
       </p:sp>
       <p:pic>
         <p:nvPicPr>
-          <p:cNvPr id="588" name="Google Shape;588;p77"/>
+          <p:cNvPr id="587" name="Google Shape;587;p77"/>
           <p:cNvPicPr preferRelativeResize="0"/>
           <p:nvPr/>
         </p:nvPicPr>
@@ -27668,8 +28057,8 @@
         </p:blipFill>
         <p:spPr>
           <a:xfrm>
-            <a:off x="2257425" y="2444025"/>
-            <a:ext cx="4629150" cy="400050"/>
+            <a:off x="2038350" y="1834175"/>
+            <a:ext cx="5067300" cy="1628775"/>
           </a:xfrm>
           <a:prstGeom prst="rect">
             <a:avLst/>
@@ -27682,7 +28071,7 @@
       </p:pic>
       <p:pic>
         <p:nvPicPr>
-          <p:cNvPr id="589" name="Google Shape;589;p77"/>
+          <p:cNvPr id="588" name="Google Shape;588;p77"/>
           <p:cNvPicPr preferRelativeResize="0"/>
           <p:nvPr/>
         </p:nvPicPr>
@@ -27696,8 +28085,8 @@
         </p:blipFill>
         <p:spPr>
           <a:xfrm>
-            <a:off x="1509713" y="3674450"/>
-            <a:ext cx="6124575" cy="504825"/>
+            <a:off x="2451450" y="3591975"/>
+            <a:ext cx="4241098" cy="1364050"/>
           </a:xfrm>
           <a:prstGeom prst="rect">
             <a:avLst/>
@@ -27708,90 +28097,6 @@
           </a:ln>
         </p:spPr>
       </p:pic>
-      <p:pic>
-        <p:nvPicPr>
-          <p:cNvPr id="590" name="Google Shape;590;p77"/>
-          <p:cNvPicPr preferRelativeResize="0"/>
-          <p:nvPr/>
-        </p:nvPicPr>
-        <p:blipFill>
-          <a:blip r:embed="rId5">
-            <a:alphaModFix/>
-          </a:blip>
-          <a:stretch>
-            <a:fillRect/>
-          </a:stretch>
-        </p:blipFill>
-        <p:spPr>
-          <a:xfrm>
-            <a:off x="2149300" y="4261550"/>
-            <a:ext cx="4867275" cy="466725"/>
-          </a:xfrm>
-          <a:prstGeom prst="rect">
-            <a:avLst/>
-          </a:prstGeom>
-          <a:noFill/>
-          <a:ln>
-            <a:noFill/>
-          </a:ln>
-        </p:spPr>
-      </p:pic>
-      <p:sp>
-        <p:nvSpPr>
-          <p:cNvPr id="591" name="Google Shape;591;p77"/>
-          <p:cNvSpPr txBox="1"/>
-          <p:nvPr>
-            <p:ph idx="1" type="body"/>
-          </p:nvPr>
-        </p:nvSpPr>
-        <p:spPr>
-          <a:xfrm>
-            <a:off x="548350" y="3008688"/>
-            <a:ext cx="8222100" cy="302400"/>
-          </a:xfrm>
-          <a:prstGeom prst="rect">
-            <a:avLst/>
-          </a:prstGeom>
-        </p:spPr>
-        <p:txBody>
-          <a:bodyPr anchorCtr="0" anchor="t" bIns="91425" lIns="91425" spcFirstLastPara="1" rIns="91425" wrap="square" tIns="91425">
-            <a:noAutofit/>
-          </a:bodyPr>
-          <a:lstStyle/>
-          <a:p>
-            <a:pPr indent="0" lvl="0" marL="0" rtl="0" algn="l">
-              <a:spcBef>
-                <a:spcPts val="0"/>
-              </a:spcBef>
-              <a:spcAft>
-                <a:spcPts val="1600"/>
-              </a:spcAft>
-              <a:buNone/>
-            </a:pPr>
-            <a:r>
-              <a:rPr lang="en"/>
-              <a:t>Any </a:t>
-            </a:r>
-            <a:r>
-              <a:rPr lang="en"/>
-              <a:t>type</a:t>
-            </a:r>
-            <a:r>
-              <a:rPr lang="en"/>
-              <a:t> and mixed </a:t>
-            </a:r>
-            <a:r>
-              <a:rPr lang="en"/>
-              <a:t>types</a:t>
-            </a:r>
-            <a:r>
-              <a:rPr lang="en"/>
-              <a:t> are allowed, but duplicated are not (1=True, 0=False considered duplicates):</a:t>
-            </a:r>
-            <a:endParaRPr/>
-          </a:p>
-        </p:txBody>
-      </p:sp>
     </p:spTree>
   </p:cSld>
   <p:clrMapOvr>
@@ -27805,7 +28110,7 @@
   <p:cSld>
     <p:spTree>
       <p:nvGrpSpPr>
-        <p:cNvPr id="595" name="Shape 595"/>
+        <p:cNvPr id="592" name="Shape 592"/>
         <p:cNvGrpSpPr/>
         <p:nvPr/>
       </p:nvGrpSpPr>
@@ -27819,7 +28124,7 @@
       </p:grpSpPr>
       <p:sp>
         <p:nvSpPr>
-          <p:cNvPr id="596" name="Google Shape;596;p78"/>
+          <p:cNvPr id="593" name="Google Shape;593;p78"/>
           <p:cNvSpPr txBox="1"/>
           <p:nvPr>
             <p:ph type="title"/>
@@ -27851,7 +28156,7 @@
             </a:pPr>
             <a:r>
               <a:rPr lang="en"/>
-              <a:t>Set Access</a:t>
+              <a:t>Sets</a:t>
             </a:r>
             <a:endParaRPr/>
           </a:p>
@@ -27859,7 +28164,7 @@
       </p:sp>
       <p:sp>
         <p:nvSpPr>
-          <p:cNvPr id="597" name="Google Shape;597;p78"/>
+          <p:cNvPr id="594" name="Google Shape;594;p78"/>
           <p:cNvSpPr txBox="1"/>
           <p:nvPr>
             <p:ph idx="1" type="body"/>
@@ -27867,8 +28172,8 @@
         </p:nvSpPr>
         <p:spPr>
           <a:xfrm>
-            <a:off x="1839450" y="1743750"/>
-            <a:ext cx="5465100" cy="471900"/>
+            <a:off x="471900" y="1919075"/>
+            <a:ext cx="8222100" cy="302400"/>
           </a:xfrm>
           <a:prstGeom prst="rect">
             <a:avLst/>
@@ -27891,7 +28196,7 @@
             </a:pPr>
             <a:r>
               <a:rPr lang="en"/>
-              <a:t>Either loop through it or use membership operators:</a:t>
+              <a:t>Sets are: unordered, unindexed, &amp; items are unchangeable.</a:t>
             </a:r>
             <a:endParaRPr/>
           </a:p>
@@ -27899,7 +28204,7 @@
       </p:sp>
       <p:pic>
         <p:nvPicPr>
-          <p:cNvPr id="598" name="Google Shape;598;p78"/>
+          <p:cNvPr id="595" name="Google Shape;595;p78"/>
           <p:cNvPicPr preferRelativeResize="0"/>
           <p:nvPr/>
         </p:nvPicPr>
@@ -27913,8 +28218,8 @@
         </p:blipFill>
         <p:spPr>
           <a:xfrm>
-            <a:off x="173250" y="2936475"/>
-            <a:ext cx="4191425" cy="1190375"/>
+            <a:off x="2257425" y="2444025"/>
+            <a:ext cx="4629150" cy="400050"/>
           </a:xfrm>
           <a:prstGeom prst="rect">
             <a:avLst/>
@@ -27927,7 +28232,7 @@
       </p:pic>
       <p:pic>
         <p:nvPicPr>
-          <p:cNvPr id="599" name="Google Shape;599;p78"/>
+          <p:cNvPr id="596" name="Google Shape;596;p78"/>
           <p:cNvPicPr preferRelativeResize="0"/>
           <p:nvPr/>
         </p:nvPicPr>
@@ -27941,8 +28246,8 @@
         </p:blipFill>
         <p:spPr>
           <a:xfrm>
-            <a:off x="4446499" y="2452975"/>
-            <a:ext cx="4349425" cy="966525"/>
+            <a:off x="1509713" y="3674450"/>
+            <a:ext cx="6124575" cy="504825"/>
           </a:xfrm>
           <a:prstGeom prst="rect">
             <a:avLst/>
@@ -27955,7 +28260,7 @@
       </p:pic>
       <p:pic>
         <p:nvPicPr>
-          <p:cNvPr id="600" name="Google Shape;600;p78"/>
+          <p:cNvPr id="597" name="Google Shape;597;p78"/>
           <p:cNvPicPr preferRelativeResize="0"/>
           <p:nvPr/>
         </p:nvPicPr>
@@ -27969,8 +28274,8 @@
         </p:blipFill>
         <p:spPr>
           <a:xfrm>
-            <a:off x="4446500" y="3734950"/>
-            <a:ext cx="4349425" cy="955823"/>
+            <a:off x="2149300" y="4261550"/>
+            <a:ext cx="4867275" cy="466725"/>
           </a:xfrm>
           <a:prstGeom prst="rect">
             <a:avLst/>
@@ -27981,6 +28286,62 @@
           </a:ln>
         </p:spPr>
       </p:pic>
+      <p:sp>
+        <p:nvSpPr>
+          <p:cNvPr id="598" name="Google Shape;598;p78"/>
+          <p:cNvSpPr txBox="1"/>
+          <p:nvPr>
+            <p:ph idx="1" type="body"/>
+          </p:nvPr>
+        </p:nvSpPr>
+        <p:spPr>
+          <a:xfrm>
+            <a:off x="548350" y="3008688"/>
+            <a:ext cx="8222100" cy="302400"/>
+          </a:xfrm>
+          <a:prstGeom prst="rect">
+            <a:avLst/>
+          </a:prstGeom>
+        </p:spPr>
+        <p:txBody>
+          <a:bodyPr anchorCtr="0" anchor="t" bIns="91425" lIns="91425" spcFirstLastPara="1" rIns="91425" wrap="square" tIns="91425">
+            <a:noAutofit/>
+          </a:bodyPr>
+          <a:lstStyle/>
+          <a:p>
+            <a:pPr indent="0" lvl="0" marL="0" rtl="0" algn="l">
+              <a:spcBef>
+                <a:spcPts val="0"/>
+              </a:spcBef>
+              <a:spcAft>
+                <a:spcPts val="1600"/>
+              </a:spcAft>
+              <a:buNone/>
+            </a:pPr>
+            <a:r>
+              <a:rPr lang="en"/>
+              <a:t>Any </a:t>
+            </a:r>
+            <a:r>
+              <a:rPr lang="en"/>
+              <a:t>type</a:t>
+            </a:r>
+            <a:r>
+              <a:rPr lang="en"/>
+              <a:t> and mixed </a:t>
+            </a:r>
+            <a:r>
+              <a:rPr lang="en"/>
+              <a:t>types</a:t>
+            </a:r>
+            <a:r>
+              <a:rPr lang="en"/>
+              <a:t> are allowed, but duplicated are not (1=True, 0=False considered duplicates):</a:t>
+            </a:r>
+            <a:endParaRPr/>
+          </a:p>
+        </p:txBody>
+      </p:sp>
     </p:spTree>
   </p:cSld>
   <p:clrMapOvr>
@@ -27994,7 +28355,7 @@
   <p:cSld>
     <p:spTree>
       <p:nvGrpSpPr>
-        <p:cNvPr id="604" name="Shape 604"/>
+        <p:cNvPr id="602" name="Shape 602"/>
         <p:cNvGrpSpPr/>
         <p:nvPr/>
       </p:nvGrpSpPr>
@@ -28008,7 +28369,7 @@
       </p:grpSpPr>
       <p:sp>
         <p:nvSpPr>
-          <p:cNvPr id="605" name="Google Shape;605;p79"/>
+          <p:cNvPr id="603" name="Google Shape;603;p79"/>
           <p:cNvSpPr txBox="1"/>
           <p:nvPr>
             <p:ph type="title"/>
@@ -28040,7 +28401,7 @@
             </a:pPr>
             <a:r>
               <a:rPr lang="en"/>
-              <a:t>Add/Remove Set Items</a:t>
+              <a:t>Set Access</a:t>
             </a:r>
             <a:endParaRPr/>
           </a:p>
@@ -28048,7 +28409,7 @@
       </p:sp>
       <p:sp>
         <p:nvSpPr>
-          <p:cNvPr id="606" name="Google Shape;606;p79"/>
+          <p:cNvPr id="604" name="Google Shape;604;p79"/>
           <p:cNvSpPr txBox="1"/>
           <p:nvPr>
             <p:ph idx="1" type="body"/>
@@ -28056,8 +28417,8 @@
         </p:nvSpPr>
         <p:spPr>
           <a:xfrm>
-            <a:off x="460950" y="1772950"/>
-            <a:ext cx="8222100" cy="454200"/>
+            <a:off x="1839450" y="1743750"/>
+            <a:ext cx="5465100" cy="471900"/>
           </a:xfrm>
           <a:prstGeom prst="rect">
             <a:avLst/>
@@ -28070,55 +28431,25 @@
           <a:lstStyle/>
           <a:p>
             <a:pPr indent="0" lvl="0" marL="0" rtl="0" algn="l">
-              <a:lnSpc>
-                <a:spcPct val="100000"/>
-              </a:lnSpc>
-              <a:spcBef>
-                <a:spcPts val="0"/>
-              </a:spcBef>
-              <a:spcAft>
-                <a:spcPts val="0"/>
-              </a:spcAft>
-              <a:buNone/>
-            </a:pPr>
-            <a:r>
-              <a:rPr lang="en" sz="1500"/>
-              <a:t>We can’t modify set items but we can add/remove them:</a:t>
-            </a:r>
-            <a:endParaRPr sz="1500"/>
-          </a:p>
-          <a:p>
-            <a:pPr indent="0" lvl="0" marL="0" rtl="0" algn="l">
-              <a:lnSpc>
-                <a:spcPct val="100000"/>
-              </a:lnSpc>
-              <a:spcBef>
+              <a:spcBef>
+                <a:spcPts val="0"/>
+              </a:spcBef>
+              <a:spcAft>
                 <a:spcPts val="1600"/>
-              </a:spcBef>
-              <a:spcAft>
-                <a:spcPts val="1600"/>
-              </a:spcAft>
-              <a:buNone/>
-            </a:pPr>
-            <a:r>
-              <a:rPr lang="en" sz="1500"/>
-              <a:t>**remove </a:t>
-            </a:r>
-            <a:r>
-              <a:rPr lang="en" sz="1500"/>
-              <a:t>method</a:t>
-            </a:r>
-            <a:r>
-              <a:rPr lang="en" sz="1500"/>
-              <a:t> has warnings, discard does not. **pop will remove random item</a:t>
-            </a:r>
-            <a:endParaRPr sz="1500"/>
+              </a:spcAft>
+              <a:buNone/>
+            </a:pPr>
+            <a:r>
+              <a:rPr lang="en"/>
+              <a:t>Either loop through it or use membership operators:</a:t>
+            </a:r>
+            <a:endParaRPr/>
           </a:p>
         </p:txBody>
       </p:sp>
       <p:pic>
         <p:nvPicPr>
-          <p:cNvPr id="607" name="Google Shape;607;p79"/>
+          <p:cNvPr id="605" name="Google Shape;605;p79"/>
           <p:cNvPicPr preferRelativeResize="0"/>
           <p:nvPr/>
         </p:nvPicPr>
@@ -28132,8 +28463,8 @@
         </p:blipFill>
         <p:spPr>
           <a:xfrm>
-            <a:off x="927850" y="2571750"/>
-            <a:ext cx="3610176" cy="886475"/>
+            <a:off x="173250" y="2936475"/>
+            <a:ext cx="4191425" cy="1190375"/>
           </a:xfrm>
           <a:prstGeom prst="rect">
             <a:avLst/>
@@ -28146,7 +28477,7 @@
       </p:pic>
       <p:pic>
         <p:nvPicPr>
-          <p:cNvPr id="608" name="Google Shape;608;p79"/>
+          <p:cNvPr id="606" name="Google Shape;606;p79"/>
           <p:cNvPicPr preferRelativeResize="0"/>
           <p:nvPr/>
         </p:nvPicPr>
@@ -28160,8 +28491,8 @@
         </p:blipFill>
         <p:spPr>
           <a:xfrm>
-            <a:off x="961825" y="3704150"/>
-            <a:ext cx="3610175" cy="953505"/>
+            <a:off x="4446499" y="2452975"/>
+            <a:ext cx="4349425" cy="966525"/>
           </a:xfrm>
           <a:prstGeom prst="rect">
             <a:avLst/>
@@ -28174,7 +28505,7 @@
       </p:pic>
       <p:pic>
         <p:nvPicPr>
-          <p:cNvPr id="609" name="Google Shape;609;p79"/>
+          <p:cNvPr id="607" name="Google Shape;607;p79"/>
           <p:cNvPicPr preferRelativeResize="0"/>
           <p:nvPr/>
         </p:nvPicPr>
@@ -28188,64 +28519,8 @@
         </p:blipFill>
         <p:spPr>
           <a:xfrm>
-            <a:off x="4966697" y="2571747"/>
-            <a:ext cx="3578950" cy="849350"/>
-          </a:xfrm>
-          <a:prstGeom prst="rect">
-            <a:avLst/>
-          </a:prstGeom>
-          <a:noFill/>
-          <a:ln>
-            <a:noFill/>
-          </a:ln>
-        </p:spPr>
-      </p:pic>
-      <p:pic>
-        <p:nvPicPr>
-          <p:cNvPr id="610" name="Google Shape;610;p79"/>
-          <p:cNvPicPr preferRelativeResize="0"/>
-          <p:nvPr/>
-        </p:nvPicPr>
-        <p:blipFill>
-          <a:blip r:embed="rId6">
-            <a:alphaModFix/>
-          </a:blip>
-          <a:stretch>
-            <a:fillRect/>
-          </a:stretch>
-        </p:blipFill>
-        <p:spPr>
-          <a:xfrm>
-            <a:off x="4881682" y="3808300"/>
-            <a:ext cx="3695417" cy="849350"/>
-          </a:xfrm>
-          <a:prstGeom prst="rect">
-            <a:avLst/>
-          </a:prstGeom>
-          <a:noFill/>
-          <a:ln>
-            <a:noFill/>
-          </a:ln>
-        </p:spPr>
-      </p:pic>
-      <p:pic>
-        <p:nvPicPr>
-          <p:cNvPr id="611" name="Google Shape;611;p79"/>
-          <p:cNvPicPr preferRelativeResize="0"/>
-          <p:nvPr/>
-        </p:nvPicPr>
-        <p:blipFill>
-          <a:blip r:embed="rId7">
-            <a:alphaModFix/>
-          </a:blip>
-          <a:stretch>
-            <a:fillRect/>
-          </a:stretch>
-        </p:blipFill>
-        <p:spPr>
-          <a:xfrm>
-            <a:off x="3678203" y="4753475"/>
-            <a:ext cx="1787582" cy="390025"/>
+            <a:off x="4446500" y="3734950"/>
+            <a:ext cx="4349425" cy="955823"/>
           </a:xfrm>
           <a:prstGeom prst="rect">
             <a:avLst/>
@@ -28269,7 +28544,7 @@
   <p:cSld>
     <p:spTree>
       <p:nvGrpSpPr>
-        <p:cNvPr id="615" name="Shape 615"/>
+        <p:cNvPr id="611" name="Shape 611"/>
         <p:cNvGrpSpPr/>
         <p:nvPr/>
       </p:nvGrpSpPr>
@@ -28283,7 +28558,7 @@
       </p:grpSpPr>
       <p:sp>
         <p:nvSpPr>
-          <p:cNvPr id="616" name="Google Shape;616;p80"/>
+          <p:cNvPr id="612" name="Google Shape;612;p80"/>
           <p:cNvSpPr txBox="1"/>
           <p:nvPr>
             <p:ph type="title"/>
@@ -28315,6 +28590,281 @@
             </a:pPr>
             <a:r>
               <a:rPr lang="en"/>
+              <a:t>Add/Remove Set Items</a:t>
+            </a:r>
+            <a:endParaRPr/>
+          </a:p>
+        </p:txBody>
+      </p:sp>
+      <p:sp>
+        <p:nvSpPr>
+          <p:cNvPr id="613" name="Google Shape;613;p80"/>
+          <p:cNvSpPr txBox="1"/>
+          <p:nvPr>
+            <p:ph idx="1" type="body"/>
+          </p:nvPr>
+        </p:nvSpPr>
+        <p:spPr>
+          <a:xfrm>
+            <a:off x="460950" y="1772950"/>
+            <a:ext cx="8222100" cy="454200"/>
+          </a:xfrm>
+          <a:prstGeom prst="rect">
+            <a:avLst/>
+          </a:prstGeom>
+        </p:spPr>
+        <p:txBody>
+          <a:bodyPr anchorCtr="0" anchor="t" bIns="91425" lIns="91425" spcFirstLastPara="1" rIns="91425" wrap="square" tIns="91425">
+            <a:noAutofit/>
+          </a:bodyPr>
+          <a:lstStyle/>
+          <a:p>
+            <a:pPr indent="0" lvl="0" marL="0" rtl="0" algn="l">
+              <a:lnSpc>
+                <a:spcPct val="100000"/>
+              </a:lnSpc>
+              <a:spcBef>
+                <a:spcPts val="0"/>
+              </a:spcBef>
+              <a:spcAft>
+                <a:spcPts val="0"/>
+              </a:spcAft>
+              <a:buNone/>
+            </a:pPr>
+            <a:r>
+              <a:rPr lang="en" sz="1500"/>
+              <a:t>We can’t modify set items but we can add/remove them:</a:t>
+            </a:r>
+            <a:endParaRPr sz="1500"/>
+          </a:p>
+          <a:p>
+            <a:pPr indent="0" lvl="0" marL="0" rtl="0" algn="l">
+              <a:lnSpc>
+                <a:spcPct val="100000"/>
+              </a:lnSpc>
+              <a:spcBef>
+                <a:spcPts val="1600"/>
+              </a:spcBef>
+              <a:spcAft>
+                <a:spcPts val="1600"/>
+              </a:spcAft>
+              <a:buNone/>
+            </a:pPr>
+            <a:r>
+              <a:rPr lang="en" sz="1500"/>
+              <a:t>**remove </a:t>
+            </a:r>
+            <a:r>
+              <a:rPr lang="en" sz="1500"/>
+              <a:t>method</a:t>
+            </a:r>
+            <a:r>
+              <a:rPr lang="en" sz="1500"/>
+              <a:t> has warnings, discard does not. **pop will remove random item</a:t>
+            </a:r>
+            <a:endParaRPr sz="1500"/>
+          </a:p>
+        </p:txBody>
+      </p:sp>
+      <p:pic>
+        <p:nvPicPr>
+          <p:cNvPr id="614" name="Google Shape;614;p80"/>
+          <p:cNvPicPr preferRelativeResize="0"/>
+          <p:nvPr/>
+        </p:nvPicPr>
+        <p:blipFill>
+          <a:blip r:embed="rId3">
+            <a:alphaModFix/>
+          </a:blip>
+          <a:stretch>
+            <a:fillRect/>
+          </a:stretch>
+        </p:blipFill>
+        <p:spPr>
+          <a:xfrm>
+            <a:off x="927850" y="2571750"/>
+            <a:ext cx="3610176" cy="886475"/>
+          </a:xfrm>
+          <a:prstGeom prst="rect">
+            <a:avLst/>
+          </a:prstGeom>
+          <a:noFill/>
+          <a:ln>
+            <a:noFill/>
+          </a:ln>
+        </p:spPr>
+      </p:pic>
+      <p:pic>
+        <p:nvPicPr>
+          <p:cNvPr id="615" name="Google Shape;615;p80"/>
+          <p:cNvPicPr preferRelativeResize="0"/>
+          <p:nvPr/>
+        </p:nvPicPr>
+        <p:blipFill>
+          <a:blip r:embed="rId4">
+            <a:alphaModFix/>
+          </a:blip>
+          <a:stretch>
+            <a:fillRect/>
+          </a:stretch>
+        </p:blipFill>
+        <p:spPr>
+          <a:xfrm>
+            <a:off x="961825" y="3704150"/>
+            <a:ext cx="3610175" cy="953505"/>
+          </a:xfrm>
+          <a:prstGeom prst="rect">
+            <a:avLst/>
+          </a:prstGeom>
+          <a:noFill/>
+          <a:ln>
+            <a:noFill/>
+          </a:ln>
+        </p:spPr>
+      </p:pic>
+      <p:pic>
+        <p:nvPicPr>
+          <p:cNvPr id="616" name="Google Shape;616;p80"/>
+          <p:cNvPicPr preferRelativeResize="0"/>
+          <p:nvPr/>
+        </p:nvPicPr>
+        <p:blipFill>
+          <a:blip r:embed="rId5">
+            <a:alphaModFix/>
+          </a:blip>
+          <a:stretch>
+            <a:fillRect/>
+          </a:stretch>
+        </p:blipFill>
+        <p:spPr>
+          <a:xfrm>
+            <a:off x="4966697" y="2571747"/>
+            <a:ext cx="3578950" cy="849350"/>
+          </a:xfrm>
+          <a:prstGeom prst="rect">
+            <a:avLst/>
+          </a:prstGeom>
+          <a:noFill/>
+          <a:ln>
+            <a:noFill/>
+          </a:ln>
+        </p:spPr>
+      </p:pic>
+      <p:pic>
+        <p:nvPicPr>
+          <p:cNvPr id="617" name="Google Shape;617;p80"/>
+          <p:cNvPicPr preferRelativeResize="0"/>
+          <p:nvPr/>
+        </p:nvPicPr>
+        <p:blipFill>
+          <a:blip r:embed="rId6">
+            <a:alphaModFix/>
+          </a:blip>
+          <a:stretch>
+            <a:fillRect/>
+          </a:stretch>
+        </p:blipFill>
+        <p:spPr>
+          <a:xfrm>
+            <a:off x="4881682" y="3808300"/>
+            <a:ext cx="3695417" cy="849350"/>
+          </a:xfrm>
+          <a:prstGeom prst="rect">
+            <a:avLst/>
+          </a:prstGeom>
+          <a:noFill/>
+          <a:ln>
+            <a:noFill/>
+          </a:ln>
+        </p:spPr>
+      </p:pic>
+      <p:pic>
+        <p:nvPicPr>
+          <p:cNvPr id="618" name="Google Shape;618;p80"/>
+          <p:cNvPicPr preferRelativeResize="0"/>
+          <p:nvPr/>
+        </p:nvPicPr>
+        <p:blipFill>
+          <a:blip r:embed="rId7">
+            <a:alphaModFix/>
+          </a:blip>
+          <a:stretch>
+            <a:fillRect/>
+          </a:stretch>
+        </p:blipFill>
+        <p:spPr>
+          <a:xfrm>
+            <a:off x="3678203" y="4753475"/>
+            <a:ext cx="1787582" cy="390025"/>
+          </a:xfrm>
+          <a:prstGeom prst="rect">
+            <a:avLst/>
+          </a:prstGeom>
+          <a:noFill/>
+          <a:ln>
+            <a:noFill/>
+          </a:ln>
+        </p:spPr>
+      </p:pic>
+    </p:spTree>
+  </p:cSld>
+  <p:clrMapOvr>
+    <a:masterClrMapping/>
+  </p:clrMapOvr>
+</p:sld>
+</file>
+
+<file path=ppt/slides/slide69.xml><?xml version="1.0" encoding="utf-8"?>
+<p:sld xmlns:a="http://schemas.openxmlformats.org/drawingml/2006/main" xmlns:r="http://schemas.openxmlformats.org/officeDocument/2006/relationships" xmlns:mc="http://schemas.openxmlformats.org/markup-compatibility/2006" xmlns:mv="urn:schemas-microsoft-com:mac:vml" xmlns:p="http://schemas.openxmlformats.org/presentationml/2006/main" xmlns:c="http://schemas.openxmlformats.org/drawingml/2006/chart" xmlns:dgm="http://schemas.openxmlformats.org/drawingml/2006/diagram" xmlns:o="urn:schemas-microsoft-com:office:office" xmlns:v="urn:schemas-microsoft-com:vml" xmlns:pvml="urn:schemas-microsoft-com:office:powerpoint" xmlns:com="http://schemas.openxmlformats.org/drawingml/2006/compatibility" xmlns:p14="http://schemas.microsoft.com/office/powerpoint/2010/main" xmlns:p15="http://schemas.microsoft.com/office/powerpoint/2012/main" xmlns:ahyp="http://schemas.microsoft.com/office/drawing/2018/hyperlinkcolor">
+  <p:cSld>
+    <p:spTree>
+      <p:nvGrpSpPr>
+        <p:cNvPr id="622" name="Shape 622"/>
+        <p:cNvGrpSpPr/>
+        <p:nvPr/>
+      </p:nvGrpSpPr>
+      <p:grpSpPr>
+        <a:xfrm>
+          <a:off x="0" y="0"/>
+          <a:ext cx="0" cy="0"/>
+          <a:chOff x="0" y="0"/>
+          <a:chExt cx="0" cy="0"/>
+        </a:xfrm>
+      </p:grpSpPr>
+      <p:sp>
+        <p:nvSpPr>
+          <p:cNvPr id="623" name="Google Shape;623;p81"/>
+          <p:cNvSpPr txBox="1"/>
+          <p:nvPr>
+            <p:ph type="title"/>
+          </p:nvPr>
+        </p:nvSpPr>
+        <p:spPr>
+          <a:xfrm>
+            <a:off x="471900" y="738725"/>
+            <a:ext cx="8222100" cy="767700"/>
+          </a:xfrm>
+          <a:prstGeom prst="rect">
+            <a:avLst/>
+          </a:prstGeom>
+        </p:spPr>
+        <p:txBody>
+          <a:bodyPr anchorCtr="0" anchor="b" bIns="91425" lIns="91425" spcFirstLastPara="1" rIns="91425" wrap="square" tIns="91425">
+            <a:noAutofit/>
+          </a:bodyPr>
+          <a:lstStyle/>
+          <a:p>
+            <a:pPr indent="0" lvl="0" marL="0" rtl="0" algn="l">
+              <a:spcBef>
+                <a:spcPts val="0"/>
+              </a:spcBef>
+              <a:spcAft>
+                <a:spcPts val="0"/>
+              </a:spcAft>
+              <a:buNone/>
+            </a:pPr>
+            <a:r>
+              <a:rPr lang="en"/>
               <a:t>More on Sets</a:t>
             </a:r>
             <a:endParaRPr/>
@@ -28323,7 +28873,7 @@
       </p:sp>
       <p:sp>
         <p:nvSpPr>
-          <p:cNvPr id="617" name="Google Shape;617;p80"/>
+          <p:cNvPr id="624" name="Google Shape;624;p81"/>
           <p:cNvSpPr txBox="1"/>
           <p:nvPr>
             <p:ph idx="1" type="body"/>
@@ -29343,6 +29893,285 @@
 </file>
 
 <file path=ppt/theme/theme1.xml><?xml version="1.0" encoding="utf-8"?>
+<a:theme xmlns:a="http://schemas.openxmlformats.org/drawingml/2006/main" xmlns:r="http://schemas.openxmlformats.org/officeDocument/2006/relationships" name="Material">
+  <a:themeElements>
+    <a:clrScheme name="Material">
+      <a:dk1>
+        <a:srgbClr val="4285F4"/>
+      </a:dk1>
+      <a:lt1>
+        <a:srgbClr val="FFFFFF"/>
+      </a:lt1>
+      <a:dk2>
+        <a:srgbClr val="424242"/>
+      </a:dk2>
+      <a:lt2>
+        <a:srgbClr val="737373"/>
+      </a:lt2>
+      <a:accent1>
+        <a:srgbClr val="0277BD"/>
+      </a:accent1>
+      <a:accent2>
+        <a:srgbClr val="0F9D58"/>
+      </a:accent2>
+      <a:accent3>
+        <a:srgbClr val="DB4437"/>
+      </a:accent3>
+      <a:accent4>
+        <a:srgbClr val="FAFAFA"/>
+      </a:accent4>
+      <a:accent5>
+        <a:srgbClr val="4FC3F7"/>
+      </a:accent5>
+      <a:accent6>
+        <a:srgbClr val="F4B400"/>
+      </a:accent6>
+      <a:hlink>
+        <a:srgbClr val="4FC3F7"/>
+      </a:hlink>
+      <a:folHlink>
+        <a:srgbClr val="4FC3F7"/>
+      </a:folHlink>
+    </a:clrScheme>
+    <a:fontScheme name="Office">
+      <a:majorFont>
+        <a:latin typeface="Arial"/>
+        <a:ea typeface=""/>
+        <a:cs typeface=""/>
+        <a:font script="Jpan" typeface="ＭＳ Ｐゴシック"/>
+        <a:font script="Hang" typeface="맑은 고딕"/>
+        <a:font script="Hans" typeface="宋体"/>
+        <a:font script="Hant" typeface="新細明體"/>
+        <a:font script="Arab" typeface="Times New Roman"/>
+        <a:font script="Hebr" typeface="Times New Roman"/>
+        <a:font script="Thai" typeface="Angsana New"/>
+        <a:font script="Ethi" typeface="Nyala"/>
+        <a:font script="Beng" typeface="Vrinda"/>
+        <a:font script="Gujr" typeface="Shruti"/>
+        <a:font script="Khmr" typeface="MoolBoran"/>
+        <a:font script="Knda" typeface="Tunga"/>
+        <a:font script="Guru" typeface="Raavi"/>
+        <a:font script="Cans" typeface="Euphemia"/>
+        <a:font script="Cher" typeface="Plantagenet Cherokee"/>
+        <a:font script="Yiii" typeface="Microsoft Yi Baiti"/>
+        <a:font script="Tibt" typeface="Microsoft Himalaya"/>
+        <a:font script="Thaa" typeface="MV Boli"/>
+        <a:font script="Deva" typeface="Mangal"/>
+        <a:font script="Telu" typeface="Gautami"/>
+        <a:font script="Taml" typeface="Latha"/>
+        <a:font script="Syrc" typeface="Estrangelo Edessa"/>
+        <a:font script="Orya" typeface="Kalinga"/>
+        <a:font script="Mlym" typeface="Kartika"/>
+        <a:font script="Laoo" typeface="DokChampa"/>
+        <a:font script="Sinh" typeface="Iskoola Pota"/>
+        <a:font script="Mong" typeface="Mongolian Baiti"/>
+        <a:font script="Viet" typeface="Times New Roman"/>
+        <a:font script="Uigh" typeface="Microsoft Uighur"/>
+        <a:font script="Geor" typeface="Sylfaen"/>
+      </a:majorFont>
+      <a:minorFont>
+        <a:latin typeface="Arial"/>
+        <a:ea typeface=""/>
+        <a:cs typeface=""/>
+        <a:font script="Jpan" typeface="ＭＳ Ｐゴシック"/>
+        <a:font script="Hang" typeface="맑은 고딕"/>
+        <a:font script="Hans" typeface="宋体"/>
+        <a:font script="Hant" typeface="新細明體"/>
+        <a:font script="Arab" typeface="Arial"/>
+        <a:font script="Hebr" typeface="Arial"/>
+        <a:font script="Thai" typeface="Cordia New"/>
+        <a:font script="Ethi" typeface="Nyala"/>
+        <a:font script="Beng" typeface="Vrinda"/>
+        <a:font script="Gujr" typeface="Shruti"/>
+        <a:font script="Khmr" typeface="DaunPenh"/>
+        <a:font script="Knda" typeface="Tunga"/>
+        <a:font script="Guru" typeface="Raavi"/>
+        <a:font script="Cans" typeface="Euphemia"/>
+        <a:font script="Cher" typeface="Plantagenet Cherokee"/>
+        <a:font script="Yiii" typeface="Microsoft Yi Baiti"/>
+        <a:font script="Tibt" typeface="Microsoft Himalaya"/>
+        <a:font script="Thaa" typeface="MV Boli"/>
+        <a:font script="Deva" typeface="Mangal"/>
+        <a:font script="Telu" typeface="Gautami"/>
+        <a:font script="Taml" typeface="Latha"/>
+        <a:font script="Syrc" typeface="Estrangelo Edessa"/>
+        <a:font script="Orya" typeface="Kalinga"/>
+        <a:font script="Mlym" typeface="Kartika"/>
+        <a:font script="Laoo" typeface="DokChampa"/>
+        <a:font script="Sinh" typeface="Iskoola Pota"/>
+        <a:font script="Mong" typeface="Mongolian Baiti"/>
+        <a:font script="Viet" typeface="Arial"/>
+        <a:font script="Uigh" typeface="Microsoft Uighur"/>
+        <a:font script="Geor" typeface="Sylfaen"/>
+      </a:minorFont>
+    </a:fontScheme>
+    <a:fmtScheme name="Office">
+      <a:fillStyleLst>
+        <a:solidFill>
+          <a:schemeClr val="phClr"/>
+        </a:solidFill>
+        <a:gradFill rotWithShape="1">
+          <a:gsLst>
+            <a:gs pos="0">
+              <a:schemeClr val="phClr">
+                <a:tint val="50000"/>
+                <a:satMod val="300000"/>
+              </a:schemeClr>
+            </a:gs>
+            <a:gs pos="35000">
+              <a:schemeClr val="phClr">
+                <a:tint val="37000"/>
+                <a:satMod val="300000"/>
+              </a:schemeClr>
+            </a:gs>
+            <a:gs pos="100000">
+              <a:schemeClr val="phClr">
+                <a:tint val="15000"/>
+                <a:satMod val="350000"/>
+              </a:schemeClr>
+            </a:gs>
+          </a:gsLst>
+          <a:lin ang="16200000" scaled="1"/>
+        </a:gradFill>
+        <a:gradFill rotWithShape="1">
+          <a:gsLst>
+            <a:gs pos="0">
+              <a:schemeClr val="phClr">
+                <a:tint val="100000"/>
+                <a:shade val="100000"/>
+                <a:satMod val="130000"/>
+              </a:schemeClr>
+            </a:gs>
+            <a:gs pos="100000">
+              <a:schemeClr val="phClr">
+                <a:tint val="50000"/>
+                <a:shade val="100000"/>
+                <a:satMod val="350000"/>
+              </a:schemeClr>
+            </a:gs>
+          </a:gsLst>
+          <a:lin ang="16200000" scaled="0"/>
+        </a:gradFill>
+      </a:fillStyleLst>
+      <a:lnStyleLst>
+        <a:ln w="9525" cap="flat" cmpd="sng" algn="ctr">
+          <a:solidFill>
+            <a:schemeClr val="phClr">
+              <a:shade val="95000"/>
+              <a:satMod val="105000"/>
+            </a:schemeClr>
+          </a:solidFill>
+          <a:prstDash val="solid"/>
+        </a:ln>
+        <a:ln w="25400" cap="flat" cmpd="sng" algn="ctr">
+          <a:solidFill>
+            <a:schemeClr val="phClr"/>
+          </a:solidFill>
+          <a:prstDash val="solid"/>
+        </a:ln>
+        <a:ln w="38100" cap="flat" cmpd="sng" algn="ctr">
+          <a:solidFill>
+            <a:schemeClr val="phClr"/>
+          </a:solidFill>
+          <a:prstDash val="solid"/>
+        </a:ln>
+      </a:lnStyleLst>
+      <a:effectStyleLst>
+        <a:effectStyle>
+          <a:effectLst>
+            <a:outerShdw blurRad="40000" dist="20000" dir="5400000" rotWithShape="0">
+              <a:srgbClr val="000000">
+                <a:alpha val="38000"/>
+              </a:srgbClr>
+            </a:outerShdw>
+          </a:effectLst>
+        </a:effectStyle>
+        <a:effectStyle>
+          <a:effectLst>
+            <a:outerShdw blurRad="40000" dist="23000" dir="5400000" rotWithShape="0">
+              <a:srgbClr val="000000">
+                <a:alpha val="35000"/>
+              </a:srgbClr>
+            </a:outerShdw>
+          </a:effectLst>
+        </a:effectStyle>
+        <a:effectStyle>
+          <a:effectLst>
+            <a:outerShdw blurRad="40000" dist="23000" dir="5400000" rotWithShape="0">
+              <a:srgbClr val="000000">
+                <a:alpha val="35000"/>
+              </a:srgbClr>
+            </a:outerShdw>
+          </a:effectLst>
+          <a:scene3d>
+            <a:camera prst="orthographicFront">
+              <a:rot lat="0" lon="0" rev="0"/>
+            </a:camera>
+            <a:lightRig rig="threePt" dir="t">
+              <a:rot lat="0" lon="0" rev="1200000"/>
+            </a:lightRig>
+          </a:scene3d>
+          <a:sp3d>
+            <a:bevelT w="63500" h="25400"/>
+          </a:sp3d>
+        </a:effectStyle>
+      </a:effectStyleLst>
+      <a:bgFillStyleLst>
+        <a:solidFill>
+          <a:schemeClr val="phClr"/>
+        </a:solidFill>
+        <a:gradFill rotWithShape="1">
+          <a:gsLst>
+            <a:gs pos="0">
+              <a:schemeClr val="phClr">
+                <a:tint val="40000"/>
+                <a:satMod val="350000"/>
+              </a:schemeClr>
+            </a:gs>
+            <a:gs pos="40000">
+              <a:schemeClr val="phClr">
+                <a:tint val="45000"/>
+                <a:shade val="99000"/>
+                <a:satMod val="350000"/>
+              </a:schemeClr>
+            </a:gs>
+            <a:gs pos="100000">
+              <a:schemeClr val="phClr">
+                <a:shade val="20000"/>
+                <a:satMod val="255000"/>
+              </a:schemeClr>
+            </a:gs>
+          </a:gsLst>
+          <a:path path="circle">
+            <a:fillToRect l="50000" t="-80000" r="50000" b="180000"/>
+          </a:path>
+        </a:gradFill>
+        <a:gradFill rotWithShape="1">
+          <a:gsLst>
+            <a:gs pos="0">
+              <a:schemeClr val="phClr">
+                <a:tint val="80000"/>
+                <a:satMod val="300000"/>
+              </a:schemeClr>
+            </a:gs>
+            <a:gs pos="100000">
+              <a:schemeClr val="phClr">
+                <a:shade val="30000"/>
+                <a:satMod val="200000"/>
+              </a:schemeClr>
+            </a:gs>
+          </a:gsLst>
+          <a:path path="circle">
+            <a:fillToRect l="50000" t="50000" r="50000" b="50000"/>
+          </a:path>
+        </a:gradFill>
+      </a:bgFillStyleLst>
+    </a:fmtScheme>
+  </a:themeElements>
+</a:theme>
+</file>
+
+<file path=ppt/theme/theme2.xml><?xml version="1.0" encoding="utf-8"?>
 <a:theme xmlns:a="http://schemas.openxmlformats.org/drawingml/2006/main" xmlns:r="http://schemas.openxmlformats.org/officeDocument/2006/relationships">
   <a:themeElements>
     <a:clrScheme name="Default">
@@ -29619,283 +30448,4 @@
     </a:fmtScheme>
   </a:themeElements>
 </a:theme>
-</file>
-
-<file path=ppt/theme/theme2.xml><?xml version="1.0" encoding="utf-8"?>
-<a:theme xmlns:a="http://schemas.openxmlformats.org/drawingml/2006/main" xmlns:r="http://schemas.openxmlformats.org/officeDocument/2006/relationships" name="Material">
-  <a:themeElements>
-    <a:clrScheme name="Material">
-      <a:dk1>
-        <a:srgbClr val="4285F4"/>
-      </a:dk1>
-      <a:lt1>
-        <a:srgbClr val="FFFFFF"/>
-      </a:lt1>
-      <a:dk2>
-        <a:srgbClr val="424242"/>
-      </a:dk2>
-      <a:lt2>
-        <a:srgbClr val="737373"/>
-      </a:lt2>
-      <a:accent1>
-        <a:srgbClr val="0277BD"/>
-      </a:accent1>
-      <a:accent2>
-        <a:srgbClr val="0F9D58"/>
-      </a:accent2>
-      <a:accent3>
-        <a:srgbClr val="DB4437"/>
-      </a:accent3>
-      <a:accent4>
-        <a:srgbClr val="FAFAFA"/>
-      </a:accent4>
-      <a:accent5>
-        <a:srgbClr val="4FC3F7"/>
-      </a:accent5>
-      <a:accent6>
-        <a:srgbClr val="F4B400"/>
-      </a:accent6>
-      <a:hlink>
-        <a:srgbClr val="4FC3F7"/>
-      </a:hlink>
-      <a:folHlink>
-        <a:srgbClr val="4FC3F7"/>
-      </a:folHlink>
-    </a:clrScheme>
-    <a:fontScheme name="Office">
-      <a:majorFont>
-        <a:latin typeface="Arial"/>
-        <a:ea typeface=""/>
-        <a:cs typeface=""/>
-        <a:font script="Jpan" typeface="ＭＳ Ｐゴシック"/>
-        <a:font script="Hang" typeface="맑은 고딕"/>
-        <a:font script="Hans" typeface="宋体"/>
-        <a:font script="Hant" typeface="新細明體"/>
-        <a:font script="Arab" typeface="Times New Roman"/>
-        <a:font script="Hebr" typeface="Times New Roman"/>
-        <a:font script="Thai" typeface="Angsana New"/>
-        <a:font script="Ethi" typeface="Nyala"/>
-        <a:font script="Beng" typeface="Vrinda"/>
-        <a:font script="Gujr" typeface="Shruti"/>
-        <a:font script="Khmr" typeface="MoolBoran"/>
-        <a:font script="Knda" typeface="Tunga"/>
-        <a:font script="Guru" typeface="Raavi"/>
-        <a:font script="Cans" typeface="Euphemia"/>
-        <a:font script="Cher" typeface="Plantagenet Cherokee"/>
-        <a:font script="Yiii" typeface="Microsoft Yi Baiti"/>
-        <a:font script="Tibt" typeface="Microsoft Himalaya"/>
-        <a:font script="Thaa" typeface="MV Boli"/>
-        <a:font script="Deva" typeface="Mangal"/>
-        <a:font script="Telu" typeface="Gautami"/>
-        <a:font script="Taml" typeface="Latha"/>
-        <a:font script="Syrc" typeface="Estrangelo Edessa"/>
-        <a:font script="Orya" typeface="Kalinga"/>
-        <a:font script="Mlym" typeface="Kartika"/>
-        <a:font script="Laoo" typeface="DokChampa"/>
-        <a:font script="Sinh" typeface="Iskoola Pota"/>
-        <a:font script="Mong" typeface="Mongolian Baiti"/>
-        <a:font script="Viet" typeface="Times New Roman"/>
-        <a:font script="Uigh" typeface="Microsoft Uighur"/>
-        <a:font script="Geor" typeface="Sylfaen"/>
-      </a:majorFont>
-      <a:minorFont>
-        <a:latin typeface="Arial"/>
-        <a:ea typeface=""/>
-        <a:cs typeface=""/>
-        <a:font script="Jpan" typeface="ＭＳ Ｐゴシック"/>
-        <a:font script="Hang" typeface="맑은 고딕"/>
-        <a:font script="Hans" typeface="宋体"/>
-        <a:font script="Hant" typeface="新細明體"/>
-        <a:font script="Arab" typeface="Arial"/>
-        <a:font script="Hebr" typeface="Arial"/>
-        <a:font script="Thai" typeface="Cordia New"/>
-        <a:font script="Ethi" typeface="Nyala"/>
-        <a:font script="Beng" typeface="Vrinda"/>
-        <a:font script="Gujr" typeface="Shruti"/>
-        <a:font script="Khmr" typeface="DaunPenh"/>
-        <a:font script="Knda" typeface="Tunga"/>
-        <a:font script="Guru" typeface="Raavi"/>
-        <a:font script="Cans" typeface="Euphemia"/>
-        <a:font script="Cher" typeface="Plantagenet Cherokee"/>
-        <a:font script="Yiii" typeface="Microsoft Yi Baiti"/>
-        <a:font script="Tibt" typeface="Microsoft Himalaya"/>
-        <a:font script="Thaa" typeface="MV Boli"/>
-        <a:font script="Deva" typeface="Mangal"/>
-        <a:font script="Telu" typeface="Gautami"/>
-        <a:font script="Taml" typeface="Latha"/>
-        <a:font script="Syrc" typeface="Estrangelo Edessa"/>
-        <a:font script="Orya" typeface="Kalinga"/>
-        <a:font script="Mlym" typeface="Kartika"/>
-        <a:font script="Laoo" typeface="DokChampa"/>
-        <a:font script="Sinh" typeface="Iskoola Pota"/>
-        <a:font script="Mong" typeface="Mongolian Baiti"/>
-        <a:font script="Viet" typeface="Arial"/>
-        <a:font script="Uigh" typeface="Microsoft Uighur"/>
-        <a:font script="Geor" typeface="Sylfaen"/>
-      </a:minorFont>
-    </a:fontScheme>
-    <a:fmtScheme name="Office">
-      <a:fillStyleLst>
-        <a:solidFill>
-          <a:schemeClr val="phClr"/>
-        </a:solidFill>
-        <a:gradFill rotWithShape="1">
-          <a:gsLst>
-            <a:gs pos="0">
-              <a:schemeClr val="phClr">
-                <a:tint val="50000"/>
-                <a:satMod val="300000"/>
-              </a:schemeClr>
-            </a:gs>
-            <a:gs pos="35000">
-              <a:schemeClr val="phClr">
-                <a:tint val="37000"/>
-                <a:satMod val="300000"/>
-              </a:schemeClr>
-            </a:gs>
-            <a:gs pos="100000">
-              <a:schemeClr val="phClr">
-                <a:tint val="15000"/>
-                <a:satMod val="350000"/>
-              </a:schemeClr>
-            </a:gs>
-          </a:gsLst>
-          <a:lin ang="16200000" scaled="1"/>
-        </a:gradFill>
-        <a:gradFill rotWithShape="1">
-          <a:gsLst>
-            <a:gs pos="0">
-              <a:schemeClr val="phClr">
-                <a:tint val="100000"/>
-                <a:shade val="100000"/>
-                <a:satMod val="130000"/>
-              </a:schemeClr>
-            </a:gs>
-            <a:gs pos="100000">
-              <a:schemeClr val="phClr">
-                <a:tint val="50000"/>
-                <a:shade val="100000"/>
-                <a:satMod val="350000"/>
-              </a:schemeClr>
-            </a:gs>
-          </a:gsLst>
-          <a:lin ang="16200000" scaled="0"/>
-        </a:gradFill>
-      </a:fillStyleLst>
-      <a:lnStyleLst>
-        <a:ln w="9525" cap="flat" cmpd="sng" algn="ctr">
-          <a:solidFill>
-            <a:schemeClr val="phClr">
-              <a:shade val="95000"/>
-              <a:satMod val="105000"/>
-            </a:schemeClr>
-          </a:solidFill>
-          <a:prstDash val="solid"/>
-        </a:ln>
-        <a:ln w="25400" cap="flat" cmpd="sng" algn="ctr">
-          <a:solidFill>
-            <a:schemeClr val="phClr"/>
-          </a:solidFill>
-          <a:prstDash val="solid"/>
-        </a:ln>
-        <a:ln w="38100" cap="flat" cmpd="sng" algn="ctr">
-          <a:solidFill>
-            <a:schemeClr val="phClr"/>
-          </a:solidFill>
-          <a:prstDash val="solid"/>
-        </a:ln>
-      </a:lnStyleLst>
-      <a:effectStyleLst>
-        <a:effectStyle>
-          <a:effectLst>
-            <a:outerShdw blurRad="40000" dist="20000" dir="5400000" rotWithShape="0">
-              <a:srgbClr val="000000">
-                <a:alpha val="38000"/>
-              </a:srgbClr>
-            </a:outerShdw>
-          </a:effectLst>
-        </a:effectStyle>
-        <a:effectStyle>
-          <a:effectLst>
-            <a:outerShdw blurRad="40000" dist="23000" dir="5400000" rotWithShape="0">
-              <a:srgbClr val="000000">
-                <a:alpha val="35000"/>
-              </a:srgbClr>
-            </a:outerShdw>
-          </a:effectLst>
-        </a:effectStyle>
-        <a:effectStyle>
-          <a:effectLst>
-            <a:outerShdw blurRad="40000" dist="23000" dir="5400000" rotWithShape="0">
-              <a:srgbClr val="000000">
-                <a:alpha val="35000"/>
-              </a:srgbClr>
-            </a:outerShdw>
-          </a:effectLst>
-          <a:scene3d>
-            <a:camera prst="orthographicFront">
-              <a:rot lat="0" lon="0" rev="0"/>
-            </a:camera>
-            <a:lightRig rig="threePt" dir="t">
-              <a:rot lat="0" lon="0" rev="1200000"/>
-            </a:lightRig>
-          </a:scene3d>
-          <a:sp3d>
-            <a:bevelT w="63500" h="25400"/>
-          </a:sp3d>
-        </a:effectStyle>
-      </a:effectStyleLst>
-      <a:bgFillStyleLst>
-        <a:solidFill>
-          <a:schemeClr val="phClr"/>
-        </a:solidFill>
-        <a:gradFill rotWithShape="1">
-          <a:gsLst>
-            <a:gs pos="0">
-              <a:schemeClr val="phClr">
-                <a:tint val="40000"/>
-                <a:satMod val="350000"/>
-              </a:schemeClr>
-            </a:gs>
-            <a:gs pos="40000">
-              <a:schemeClr val="phClr">
-                <a:tint val="45000"/>
-                <a:shade val="99000"/>
-                <a:satMod val="350000"/>
-              </a:schemeClr>
-            </a:gs>
-            <a:gs pos="100000">
-              <a:schemeClr val="phClr">
-                <a:shade val="20000"/>
-                <a:satMod val="255000"/>
-              </a:schemeClr>
-            </a:gs>
-          </a:gsLst>
-          <a:path path="circle">
-            <a:fillToRect l="50000" t="-80000" r="50000" b="180000"/>
-          </a:path>
-        </a:gradFill>
-        <a:gradFill rotWithShape="1">
-          <a:gsLst>
-            <a:gs pos="0">
-              <a:schemeClr val="phClr">
-                <a:tint val="80000"/>
-                <a:satMod val="300000"/>
-              </a:schemeClr>
-            </a:gs>
-            <a:gs pos="100000">
-              <a:schemeClr val="phClr">
-                <a:shade val="30000"/>
-                <a:satMod val="200000"/>
-              </a:schemeClr>
-            </a:gs>
-          </a:gsLst>
-          <a:path path="circle">
-            <a:fillToRect l="50000" t="50000" r="50000" b="50000"/>
-          </a:path>
-        </a:gradFill>
-      </a:bgFillStyleLst>
-    </a:fmtScheme>
-  </a:themeElements>
-</a:theme>
 </file>